--- a/use cases/use_case_diagram_organization.pptx
+++ b/use cases/use_case_diagram_organization.pptx
@@ -3686,7 +3686,7 @@
         </p:nvSpPr>
         <p:spPr>
           <a:xfrm>
-            <a:off x="7615053" y="3167891"/>
+            <a:off x="7630489" y="4314640"/>
             <a:ext cx="1212219" cy="737438"/>
           </a:xfrm>
           <a:prstGeom prst="roundRect">
@@ -3998,13 +3998,13 @@
           <p:nvPr/>
         </p:nvCxnSpPr>
         <p:spPr>
-          <a:xfrm rot="5400000" flipH="1" flipV="1">
-            <a:off x="6220471" y="1180223"/>
-            <a:ext cx="13023" cy="3988361"/>
+          <a:xfrm rot="16200000" flipH="1">
+            <a:off x="5667837" y="1745879"/>
+            <a:ext cx="1133726" cy="4003797"/>
           </a:xfrm>
           <a:prstGeom prst="curvedConnector3">
             <a:avLst>
-              <a:gd name="adj1" fmla="val 1855356"/>
+              <a:gd name="adj1" fmla="val -20164"/>
             </a:avLst>
           </a:prstGeom>
         </p:spPr>
@@ -4041,8 +4041,8 @@
         </p:nvCxnSpPr>
         <p:spPr>
           <a:xfrm flipV="1">
-            <a:off x="5059096" y="4884839"/>
-            <a:ext cx="2894426" cy="679702"/>
+            <a:off x="5059096" y="4945471"/>
+            <a:ext cx="872550" cy="619070"/>
           </a:xfrm>
           <a:prstGeom prst="curvedConnector2">
             <a:avLst/>
@@ -4200,7 +4200,7 @@
         <p:spPr>
           <a:xfrm>
             <a:off x="4838911" y="3549633"/>
-            <a:ext cx="3114611" cy="704375"/>
+            <a:ext cx="1092735" cy="765007"/>
           </a:xfrm>
           <a:prstGeom prst="curvedConnector2">
             <a:avLst/>
@@ -4285,7 +4285,7 @@
         </p:blipFill>
         <p:spPr bwMode="auto">
           <a:xfrm>
-            <a:off x="7677731" y="4254008"/>
+            <a:off x="5655855" y="4314640"/>
             <a:ext cx="551581" cy="630831"/>
           </a:xfrm>
           <a:prstGeom prst="rect">
@@ -4317,7 +4317,7 @@
         </p:nvSpPr>
         <p:spPr>
           <a:xfrm>
-            <a:off x="8229312" y="4288551"/>
+            <a:off x="4863085" y="4262903"/>
             <a:ext cx="965356" cy="646331"/>
           </a:xfrm>
           <a:prstGeom prst="rect">
@@ -4564,7 +4564,7 @@
         </p:nvSpPr>
         <p:spPr>
           <a:xfrm>
-            <a:off x="5253294" y="4183399"/>
+            <a:off x="6007389" y="3174403"/>
             <a:ext cx="1212219" cy="737438"/>
           </a:xfrm>
           <a:prstGeom prst="roundRect">
@@ -4621,9 +4621,9 @@
           <p:nvPr/>
         </p:nvCxnSpPr>
         <p:spPr>
-          <a:xfrm>
-            <a:off x="4838911" y="3549633"/>
-            <a:ext cx="414383" cy="1002485"/>
+          <a:xfrm flipV="1">
+            <a:off x="4838911" y="3543122"/>
+            <a:ext cx="1168478" cy="6511"/>
           </a:xfrm>
           <a:prstGeom prst="line">
             <a:avLst/>
@@ -4655,17 +4655,17 @@
           </p:cNvPr>
           <p:cNvCxnSpPr>
             <a:cxnSpLocks/>
-            <a:stCxn id="30" idx="3"/>
-            <a:endCxn id="125" idx="1"/>
+            <a:stCxn id="30" idx="2"/>
+            <a:endCxn id="125" idx="3"/>
           </p:cNvCxnSpPr>
           <p:nvPr/>
         </p:nvCxnSpPr>
         <p:spPr>
-          <a:xfrm>
-            <a:off x="6465513" y="4552118"/>
-            <a:ext cx="1212218" cy="17306"/>
-          </a:xfrm>
-          <a:prstGeom prst="line">
+          <a:xfrm rot="5400000">
+            <a:off x="6051361" y="4067917"/>
+            <a:ext cx="718215" cy="406063"/>
+          </a:xfrm>
+          <a:prstGeom prst="curvedConnector2">
             <a:avLst/>
           </a:prstGeom>
         </p:spPr>
@@ -4695,18 +4695,20 @@
           </p:cNvPr>
           <p:cNvCxnSpPr>
             <a:cxnSpLocks/>
-            <a:stCxn id="30" idx="0"/>
+            <a:stCxn id="30" idx="3"/>
             <a:endCxn id="11" idx="1"/>
           </p:cNvCxnSpPr>
           <p:nvPr/>
         </p:nvCxnSpPr>
         <p:spPr>
-          <a:xfrm rot="5400000" flipH="1" flipV="1">
-            <a:off x="6413834" y="2982181"/>
-            <a:ext cx="646789" cy="1755649"/>
-          </a:xfrm>
-          <a:prstGeom prst="curvedConnector2">
-            <a:avLst/>
+          <a:xfrm>
+            <a:off x="7219608" y="3543122"/>
+            <a:ext cx="410881" cy="1140237"/>
+          </a:xfrm>
+          <a:prstGeom prst="curvedConnector3">
+            <a:avLst>
+              <a:gd name="adj1" fmla="val 50000"/>
+            </a:avLst>
           </a:prstGeom>
         </p:spPr>
         <p:style>

--- a/use cases/use_case_diagram_organization.pptx
+++ b/use cases/use_case_diagram_organization.pptx
@@ -7,6 +7,7 @@
   <p:sldIdLst>
     <p:sldId id="257" r:id="rId2"/>
     <p:sldId id="256" r:id="rId3"/>
+    <p:sldId id="258" r:id="rId4"/>
   </p:sldIdLst>
   <p:sldSz cx="12192000" cy="6858000"/>
   <p:notesSz cx="6858000" cy="9144000"/>
@@ -260,7 +261,7 @@
           <a:p>
             <a:fld id="{808C3DBF-4E85-4432-AFC9-4C85C7D0F8E2}" type="datetimeFigureOut">
               <a:rPr lang="en-US" smtClean="0"/>
-              <a:t>3/31/18</a:t>
+              <a:t>4/12/2018</a:t>
             </a:fld>
             <a:endParaRPr lang="en-US"/>
           </a:p>
@@ -458,7 +459,7 @@
           <a:p>
             <a:fld id="{808C3DBF-4E85-4432-AFC9-4C85C7D0F8E2}" type="datetimeFigureOut">
               <a:rPr lang="en-US" smtClean="0"/>
-              <a:t>3/31/18</a:t>
+              <a:t>4/12/2018</a:t>
             </a:fld>
             <a:endParaRPr lang="en-US"/>
           </a:p>
@@ -666,7 +667,7 @@
           <a:p>
             <a:fld id="{808C3DBF-4E85-4432-AFC9-4C85C7D0F8E2}" type="datetimeFigureOut">
               <a:rPr lang="en-US" smtClean="0"/>
-              <a:t>3/31/18</a:t>
+              <a:t>4/12/2018</a:t>
             </a:fld>
             <a:endParaRPr lang="en-US"/>
           </a:p>
@@ -864,7 +865,7 @@
           <a:p>
             <a:fld id="{808C3DBF-4E85-4432-AFC9-4C85C7D0F8E2}" type="datetimeFigureOut">
               <a:rPr lang="en-US" smtClean="0"/>
-              <a:t>3/31/18</a:t>
+              <a:t>4/12/2018</a:t>
             </a:fld>
             <a:endParaRPr lang="en-US"/>
           </a:p>
@@ -1139,7 +1140,7 @@
           <a:p>
             <a:fld id="{808C3DBF-4E85-4432-AFC9-4C85C7D0F8E2}" type="datetimeFigureOut">
               <a:rPr lang="en-US" smtClean="0"/>
-              <a:t>3/31/18</a:t>
+              <a:t>4/12/2018</a:t>
             </a:fld>
             <a:endParaRPr lang="en-US"/>
           </a:p>
@@ -1404,7 +1405,7 @@
           <a:p>
             <a:fld id="{808C3DBF-4E85-4432-AFC9-4C85C7D0F8E2}" type="datetimeFigureOut">
               <a:rPr lang="en-US" smtClean="0"/>
-              <a:t>3/31/18</a:t>
+              <a:t>4/12/2018</a:t>
             </a:fld>
             <a:endParaRPr lang="en-US"/>
           </a:p>
@@ -1816,7 +1817,7 @@
           <a:p>
             <a:fld id="{808C3DBF-4E85-4432-AFC9-4C85C7D0F8E2}" type="datetimeFigureOut">
               <a:rPr lang="en-US" smtClean="0"/>
-              <a:t>3/31/18</a:t>
+              <a:t>4/12/2018</a:t>
             </a:fld>
             <a:endParaRPr lang="en-US"/>
           </a:p>
@@ -1957,7 +1958,7 @@
           <a:p>
             <a:fld id="{808C3DBF-4E85-4432-AFC9-4C85C7D0F8E2}" type="datetimeFigureOut">
               <a:rPr lang="en-US" smtClean="0"/>
-              <a:t>3/31/18</a:t>
+              <a:t>4/12/2018</a:t>
             </a:fld>
             <a:endParaRPr lang="en-US"/>
           </a:p>
@@ -2070,7 +2071,7 @@
           <a:p>
             <a:fld id="{808C3DBF-4E85-4432-AFC9-4C85C7D0F8E2}" type="datetimeFigureOut">
               <a:rPr lang="en-US" smtClean="0"/>
-              <a:t>3/31/18</a:t>
+              <a:t>4/12/2018</a:t>
             </a:fld>
             <a:endParaRPr lang="en-US"/>
           </a:p>
@@ -2381,7 +2382,7 @@
           <a:p>
             <a:fld id="{808C3DBF-4E85-4432-AFC9-4C85C7D0F8E2}" type="datetimeFigureOut">
               <a:rPr lang="en-US" smtClean="0"/>
-              <a:t>3/31/18</a:t>
+              <a:t>4/12/2018</a:t>
             </a:fld>
             <a:endParaRPr lang="en-US"/>
           </a:p>
@@ -2669,7 +2670,7 @@
           <a:p>
             <a:fld id="{808C3DBF-4E85-4432-AFC9-4C85C7D0F8E2}" type="datetimeFigureOut">
               <a:rPr lang="en-US" smtClean="0"/>
-              <a:t>3/31/18</a:t>
+              <a:t>4/12/2018</a:t>
             </a:fld>
             <a:endParaRPr lang="en-US"/>
           </a:p>
@@ -2910,7 +2911,7 @@
           <a:p>
             <a:fld id="{808C3DBF-4E85-4432-AFC9-4C85C7D0F8E2}" type="datetimeFigureOut">
               <a:rPr lang="en-US" smtClean="0"/>
-              <a:t>3/31/18</a:t>
+              <a:t>4/12/2018</a:t>
             </a:fld>
             <a:endParaRPr lang="en-US"/>
           </a:p>
@@ -4271,7 +4272,7 @@
           <p:nvPr/>
         </p:nvPicPr>
         <p:blipFill>
-          <a:blip r:embed="rId2">
+          <a:blip r:embed="rId2" cstate="hqprint">
             <a:extLst>
               <a:ext uri="{28A0092B-C50C-407E-A947-70E740481C1C}">
                 <a14:useLocalDpi xmlns:a14="http://schemas.microsoft.com/office/drawing/2010/main" val="0"/>
@@ -4353,7 +4354,7 @@
           <p:nvPr/>
         </p:nvPicPr>
         <p:blipFill>
-          <a:blip r:embed="rId2">
+          <a:blip r:embed="rId2" cstate="hqprint">
             <a:extLst>
               <a:ext uri="{28A0092B-C50C-407E-A947-70E740481C1C}">
                 <a14:useLocalDpi xmlns:a14="http://schemas.microsoft.com/office/drawing/2010/main" val="0"/>
@@ -4435,7 +4436,7 @@
           <p:nvPr/>
         </p:nvPicPr>
         <p:blipFill>
-          <a:blip r:embed="rId2">
+          <a:blip r:embed="rId2" cstate="hqprint">
             <a:extLst>
               <a:ext uri="{28A0092B-C50C-407E-A947-70E740481C1C}">
                 <a14:useLocalDpi xmlns:a14="http://schemas.microsoft.com/office/drawing/2010/main" val="0"/>
@@ -4482,7 +4483,7 @@
           <p:nvPr/>
         </p:nvPicPr>
         <p:blipFill>
-          <a:blip r:embed="rId3">
+          <a:blip r:embed="rId3" cstate="hqprint">
             <a:extLst>
               <a:ext uri="{28A0092B-C50C-407E-A947-70E740481C1C}">
                 <a14:useLocalDpi xmlns:a14="http://schemas.microsoft.com/office/drawing/2010/main" val="0"/>
@@ -6378,6 +6379,2577 @@
     <p:extLst>
       <p:ext uri="{BB962C8B-B14F-4D97-AF65-F5344CB8AC3E}">
         <p14:creationId xmlns:p14="http://schemas.microsoft.com/office/powerpoint/2010/main" val="2922493363"/>
+      </p:ext>
+    </p:extLst>
+  </p:cSld>
+  <p:clrMapOvr>
+    <a:masterClrMapping/>
+  </p:clrMapOvr>
+</p:sld>
+</file>
+
+<file path=ppt/slides/slide3.xml><?xml version="1.0" encoding="utf-8"?>
+<p:sld xmlns:a="http://schemas.openxmlformats.org/drawingml/2006/main" xmlns:r="http://schemas.openxmlformats.org/officeDocument/2006/relationships" xmlns:p="http://schemas.openxmlformats.org/presentationml/2006/main">
+  <p:cSld>
+    <p:spTree>
+      <p:nvGrpSpPr>
+        <p:cNvPr id="1" name=""/>
+        <p:cNvGrpSpPr/>
+        <p:nvPr/>
+      </p:nvGrpSpPr>
+      <p:grpSpPr>
+        <a:xfrm>
+          <a:off x="0" y="0"/>
+          <a:ext cx="0" cy="0"/>
+          <a:chOff x="0" y="0"/>
+          <a:chExt cx="0" cy="0"/>
+        </a:xfrm>
+      </p:grpSpPr>
+      <p:sp>
+        <p:nvSpPr>
+          <p:cNvPr id="4" name="Rectangle 3">
+            <a:extLst>
+              <a:ext uri="{FF2B5EF4-FFF2-40B4-BE49-F238E27FC236}">
+                <a16:creationId xmlns:a16="http://schemas.microsoft.com/office/drawing/2014/main" id="{85221335-6918-47FB-A893-5790A1B77B83}"/>
+              </a:ext>
+            </a:extLst>
+          </p:cNvPr>
+          <p:cNvSpPr/>
+          <p:nvPr/>
+        </p:nvSpPr>
+        <p:spPr>
+          <a:xfrm>
+            <a:off x="1353280" y="491827"/>
+            <a:ext cx="10611892" cy="6244253"/>
+          </a:xfrm>
+          <a:prstGeom prst="rect">
+            <a:avLst/>
+          </a:prstGeom>
+          <a:noFill/>
+        </p:spPr>
+        <p:style>
+          <a:lnRef idx="2">
+            <a:schemeClr val="accent1">
+              <a:shade val="50000"/>
+            </a:schemeClr>
+          </a:lnRef>
+          <a:fillRef idx="1">
+            <a:schemeClr val="accent1"/>
+          </a:fillRef>
+          <a:effectRef idx="0">
+            <a:schemeClr val="accent1"/>
+          </a:effectRef>
+          <a:fontRef idx="minor">
+            <a:schemeClr val="lt1"/>
+          </a:fontRef>
+        </p:style>
+        <p:txBody>
+          <a:bodyPr rtlCol="0" anchor="ctr"/>
+          <a:lstStyle/>
+          <a:p>
+            <a:pPr algn="ctr"/>
+            <a:endParaRPr lang="en-US"/>
+          </a:p>
+        </p:txBody>
+      </p:sp>
+      <p:sp>
+        <p:nvSpPr>
+          <p:cNvPr id="5" name="Rectangle 4">
+            <a:extLst>
+              <a:ext uri="{FF2B5EF4-FFF2-40B4-BE49-F238E27FC236}">
+                <a16:creationId xmlns:a16="http://schemas.microsoft.com/office/drawing/2014/main" id="{0E4EEA44-4B0C-496F-9DDF-D91DC53FD1C8}"/>
+              </a:ext>
+            </a:extLst>
+          </p:cNvPr>
+          <p:cNvSpPr/>
+          <p:nvPr/>
+        </p:nvSpPr>
+        <p:spPr>
+          <a:xfrm>
+            <a:off x="2389462" y="1126679"/>
+            <a:ext cx="8575474" cy="5399221"/>
+          </a:xfrm>
+          <a:prstGeom prst="rect">
+            <a:avLst/>
+          </a:prstGeom>
+          <a:noFill/>
+        </p:spPr>
+        <p:style>
+          <a:lnRef idx="2">
+            <a:schemeClr val="accent1">
+              <a:shade val="50000"/>
+            </a:schemeClr>
+          </a:lnRef>
+          <a:fillRef idx="1">
+            <a:schemeClr val="accent1"/>
+          </a:fillRef>
+          <a:effectRef idx="0">
+            <a:schemeClr val="accent1"/>
+          </a:effectRef>
+          <a:fontRef idx="minor">
+            <a:schemeClr val="lt1"/>
+          </a:fontRef>
+        </p:style>
+        <p:txBody>
+          <a:bodyPr rtlCol="0" anchor="ctr"/>
+          <a:lstStyle/>
+          <a:p>
+            <a:pPr algn="ctr"/>
+            <a:endParaRPr lang="en-US"/>
+          </a:p>
+        </p:txBody>
+      </p:sp>
+      <p:grpSp>
+        <p:nvGrpSpPr>
+          <p:cNvPr id="13" name="Group 12">
+            <a:extLst>
+              <a:ext uri="{FF2B5EF4-FFF2-40B4-BE49-F238E27FC236}">
+                <a16:creationId xmlns:a16="http://schemas.microsoft.com/office/drawing/2014/main" id="{09C280B3-D823-4047-B863-BC37CA82E582}"/>
+              </a:ext>
+            </a:extLst>
+          </p:cNvPr>
+          <p:cNvGrpSpPr/>
+          <p:nvPr/>
+        </p:nvGrpSpPr>
+        <p:grpSpPr>
+          <a:xfrm>
+            <a:off x="435167" y="1956141"/>
+            <a:ext cx="878757" cy="1318492"/>
+            <a:chOff x="166889" y="2680448"/>
+            <a:chExt cx="1064478" cy="1597149"/>
+          </a:xfrm>
+        </p:grpSpPr>
+        <p:grpSp>
+          <p:nvGrpSpPr>
+            <p:cNvPr id="6" name="Group 5">
+              <a:extLst>
+                <a:ext uri="{FF2B5EF4-FFF2-40B4-BE49-F238E27FC236}">
+                  <a16:creationId xmlns:a16="http://schemas.microsoft.com/office/drawing/2014/main" id="{87E0BA4E-D3E8-45F5-9187-DE16E097D0E5}"/>
+                </a:ext>
+              </a:extLst>
+            </p:cNvPr>
+            <p:cNvGrpSpPr/>
+            <p:nvPr/>
+          </p:nvGrpSpPr>
+          <p:grpSpPr>
+            <a:xfrm>
+              <a:off x="401999" y="2680448"/>
+              <a:ext cx="594257" cy="1320150"/>
+              <a:chOff x="1763484" y="989045"/>
+              <a:chExt cx="1474239" cy="3275045"/>
+            </a:xfrm>
+          </p:grpSpPr>
+          <p:sp>
+            <p:nvSpPr>
+              <p:cNvPr id="7" name="Oval 6">
+                <a:extLst>
+                  <a:ext uri="{FF2B5EF4-FFF2-40B4-BE49-F238E27FC236}">
+                    <a16:creationId xmlns:a16="http://schemas.microsoft.com/office/drawing/2014/main" id="{CCA234BC-5FE2-4C5D-84C3-DCC8319DB442}"/>
+                  </a:ext>
+                </a:extLst>
+              </p:cNvPr>
+              <p:cNvSpPr/>
+              <p:nvPr/>
+            </p:nvSpPr>
+            <p:spPr>
+              <a:xfrm>
+                <a:off x="2034074" y="989045"/>
+                <a:ext cx="933061" cy="933061"/>
+              </a:xfrm>
+              <a:prstGeom prst="ellipse">
+                <a:avLst/>
+              </a:prstGeom>
+              <a:noFill/>
+              <a:ln w="19050"/>
+            </p:spPr>
+            <p:style>
+              <a:lnRef idx="2">
+                <a:schemeClr val="accent1">
+                  <a:shade val="50000"/>
+                </a:schemeClr>
+              </a:lnRef>
+              <a:fillRef idx="1">
+                <a:schemeClr val="accent1"/>
+              </a:fillRef>
+              <a:effectRef idx="0">
+                <a:schemeClr val="accent1"/>
+              </a:effectRef>
+              <a:fontRef idx="minor">
+                <a:schemeClr val="lt1"/>
+              </a:fontRef>
+            </p:style>
+            <p:txBody>
+              <a:bodyPr rtlCol="0" anchor="ctr"/>
+              <a:lstStyle/>
+              <a:p>
+                <a:pPr algn="ctr"/>
+                <a:endParaRPr lang="en-US">
+                  <a:solidFill>
+                    <a:schemeClr val="tx1"/>
+                  </a:solidFill>
+                </a:endParaRPr>
+              </a:p>
+            </p:txBody>
+          </p:sp>
+          <p:cxnSp>
+            <p:nvCxnSpPr>
+              <p:cNvPr id="8" name="Straight Connector 7">
+                <a:extLst>
+                  <a:ext uri="{FF2B5EF4-FFF2-40B4-BE49-F238E27FC236}">
+                    <a16:creationId xmlns:a16="http://schemas.microsoft.com/office/drawing/2014/main" id="{B2580A1B-4C0F-4187-B955-4D19BC2DCF71}"/>
+                  </a:ext>
+                </a:extLst>
+              </p:cNvPr>
+              <p:cNvCxnSpPr>
+                <a:cxnSpLocks/>
+                <a:stCxn id="7" idx="4"/>
+              </p:cNvCxnSpPr>
+              <p:nvPr/>
+            </p:nvCxnSpPr>
+            <p:spPr>
+              <a:xfrm>
+                <a:off x="2500605" y="1922106"/>
+                <a:ext cx="0" cy="1306286"/>
+              </a:xfrm>
+              <a:prstGeom prst="line">
+                <a:avLst/>
+              </a:prstGeom>
+              <a:ln w="19050"/>
+            </p:spPr>
+            <p:style>
+              <a:lnRef idx="1">
+                <a:schemeClr val="accent1"/>
+              </a:lnRef>
+              <a:fillRef idx="0">
+                <a:schemeClr val="accent1"/>
+              </a:fillRef>
+              <a:effectRef idx="0">
+                <a:schemeClr val="accent1"/>
+              </a:effectRef>
+              <a:fontRef idx="minor">
+                <a:schemeClr val="tx1"/>
+              </a:fontRef>
+            </p:style>
+          </p:cxnSp>
+          <p:cxnSp>
+            <p:nvCxnSpPr>
+              <p:cNvPr id="9" name="Straight Connector 8">
+                <a:extLst>
+                  <a:ext uri="{FF2B5EF4-FFF2-40B4-BE49-F238E27FC236}">
+                    <a16:creationId xmlns:a16="http://schemas.microsoft.com/office/drawing/2014/main" id="{D6C39813-E831-4337-BC23-9B868089B68D}"/>
+                  </a:ext>
+                </a:extLst>
+              </p:cNvPr>
+              <p:cNvCxnSpPr>
+                <a:cxnSpLocks/>
+              </p:cNvCxnSpPr>
+              <p:nvPr/>
+            </p:nvCxnSpPr>
+            <p:spPr>
+              <a:xfrm flipH="1">
+                <a:off x="1763485" y="3228392"/>
+                <a:ext cx="737118" cy="1035698"/>
+              </a:xfrm>
+              <a:prstGeom prst="line">
+                <a:avLst/>
+              </a:prstGeom>
+              <a:ln w="19050"/>
+            </p:spPr>
+            <p:style>
+              <a:lnRef idx="1">
+                <a:schemeClr val="accent1"/>
+              </a:lnRef>
+              <a:fillRef idx="0">
+                <a:schemeClr val="accent1"/>
+              </a:fillRef>
+              <a:effectRef idx="0">
+                <a:schemeClr val="accent1"/>
+              </a:effectRef>
+              <a:fontRef idx="minor">
+                <a:schemeClr val="tx1"/>
+              </a:fontRef>
+            </p:style>
+          </p:cxnSp>
+          <p:cxnSp>
+            <p:nvCxnSpPr>
+              <p:cNvPr id="10" name="Straight Connector 9">
+                <a:extLst>
+                  <a:ext uri="{FF2B5EF4-FFF2-40B4-BE49-F238E27FC236}">
+                    <a16:creationId xmlns:a16="http://schemas.microsoft.com/office/drawing/2014/main" id="{76646537-E53E-4D40-A7E5-1971C7BE21A2}"/>
+                  </a:ext>
+                </a:extLst>
+              </p:cNvPr>
+              <p:cNvCxnSpPr>
+                <a:cxnSpLocks/>
+              </p:cNvCxnSpPr>
+              <p:nvPr/>
+            </p:nvCxnSpPr>
+            <p:spPr>
+              <a:xfrm>
+                <a:off x="2500603" y="3228392"/>
+                <a:ext cx="737120" cy="1035698"/>
+              </a:xfrm>
+              <a:prstGeom prst="line">
+                <a:avLst/>
+              </a:prstGeom>
+              <a:ln w="19050"/>
+            </p:spPr>
+            <p:style>
+              <a:lnRef idx="1">
+                <a:schemeClr val="accent1"/>
+              </a:lnRef>
+              <a:fillRef idx="0">
+                <a:schemeClr val="accent1"/>
+              </a:fillRef>
+              <a:effectRef idx="0">
+                <a:schemeClr val="accent1"/>
+              </a:effectRef>
+              <a:fontRef idx="minor">
+                <a:schemeClr val="tx1"/>
+              </a:fontRef>
+            </p:style>
+          </p:cxnSp>
+          <p:cxnSp>
+            <p:nvCxnSpPr>
+              <p:cNvPr id="11" name="Straight Connector 10">
+                <a:extLst>
+                  <a:ext uri="{FF2B5EF4-FFF2-40B4-BE49-F238E27FC236}">
+                    <a16:creationId xmlns:a16="http://schemas.microsoft.com/office/drawing/2014/main" id="{A07AC3EA-B889-4544-B68A-AAE246D8A0F9}"/>
+                  </a:ext>
+                </a:extLst>
+              </p:cNvPr>
+              <p:cNvCxnSpPr>
+                <a:cxnSpLocks/>
+              </p:cNvCxnSpPr>
+              <p:nvPr/>
+            </p:nvCxnSpPr>
+            <p:spPr>
+              <a:xfrm>
+                <a:off x="1763484" y="2416623"/>
+                <a:ext cx="1474239" cy="0"/>
+              </a:xfrm>
+              <a:prstGeom prst="line">
+                <a:avLst/>
+              </a:prstGeom>
+              <a:ln w="19050"/>
+            </p:spPr>
+            <p:style>
+              <a:lnRef idx="1">
+                <a:schemeClr val="accent1"/>
+              </a:lnRef>
+              <a:fillRef idx="0">
+                <a:schemeClr val="accent1"/>
+              </a:fillRef>
+              <a:effectRef idx="0">
+                <a:schemeClr val="accent1"/>
+              </a:effectRef>
+              <a:fontRef idx="minor">
+                <a:schemeClr val="tx1"/>
+              </a:fontRef>
+            </p:style>
+          </p:cxnSp>
+        </p:grpSp>
+        <p:sp>
+          <p:nvSpPr>
+            <p:cNvPr id="12" name="TextBox 11">
+              <a:extLst>
+                <a:ext uri="{FF2B5EF4-FFF2-40B4-BE49-F238E27FC236}">
+                  <a16:creationId xmlns:a16="http://schemas.microsoft.com/office/drawing/2014/main" id="{D28488A5-961E-4C97-BB8C-08D0F5EC8452}"/>
+                </a:ext>
+              </a:extLst>
+            </p:cNvPr>
+            <p:cNvSpPr txBox="1"/>
+            <p:nvPr/>
+          </p:nvSpPr>
+          <p:spPr>
+            <a:xfrm>
+              <a:off x="166889" y="4000598"/>
+              <a:ext cx="1064478" cy="276999"/>
+            </a:xfrm>
+            <a:prstGeom prst="rect">
+              <a:avLst/>
+            </a:prstGeom>
+            <a:noFill/>
+          </p:spPr>
+          <p:txBody>
+            <a:bodyPr wrap="square" rtlCol="0">
+              <a:spAutoFit/>
+            </a:bodyPr>
+            <a:lstStyle/>
+            <a:p>
+              <a:pPr algn="ctr"/>
+              <a:r>
+                <a:rPr lang="he-IL" sz="1200" dirty="0"/>
+                <a:t>לקוחות</a:t>
+              </a:r>
+              <a:endParaRPr lang="en-US" dirty="0"/>
+            </a:p>
+          </p:txBody>
+        </p:sp>
+      </p:grpSp>
+      <p:sp>
+        <p:nvSpPr>
+          <p:cNvPr id="14" name="TextBox 13">
+            <a:extLst>
+              <a:ext uri="{FF2B5EF4-FFF2-40B4-BE49-F238E27FC236}">
+                <a16:creationId xmlns:a16="http://schemas.microsoft.com/office/drawing/2014/main" id="{599FF9A6-239A-4C9C-97C4-DBE8E9A3572E}"/>
+              </a:ext>
+            </a:extLst>
+          </p:cNvPr>
+          <p:cNvSpPr txBox="1"/>
+          <p:nvPr/>
+        </p:nvSpPr>
+        <p:spPr>
+          <a:xfrm>
+            <a:off x="5997868" y="532278"/>
+            <a:ext cx="4133461" cy="276999"/>
+          </a:xfrm>
+          <a:prstGeom prst="rect">
+            <a:avLst/>
+          </a:prstGeom>
+          <a:noFill/>
+        </p:spPr>
+        <p:txBody>
+          <a:bodyPr wrap="square" rtlCol="0">
+            <a:spAutoFit/>
+          </a:bodyPr>
+          <a:lstStyle/>
+          <a:p>
+            <a:pPr algn="r" rtl="1"/>
+            <a:r>
+              <a:rPr lang="he-IL" sz="1200" dirty="0"/>
+              <a:t>חניה בעיר – שירותי חניה למשתמשים ולבעלי עניין נוספים</a:t>
+            </a:r>
+            <a:endParaRPr lang="en-US" sz="1200" dirty="0"/>
+          </a:p>
+        </p:txBody>
+      </p:sp>
+      <p:sp>
+        <p:nvSpPr>
+          <p:cNvPr id="22" name="TextBox 21">
+            <a:extLst>
+              <a:ext uri="{FF2B5EF4-FFF2-40B4-BE49-F238E27FC236}">
+                <a16:creationId xmlns:a16="http://schemas.microsoft.com/office/drawing/2014/main" id="{2C33509C-542C-4B27-966E-FA7DBF6CA75D}"/>
+              </a:ext>
+            </a:extLst>
+          </p:cNvPr>
+          <p:cNvSpPr txBox="1"/>
+          <p:nvPr/>
+        </p:nvSpPr>
+        <p:spPr>
+          <a:xfrm>
+            <a:off x="2389462" y="1142721"/>
+            <a:ext cx="4133461" cy="276999"/>
+          </a:xfrm>
+          <a:prstGeom prst="rect">
+            <a:avLst/>
+          </a:prstGeom>
+          <a:noFill/>
+        </p:spPr>
+        <p:txBody>
+          <a:bodyPr wrap="square" rtlCol="0">
+            <a:spAutoFit/>
+          </a:bodyPr>
+          <a:lstStyle/>
+          <a:p>
+            <a:pPr algn="l"/>
+            <a:r>
+              <a:rPr lang="en-US" sz="1200" dirty="0"/>
+              <a:t>CPS System</a:t>
+            </a:r>
+          </a:p>
+        </p:txBody>
+      </p:sp>
+      <p:grpSp>
+        <p:nvGrpSpPr>
+          <p:cNvPr id="23" name="Group 22">
+            <a:extLst>
+              <a:ext uri="{FF2B5EF4-FFF2-40B4-BE49-F238E27FC236}">
+                <a16:creationId xmlns:a16="http://schemas.microsoft.com/office/drawing/2014/main" id="{FD4F7540-1908-47CC-A01C-07E64D290CB8}"/>
+              </a:ext>
+            </a:extLst>
+          </p:cNvPr>
+          <p:cNvGrpSpPr/>
+          <p:nvPr/>
+        </p:nvGrpSpPr>
+        <p:grpSpPr>
+          <a:xfrm>
+            <a:off x="423325" y="3527867"/>
+            <a:ext cx="878757" cy="1470939"/>
+            <a:chOff x="166889" y="2680448"/>
+            <a:chExt cx="1064478" cy="1781815"/>
+          </a:xfrm>
+        </p:grpSpPr>
+        <p:grpSp>
+          <p:nvGrpSpPr>
+            <p:cNvPr id="24" name="Group 23">
+              <a:extLst>
+                <a:ext uri="{FF2B5EF4-FFF2-40B4-BE49-F238E27FC236}">
+                  <a16:creationId xmlns:a16="http://schemas.microsoft.com/office/drawing/2014/main" id="{99E4F5D8-716E-45E4-A8E5-31E555082776}"/>
+                </a:ext>
+              </a:extLst>
+            </p:cNvPr>
+            <p:cNvGrpSpPr/>
+            <p:nvPr/>
+          </p:nvGrpSpPr>
+          <p:grpSpPr>
+            <a:xfrm>
+              <a:off x="401999" y="2680448"/>
+              <a:ext cx="594257" cy="1320150"/>
+              <a:chOff x="1763484" y="989045"/>
+              <a:chExt cx="1474239" cy="3275045"/>
+            </a:xfrm>
+          </p:grpSpPr>
+          <p:sp>
+            <p:nvSpPr>
+              <p:cNvPr id="26" name="Oval 25">
+                <a:extLst>
+                  <a:ext uri="{FF2B5EF4-FFF2-40B4-BE49-F238E27FC236}">
+                    <a16:creationId xmlns:a16="http://schemas.microsoft.com/office/drawing/2014/main" id="{26105136-99B9-457E-BCF1-C497D9957198}"/>
+                  </a:ext>
+                </a:extLst>
+              </p:cNvPr>
+              <p:cNvSpPr/>
+              <p:nvPr/>
+            </p:nvSpPr>
+            <p:spPr>
+              <a:xfrm>
+                <a:off x="2034074" y="989045"/>
+                <a:ext cx="933061" cy="933061"/>
+              </a:xfrm>
+              <a:prstGeom prst="ellipse">
+                <a:avLst/>
+              </a:prstGeom>
+              <a:noFill/>
+              <a:ln w="19050"/>
+            </p:spPr>
+            <p:style>
+              <a:lnRef idx="2">
+                <a:schemeClr val="accent1">
+                  <a:shade val="50000"/>
+                </a:schemeClr>
+              </a:lnRef>
+              <a:fillRef idx="1">
+                <a:schemeClr val="accent1"/>
+              </a:fillRef>
+              <a:effectRef idx="0">
+                <a:schemeClr val="accent1"/>
+              </a:effectRef>
+              <a:fontRef idx="minor">
+                <a:schemeClr val="lt1"/>
+              </a:fontRef>
+            </p:style>
+            <p:txBody>
+              <a:bodyPr rtlCol="0" anchor="ctr"/>
+              <a:lstStyle/>
+              <a:p>
+                <a:pPr algn="ctr"/>
+                <a:endParaRPr lang="en-US">
+                  <a:solidFill>
+                    <a:schemeClr val="tx1"/>
+                  </a:solidFill>
+                </a:endParaRPr>
+              </a:p>
+            </p:txBody>
+          </p:sp>
+          <p:cxnSp>
+            <p:nvCxnSpPr>
+              <p:cNvPr id="27" name="Straight Connector 26">
+                <a:extLst>
+                  <a:ext uri="{FF2B5EF4-FFF2-40B4-BE49-F238E27FC236}">
+                    <a16:creationId xmlns:a16="http://schemas.microsoft.com/office/drawing/2014/main" id="{C9C3293E-4878-491A-AF5C-B224BFC739AA}"/>
+                  </a:ext>
+                </a:extLst>
+              </p:cNvPr>
+              <p:cNvCxnSpPr>
+                <a:cxnSpLocks/>
+                <a:stCxn id="26" idx="4"/>
+              </p:cNvCxnSpPr>
+              <p:nvPr/>
+            </p:nvCxnSpPr>
+            <p:spPr>
+              <a:xfrm>
+                <a:off x="2500605" y="1922106"/>
+                <a:ext cx="0" cy="1306286"/>
+              </a:xfrm>
+              <a:prstGeom prst="line">
+                <a:avLst/>
+              </a:prstGeom>
+              <a:ln w="19050"/>
+            </p:spPr>
+            <p:style>
+              <a:lnRef idx="1">
+                <a:schemeClr val="accent1"/>
+              </a:lnRef>
+              <a:fillRef idx="0">
+                <a:schemeClr val="accent1"/>
+              </a:fillRef>
+              <a:effectRef idx="0">
+                <a:schemeClr val="accent1"/>
+              </a:effectRef>
+              <a:fontRef idx="minor">
+                <a:schemeClr val="tx1"/>
+              </a:fontRef>
+            </p:style>
+          </p:cxnSp>
+          <p:cxnSp>
+            <p:nvCxnSpPr>
+              <p:cNvPr id="28" name="Straight Connector 27">
+                <a:extLst>
+                  <a:ext uri="{FF2B5EF4-FFF2-40B4-BE49-F238E27FC236}">
+                    <a16:creationId xmlns:a16="http://schemas.microsoft.com/office/drawing/2014/main" id="{5FD3520A-AD2D-417D-96B1-D778EDB5E4C2}"/>
+                  </a:ext>
+                </a:extLst>
+              </p:cNvPr>
+              <p:cNvCxnSpPr>
+                <a:cxnSpLocks/>
+              </p:cNvCxnSpPr>
+              <p:nvPr/>
+            </p:nvCxnSpPr>
+            <p:spPr>
+              <a:xfrm flipH="1">
+                <a:off x="1763485" y="3228392"/>
+                <a:ext cx="737118" cy="1035698"/>
+              </a:xfrm>
+              <a:prstGeom prst="line">
+                <a:avLst/>
+              </a:prstGeom>
+              <a:ln w="19050"/>
+            </p:spPr>
+            <p:style>
+              <a:lnRef idx="1">
+                <a:schemeClr val="accent1"/>
+              </a:lnRef>
+              <a:fillRef idx="0">
+                <a:schemeClr val="accent1"/>
+              </a:fillRef>
+              <a:effectRef idx="0">
+                <a:schemeClr val="accent1"/>
+              </a:effectRef>
+              <a:fontRef idx="minor">
+                <a:schemeClr val="tx1"/>
+              </a:fontRef>
+            </p:style>
+          </p:cxnSp>
+          <p:cxnSp>
+            <p:nvCxnSpPr>
+              <p:cNvPr id="29" name="Straight Connector 28">
+                <a:extLst>
+                  <a:ext uri="{FF2B5EF4-FFF2-40B4-BE49-F238E27FC236}">
+                    <a16:creationId xmlns:a16="http://schemas.microsoft.com/office/drawing/2014/main" id="{E756D745-46F1-476F-B9DA-48A1A975ECCA}"/>
+                  </a:ext>
+                </a:extLst>
+              </p:cNvPr>
+              <p:cNvCxnSpPr>
+                <a:cxnSpLocks/>
+              </p:cNvCxnSpPr>
+              <p:nvPr/>
+            </p:nvCxnSpPr>
+            <p:spPr>
+              <a:xfrm>
+                <a:off x="2500603" y="3228392"/>
+                <a:ext cx="737120" cy="1035698"/>
+              </a:xfrm>
+              <a:prstGeom prst="line">
+                <a:avLst/>
+              </a:prstGeom>
+              <a:ln w="19050"/>
+            </p:spPr>
+            <p:style>
+              <a:lnRef idx="1">
+                <a:schemeClr val="accent1"/>
+              </a:lnRef>
+              <a:fillRef idx="0">
+                <a:schemeClr val="accent1"/>
+              </a:fillRef>
+              <a:effectRef idx="0">
+                <a:schemeClr val="accent1"/>
+              </a:effectRef>
+              <a:fontRef idx="minor">
+                <a:schemeClr val="tx1"/>
+              </a:fontRef>
+            </p:style>
+          </p:cxnSp>
+          <p:cxnSp>
+            <p:nvCxnSpPr>
+              <p:cNvPr id="30" name="Straight Connector 29">
+                <a:extLst>
+                  <a:ext uri="{FF2B5EF4-FFF2-40B4-BE49-F238E27FC236}">
+                    <a16:creationId xmlns:a16="http://schemas.microsoft.com/office/drawing/2014/main" id="{BA4B07A5-144D-4BDE-BFFF-88A11BCD4598}"/>
+                  </a:ext>
+                </a:extLst>
+              </p:cNvPr>
+              <p:cNvCxnSpPr>
+                <a:cxnSpLocks/>
+              </p:cNvCxnSpPr>
+              <p:nvPr/>
+            </p:nvCxnSpPr>
+            <p:spPr>
+              <a:xfrm>
+                <a:off x="1763484" y="2416623"/>
+                <a:ext cx="1474239" cy="0"/>
+              </a:xfrm>
+              <a:prstGeom prst="line">
+                <a:avLst/>
+              </a:prstGeom>
+              <a:ln w="19050"/>
+            </p:spPr>
+            <p:style>
+              <a:lnRef idx="1">
+                <a:schemeClr val="accent1"/>
+              </a:lnRef>
+              <a:fillRef idx="0">
+                <a:schemeClr val="accent1"/>
+              </a:fillRef>
+              <a:effectRef idx="0">
+                <a:schemeClr val="accent1"/>
+              </a:effectRef>
+              <a:fontRef idx="minor">
+                <a:schemeClr val="tx1"/>
+              </a:fontRef>
+            </p:style>
+          </p:cxnSp>
+        </p:grpSp>
+        <p:sp>
+          <p:nvSpPr>
+            <p:cNvPr id="25" name="TextBox 24">
+              <a:extLst>
+                <a:ext uri="{FF2B5EF4-FFF2-40B4-BE49-F238E27FC236}">
+                  <a16:creationId xmlns:a16="http://schemas.microsoft.com/office/drawing/2014/main" id="{23F6418F-317B-404D-8309-019CAE7BDEDA}"/>
+                </a:ext>
+              </a:extLst>
+            </p:cNvPr>
+            <p:cNvSpPr txBox="1"/>
+            <p:nvPr/>
+          </p:nvSpPr>
+          <p:spPr>
+            <a:xfrm>
+              <a:off x="166889" y="4000598"/>
+              <a:ext cx="1064478" cy="461665"/>
+            </a:xfrm>
+            <a:prstGeom prst="rect">
+              <a:avLst/>
+            </a:prstGeom>
+            <a:noFill/>
+          </p:spPr>
+          <p:txBody>
+            <a:bodyPr wrap="square" rtlCol="0">
+              <a:spAutoFit/>
+            </a:bodyPr>
+            <a:lstStyle/>
+            <a:p>
+              <a:pPr algn="ctr"/>
+              <a:r>
+                <a:rPr lang="he-IL" sz="1200" dirty="0"/>
+                <a:t>מערכת ניהול פרטי עובדות</a:t>
+              </a:r>
+              <a:endParaRPr lang="en-US" dirty="0"/>
+            </a:p>
+          </p:txBody>
+        </p:sp>
+      </p:grpSp>
+      <p:grpSp>
+        <p:nvGrpSpPr>
+          <p:cNvPr id="31" name="Group 30">
+            <a:extLst>
+              <a:ext uri="{FF2B5EF4-FFF2-40B4-BE49-F238E27FC236}">
+                <a16:creationId xmlns:a16="http://schemas.microsoft.com/office/drawing/2014/main" id="{C26BED51-F760-48CD-A1F7-683429FFB647}"/>
+              </a:ext>
+            </a:extLst>
+          </p:cNvPr>
+          <p:cNvGrpSpPr/>
+          <p:nvPr/>
+        </p:nvGrpSpPr>
+        <p:grpSpPr>
+          <a:xfrm>
+            <a:off x="10987545" y="1572416"/>
+            <a:ext cx="878757" cy="1318492"/>
+            <a:chOff x="166889" y="2680448"/>
+            <a:chExt cx="1064478" cy="1597149"/>
+          </a:xfrm>
+        </p:grpSpPr>
+        <p:grpSp>
+          <p:nvGrpSpPr>
+            <p:cNvPr id="32" name="Group 31">
+              <a:extLst>
+                <a:ext uri="{FF2B5EF4-FFF2-40B4-BE49-F238E27FC236}">
+                  <a16:creationId xmlns:a16="http://schemas.microsoft.com/office/drawing/2014/main" id="{5A86D77B-C42B-4151-9C86-85F73DA580FF}"/>
+                </a:ext>
+              </a:extLst>
+            </p:cNvPr>
+            <p:cNvGrpSpPr/>
+            <p:nvPr/>
+          </p:nvGrpSpPr>
+          <p:grpSpPr>
+            <a:xfrm>
+              <a:off x="401999" y="2680448"/>
+              <a:ext cx="594257" cy="1320150"/>
+              <a:chOff x="1763484" y="989045"/>
+              <a:chExt cx="1474239" cy="3275045"/>
+            </a:xfrm>
+          </p:grpSpPr>
+          <p:sp>
+            <p:nvSpPr>
+              <p:cNvPr id="34" name="Oval 33">
+                <a:extLst>
+                  <a:ext uri="{FF2B5EF4-FFF2-40B4-BE49-F238E27FC236}">
+                    <a16:creationId xmlns:a16="http://schemas.microsoft.com/office/drawing/2014/main" id="{FA9A556C-FB8F-4A0A-9A82-7B9D39D2789F}"/>
+                  </a:ext>
+                </a:extLst>
+              </p:cNvPr>
+              <p:cNvSpPr/>
+              <p:nvPr/>
+            </p:nvSpPr>
+            <p:spPr>
+              <a:xfrm>
+                <a:off x="2034074" y="989045"/>
+                <a:ext cx="933061" cy="933061"/>
+              </a:xfrm>
+              <a:prstGeom prst="ellipse">
+                <a:avLst/>
+              </a:prstGeom>
+              <a:noFill/>
+              <a:ln w="19050"/>
+            </p:spPr>
+            <p:style>
+              <a:lnRef idx="2">
+                <a:schemeClr val="accent1">
+                  <a:shade val="50000"/>
+                </a:schemeClr>
+              </a:lnRef>
+              <a:fillRef idx="1">
+                <a:schemeClr val="accent1"/>
+              </a:fillRef>
+              <a:effectRef idx="0">
+                <a:schemeClr val="accent1"/>
+              </a:effectRef>
+              <a:fontRef idx="minor">
+                <a:schemeClr val="lt1"/>
+              </a:fontRef>
+            </p:style>
+            <p:txBody>
+              <a:bodyPr rtlCol="0" anchor="ctr"/>
+              <a:lstStyle/>
+              <a:p>
+                <a:pPr algn="ctr"/>
+                <a:endParaRPr lang="en-US">
+                  <a:solidFill>
+                    <a:schemeClr val="tx1"/>
+                  </a:solidFill>
+                </a:endParaRPr>
+              </a:p>
+            </p:txBody>
+          </p:sp>
+          <p:cxnSp>
+            <p:nvCxnSpPr>
+              <p:cNvPr id="35" name="Straight Connector 34">
+                <a:extLst>
+                  <a:ext uri="{FF2B5EF4-FFF2-40B4-BE49-F238E27FC236}">
+                    <a16:creationId xmlns:a16="http://schemas.microsoft.com/office/drawing/2014/main" id="{C78F646D-E1DA-4BEE-9185-601FF830A914}"/>
+                  </a:ext>
+                </a:extLst>
+              </p:cNvPr>
+              <p:cNvCxnSpPr>
+                <a:cxnSpLocks/>
+                <a:stCxn id="34" idx="4"/>
+              </p:cNvCxnSpPr>
+              <p:nvPr/>
+            </p:nvCxnSpPr>
+            <p:spPr>
+              <a:xfrm>
+                <a:off x="2500605" y="1922106"/>
+                <a:ext cx="0" cy="1306286"/>
+              </a:xfrm>
+              <a:prstGeom prst="line">
+                <a:avLst/>
+              </a:prstGeom>
+              <a:ln w="19050"/>
+            </p:spPr>
+            <p:style>
+              <a:lnRef idx="1">
+                <a:schemeClr val="accent1"/>
+              </a:lnRef>
+              <a:fillRef idx="0">
+                <a:schemeClr val="accent1"/>
+              </a:fillRef>
+              <a:effectRef idx="0">
+                <a:schemeClr val="accent1"/>
+              </a:effectRef>
+              <a:fontRef idx="minor">
+                <a:schemeClr val="tx1"/>
+              </a:fontRef>
+            </p:style>
+          </p:cxnSp>
+          <p:cxnSp>
+            <p:nvCxnSpPr>
+              <p:cNvPr id="36" name="Straight Connector 35">
+                <a:extLst>
+                  <a:ext uri="{FF2B5EF4-FFF2-40B4-BE49-F238E27FC236}">
+                    <a16:creationId xmlns:a16="http://schemas.microsoft.com/office/drawing/2014/main" id="{A0A5688A-D3FD-4A44-B4CE-C41F2BB4C8CC}"/>
+                  </a:ext>
+                </a:extLst>
+              </p:cNvPr>
+              <p:cNvCxnSpPr>
+                <a:cxnSpLocks/>
+              </p:cNvCxnSpPr>
+              <p:nvPr/>
+            </p:nvCxnSpPr>
+            <p:spPr>
+              <a:xfrm flipH="1">
+                <a:off x="1763485" y="3228392"/>
+                <a:ext cx="737118" cy="1035698"/>
+              </a:xfrm>
+              <a:prstGeom prst="line">
+                <a:avLst/>
+              </a:prstGeom>
+              <a:ln w="19050"/>
+            </p:spPr>
+            <p:style>
+              <a:lnRef idx="1">
+                <a:schemeClr val="accent1"/>
+              </a:lnRef>
+              <a:fillRef idx="0">
+                <a:schemeClr val="accent1"/>
+              </a:fillRef>
+              <a:effectRef idx="0">
+                <a:schemeClr val="accent1"/>
+              </a:effectRef>
+              <a:fontRef idx="minor">
+                <a:schemeClr val="tx1"/>
+              </a:fontRef>
+            </p:style>
+          </p:cxnSp>
+          <p:cxnSp>
+            <p:nvCxnSpPr>
+              <p:cNvPr id="37" name="Straight Connector 36">
+                <a:extLst>
+                  <a:ext uri="{FF2B5EF4-FFF2-40B4-BE49-F238E27FC236}">
+                    <a16:creationId xmlns:a16="http://schemas.microsoft.com/office/drawing/2014/main" id="{FF575F00-E503-45DE-A7C9-DD63C8E77B09}"/>
+                  </a:ext>
+                </a:extLst>
+              </p:cNvPr>
+              <p:cNvCxnSpPr>
+                <a:cxnSpLocks/>
+              </p:cNvCxnSpPr>
+              <p:nvPr/>
+            </p:nvCxnSpPr>
+            <p:spPr>
+              <a:xfrm>
+                <a:off x="2500603" y="3228392"/>
+                <a:ext cx="737120" cy="1035698"/>
+              </a:xfrm>
+              <a:prstGeom prst="line">
+                <a:avLst/>
+              </a:prstGeom>
+              <a:ln w="19050"/>
+            </p:spPr>
+            <p:style>
+              <a:lnRef idx="1">
+                <a:schemeClr val="accent1"/>
+              </a:lnRef>
+              <a:fillRef idx="0">
+                <a:schemeClr val="accent1"/>
+              </a:fillRef>
+              <a:effectRef idx="0">
+                <a:schemeClr val="accent1"/>
+              </a:effectRef>
+              <a:fontRef idx="minor">
+                <a:schemeClr val="tx1"/>
+              </a:fontRef>
+            </p:style>
+          </p:cxnSp>
+          <p:cxnSp>
+            <p:nvCxnSpPr>
+              <p:cNvPr id="38" name="Straight Connector 37">
+                <a:extLst>
+                  <a:ext uri="{FF2B5EF4-FFF2-40B4-BE49-F238E27FC236}">
+                    <a16:creationId xmlns:a16="http://schemas.microsoft.com/office/drawing/2014/main" id="{8F3FCAAA-08E2-44FD-BB37-2C6BB4D6B840}"/>
+                  </a:ext>
+                </a:extLst>
+              </p:cNvPr>
+              <p:cNvCxnSpPr>
+                <a:cxnSpLocks/>
+              </p:cNvCxnSpPr>
+              <p:nvPr/>
+            </p:nvCxnSpPr>
+            <p:spPr>
+              <a:xfrm>
+                <a:off x="1763484" y="2416623"/>
+                <a:ext cx="1474239" cy="0"/>
+              </a:xfrm>
+              <a:prstGeom prst="line">
+                <a:avLst/>
+              </a:prstGeom>
+              <a:ln w="19050"/>
+            </p:spPr>
+            <p:style>
+              <a:lnRef idx="1">
+                <a:schemeClr val="accent1"/>
+              </a:lnRef>
+              <a:fillRef idx="0">
+                <a:schemeClr val="accent1"/>
+              </a:fillRef>
+              <a:effectRef idx="0">
+                <a:schemeClr val="accent1"/>
+              </a:effectRef>
+              <a:fontRef idx="minor">
+                <a:schemeClr val="tx1"/>
+              </a:fontRef>
+            </p:style>
+          </p:cxnSp>
+        </p:grpSp>
+        <p:sp>
+          <p:nvSpPr>
+            <p:cNvPr id="33" name="TextBox 32">
+              <a:extLst>
+                <a:ext uri="{FF2B5EF4-FFF2-40B4-BE49-F238E27FC236}">
+                  <a16:creationId xmlns:a16="http://schemas.microsoft.com/office/drawing/2014/main" id="{3D8B18E2-9586-434F-B7F5-7F9C90238DC3}"/>
+                </a:ext>
+              </a:extLst>
+            </p:cNvPr>
+            <p:cNvSpPr txBox="1"/>
+            <p:nvPr/>
+          </p:nvSpPr>
+          <p:spPr>
+            <a:xfrm>
+              <a:off x="166889" y="4000598"/>
+              <a:ext cx="1064478" cy="276999"/>
+            </a:xfrm>
+            <a:prstGeom prst="rect">
+              <a:avLst/>
+            </a:prstGeom>
+            <a:noFill/>
+          </p:spPr>
+          <p:txBody>
+            <a:bodyPr wrap="square" rtlCol="0">
+              <a:spAutoFit/>
+            </a:bodyPr>
+            <a:lstStyle/>
+            <a:p>
+              <a:pPr algn="ctr"/>
+              <a:r>
+                <a:rPr lang="he-IL" sz="1200" dirty="0"/>
+                <a:t>עובדות</a:t>
+              </a:r>
+              <a:endParaRPr lang="en-US" dirty="0"/>
+            </a:p>
+          </p:txBody>
+        </p:sp>
+      </p:grpSp>
+      <p:grpSp>
+        <p:nvGrpSpPr>
+          <p:cNvPr id="39" name="Group 38">
+            <a:extLst>
+              <a:ext uri="{FF2B5EF4-FFF2-40B4-BE49-F238E27FC236}">
+                <a16:creationId xmlns:a16="http://schemas.microsoft.com/office/drawing/2014/main" id="{5C59D32F-B654-4489-8B99-59F5465E72FC}"/>
+              </a:ext>
+            </a:extLst>
+          </p:cNvPr>
+          <p:cNvGrpSpPr/>
+          <p:nvPr/>
+        </p:nvGrpSpPr>
+        <p:grpSpPr>
+          <a:xfrm>
+            <a:off x="11001320" y="4972121"/>
+            <a:ext cx="878757" cy="1551486"/>
+            <a:chOff x="166889" y="2680448"/>
+            <a:chExt cx="1064478" cy="1879385"/>
+          </a:xfrm>
+        </p:grpSpPr>
+        <p:grpSp>
+          <p:nvGrpSpPr>
+            <p:cNvPr id="40" name="Group 39">
+              <a:extLst>
+                <a:ext uri="{FF2B5EF4-FFF2-40B4-BE49-F238E27FC236}">
+                  <a16:creationId xmlns:a16="http://schemas.microsoft.com/office/drawing/2014/main" id="{B98A87B8-396B-4C91-ABF0-9161F6347037}"/>
+                </a:ext>
+              </a:extLst>
+            </p:cNvPr>
+            <p:cNvGrpSpPr/>
+            <p:nvPr/>
+          </p:nvGrpSpPr>
+          <p:grpSpPr>
+            <a:xfrm>
+              <a:off x="401999" y="2680448"/>
+              <a:ext cx="594257" cy="1320150"/>
+              <a:chOff x="1763484" y="989045"/>
+              <a:chExt cx="1474239" cy="3275045"/>
+            </a:xfrm>
+          </p:grpSpPr>
+          <p:sp>
+            <p:nvSpPr>
+              <p:cNvPr id="42" name="Oval 41">
+                <a:extLst>
+                  <a:ext uri="{FF2B5EF4-FFF2-40B4-BE49-F238E27FC236}">
+                    <a16:creationId xmlns:a16="http://schemas.microsoft.com/office/drawing/2014/main" id="{35ADA6BD-BED1-429F-8A29-0CC19745F0F9}"/>
+                  </a:ext>
+                </a:extLst>
+              </p:cNvPr>
+              <p:cNvSpPr/>
+              <p:nvPr/>
+            </p:nvSpPr>
+            <p:spPr>
+              <a:xfrm>
+                <a:off x="2034074" y="989045"/>
+                <a:ext cx="933061" cy="933061"/>
+              </a:xfrm>
+              <a:prstGeom prst="ellipse">
+                <a:avLst/>
+              </a:prstGeom>
+              <a:noFill/>
+              <a:ln w="19050"/>
+            </p:spPr>
+            <p:style>
+              <a:lnRef idx="2">
+                <a:schemeClr val="accent1">
+                  <a:shade val="50000"/>
+                </a:schemeClr>
+              </a:lnRef>
+              <a:fillRef idx="1">
+                <a:schemeClr val="accent1"/>
+              </a:fillRef>
+              <a:effectRef idx="0">
+                <a:schemeClr val="accent1"/>
+              </a:effectRef>
+              <a:fontRef idx="minor">
+                <a:schemeClr val="lt1"/>
+              </a:fontRef>
+            </p:style>
+            <p:txBody>
+              <a:bodyPr rtlCol="0" anchor="ctr"/>
+              <a:lstStyle/>
+              <a:p>
+                <a:pPr algn="ctr"/>
+                <a:endParaRPr lang="en-US">
+                  <a:solidFill>
+                    <a:schemeClr val="tx1"/>
+                  </a:solidFill>
+                </a:endParaRPr>
+              </a:p>
+            </p:txBody>
+          </p:sp>
+          <p:cxnSp>
+            <p:nvCxnSpPr>
+              <p:cNvPr id="43" name="Straight Connector 42">
+                <a:extLst>
+                  <a:ext uri="{FF2B5EF4-FFF2-40B4-BE49-F238E27FC236}">
+                    <a16:creationId xmlns:a16="http://schemas.microsoft.com/office/drawing/2014/main" id="{78B8F5AD-FF26-45F8-A1B1-B302BA90F90A}"/>
+                  </a:ext>
+                </a:extLst>
+              </p:cNvPr>
+              <p:cNvCxnSpPr>
+                <a:cxnSpLocks/>
+                <a:stCxn id="42" idx="4"/>
+              </p:cNvCxnSpPr>
+              <p:nvPr/>
+            </p:nvCxnSpPr>
+            <p:spPr>
+              <a:xfrm>
+                <a:off x="2500605" y="1922106"/>
+                <a:ext cx="0" cy="1306286"/>
+              </a:xfrm>
+              <a:prstGeom prst="line">
+                <a:avLst/>
+              </a:prstGeom>
+              <a:ln w="19050"/>
+            </p:spPr>
+            <p:style>
+              <a:lnRef idx="1">
+                <a:schemeClr val="accent1"/>
+              </a:lnRef>
+              <a:fillRef idx="0">
+                <a:schemeClr val="accent1"/>
+              </a:fillRef>
+              <a:effectRef idx="0">
+                <a:schemeClr val="accent1"/>
+              </a:effectRef>
+              <a:fontRef idx="minor">
+                <a:schemeClr val="tx1"/>
+              </a:fontRef>
+            </p:style>
+          </p:cxnSp>
+          <p:cxnSp>
+            <p:nvCxnSpPr>
+              <p:cNvPr id="44" name="Straight Connector 43">
+                <a:extLst>
+                  <a:ext uri="{FF2B5EF4-FFF2-40B4-BE49-F238E27FC236}">
+                    <a16:creationId xmlns:a16="http://schemas.microsoft.com/office/drawing/2014/main" id="{F4142EB5-1F29-47CF-B127-541C0F3E6978}"/>
+                  </a:ext>
+                </a:extLst>
+              </p:cNvPr>
+              <p:cNvCxnSpPr>
+                <a:cxnSpLocks/>
+              </p:cNvCxnSpPr>
+              <p:nvPr/>
+            </p:nvCxnSpPr>
+            <p:spPr>
+              <a:xfrm flipH="1">
+                <a:off x="1763485" y="3228392"/>
+                <a:ext cx="737118" cy="1035698"/>
+              </a:xfrm>
+              <a:prstGeom prst="line">
+                <a:avLst/>
+              </a:prstGeom>
+              <a:ln w="19050"/>
+            </p:spPr>
+            <p:style>
+              <a:lnRef idx="1">
+                <a:schemeClr val="accent1"/>
+              </a:lnRef>
+              <a:fillRef idx="0">
+                <a:schemeClr val="accent1"/>
+              </a:fillRef>
+              <a:effectRef idx="0">
+                <a:schemeClr val="accent1"/>
+              </a:effectRef>
+              <a:fontRef idx="minor">
+                <a:schemeClr val="tx1"/>
+              </a:fontRef>
+            </p:style>
+          </p:cxnSp>
+          <p:cxnSp>
+            <p:nvCxnSpPr>
+              <p:cNvPr id="45" name="Straight Connector 44">
+                <a:extLst>
+                  <a:ext uri="{FF2B5EF4-FFF2-40B4-BE49-F238E27FC236}">
+                    <a16:creationId xmlns:a16="http://schemas.microsoft.com/office/drawing/2014/main" id="{AB654C60-87CC-4320-A42D-065260B79400}"/>
+                  </a:ext>
+                </a:extLst>
+              </p:cNvPr>
+              <p:cNvCxnSpPr>
+                <a:cxnSpLocks/>
+              </p:cNvCxnSpPr>
+              <p:nvPr/>
+            </p:nvCxnSpPr>
+            <p:spPr>
+              <a:xfrm>
+                <a:off x="2500603" y="3228392"/>
+                <a:ext cx="737120" cy="1035698"/>
+              </a:xfrm>
+              <a:prstGeom prst="line">
+                <a:avLst/>
+              </a:prstGeom>
+              <a:ln w="19050"/>
+            </p:spPr>
+            <p:style>
+              <a:lnRef idx="1">
+                <a:schemeClr val="accent1"/>
+              </a:lnRef>
+              <a:fillRef idx="0">
+                <a:schemeClr val="accent1"/>
+              </a:fillRef>
+              <a:effectRef idx="0">
+                <a:schemeClr val="accent1"/>
+              </a:effectRef>
+              <a:fontRef idx="minor">
+                <a:schemeClr val="tx1"/>
+              </a:fontRef>
+            </p:style>
+          </p:cxnSp>
+          <p:cxnSp>
+            <p:nvCxnSpPr>
+              <p:cNvPr id="46" name="Straight Connector 45">
+                <a:extLst>
+                  <a:ext uri="{FF2B5EF4-FFF2-40B4-BE49-F238E27FC236}">
+                    <a16:creationId xmlns:a16="http://schemas.microsoft.com/office/drawing/2014/main" id="{F962BF40-ECEA-41F0-898C-DA0CEE9591CD}"/>
+                  </a:ext>
+                </a:extLst>
+              </p:cNvPr>
+              <p:cNvCxnSpPr>
+                <a:cxnSpLocks/>
+              </p:cNvCxnSpPr>
+              <p:nvPr/>
+            </p:nvCxnSpPr>
+            <p:spPr>
+              <a:xfrm>
+                <a:off x="1763484" y="2416623"/>
+                <a:ext cx="1474239" cy="0"/>
+              </a:xfrm>
+              <a:prstGeom prst="line">
+                <a:avLst/>
+              </a:prstGeom>
+              <a:ln w="19050"/>
+            </p:spPr>
+            <p:style>
+              <a:lnRef idx="1">
+                <a:schemeClr val="accent1"/>
+              </a:lnRef>
+              <a:fillRef idx="0">
+                <a:schemeClr val="accent1"/>
+              </a:fillRef>
+              <a:effectRef idx="0">
+                <a:schemeClr val="accent1"/>
+              </a:effectRef>
+              <a:fontRef idx="minor">
+                <a:schemeClr val="tx1"/>
+              </a:fontRef>
+            </p:style>
+          </p:cxnSp>
+        </p:grpSp>
+        <p:sp>
+          <p:nvSpPr>
+            <p:cNvPr id="41" name="TextBox 40">
+              <a:extLst>
+                <a:ext uri="{FF2B5EF4-FFF2-40B4-BE49-F238E27FC236}">
+                  <a16:creationId xmlns:a16="http://schemas.microsoft.com/office/drawing/2014/main" id="{915BBD18-C57C-4C3C-9908-7411880279AA}"/>
+                </a:ext>
+              </a:extLst>
+            </p:cNvPr>
+            <p:cNvSpPr txBox="1"/>
+            <p:nvPr/>
+          </p:nvSpPr>
+          <p:spPr>
+            <a:xfrm>
+              <a:off x="166889" y="4000597"/>
+              <a:ext cx="1064478" cy="559236"/>
+            </a:xfrm>
+            <a:prstGeom prst="rect">
+              <a:avLst/>
+            </a:prstGeom>
+            <a:noFill/>
+          </p:spPr>
+          <p:txBody>
+            <a:bodyPr wrap="square" rtlCol="0">
+              <a:spAutoFit/>
+            </a:bodyPr>
+            <a:lstStyle/>
+            <a:p>
+              <a:pPr algn="ctr"/>
+              <a:r>
+                <a:rPr lang="he-IL" sz="1200" dirty="0"/>
+                <a:t>מנהלות</a:t>
+              </a:r>
+            </a:p>
+            <a:p>
+              <a:pPr algn="ctr"/>
+              <a:r>
+                <a:rPr lang="he-IL" sz="1200" dirty="0"/>
+                <a:t>חניונים</a:t>
+              </a:r>
+              <a:endParaRPr lang="en-US" dirty="0"/>
+            </a:p>
+          </p:txBody>
+        </p:sp>
+      </p:grpSp>
+      <p:grpSp>
+        <p:nvGrpSpPr>
+          <p:cNvPr id="47" name="Group 46">
+            <a:extLst>
+              <a:ext uri="{FF2B5EF4-FFF2-40B4-BE49-F238E27FC236}">
+                <a16:creationId xmlns:a16="http://schemas.microsoft.com/office/drawing/2014/main" id="{72F708DD-53B4-4C7E-B6FB-D73816112EEA}"/>
+              </a:ext>
+            </a:extLst>
+          </p:cNvPr>
+          <p:cNvGrpSpPr/>
+          <p:nvPr/>
+        </p:nvGrpSpPr>
+        <p:grpSpPr>
+          <a:xfrm>
+            <a:off x="11025676" y="3277009"/>
+            <a:ext cx="878757" cy="1318492"/>
+            <a:chOff x="166889" y="2680448"/>
+            <a:chExt cx="1064478" cy="1597149"/>
+          </a:xfrm>
+        </p:grpSpPr>
+        <p:grpSp>
+          <p:nvGrpSpPr>
+            <p:cNvPr id="48" name="Group 47">
+              <a:extLst>
+                <a:ext uri="{FF2B5EF4-FFF2-40B4-BE49-F238E27FC236}">
+                  <a16:creationId xmlns:a16="http://schemas.microsoft.com/office/drawing/2014/main" id="{BC38161D-D6F9-4D94-9722-90ECCA056B6F}"/>
+                </a:ext>
+              </a:extLst>
+            </p:cNvPr>
+            <p:cNvGrpSpPr/>
+            <p:nvPr/>
+          </p:nvGrpSpPr>
+          <p:grpSpPr>
+            <a:xfrm>
+              <a:off x="401999" y="2680448"/>
+              <a:ext cx="594257" cy="1320150"/>
+              <a:chOff x="1763484" y="989045"/>
+              <a:chExt cx="1474239" cy="3275045"/>
+            </a:xfrm>
+          </p:grpSpPr>
+          <p:sp>
+            <p:nvSpPr>
+              <p:cNvPr id="50" name="Oval 49">
+                <a:extLst>
+                  <a:ext uri="{FF2B5EF4-FFF2-40B4-BE49-F238E27FC236}">
+                    <a16:creationId xmlns:a16="http://schemas.microsoft.com/office/drawing/2014/main" id="{0A9C2BD1-BB27-4624-8518-2B0CC4B9A16F}"/>
+                  </a:ext>
+                </a:extLst>
+              </p:cNvPr>
+              <p:cNvSpPr/>
+              <p:nvPr/>
+            </p:nvSpPr>
+            <p:spPr>
+              <a:xfrm>
+                <a:off x="2034074" y="989045"/>
+                <a:ext cx="933061" cy="933061"/>
+              </a:xfrm>
+              <a:prstGeom prst="ellipse">
+                <a:avLst/>
+              </a:prstGeom>
+              <a:noFill/>
+              <a:ln w="19050"/>
+            </p:spPr>
+            <p:style>
+              <a:lnRef idx="2">
+                <a:schemeClr val="accent1">
+                  <a:shade val="50000"/>
+                </a:schemeClr>
+              </a:lnRef>
+              <a:fillRef idx="1">
+                <a:schemeClr val="accent1"/>
+              </a:fillRef>
+              <a:effectRef idx="0">
+                <a:schemeClr val="accent1"/>
+              </a:effectRef>
+              <a:fontRef idx="minor">
+                <a:schemeClr val="lt1"/>
+              </a:fontRef>
+            </p:style>
+            <p:txBody>
+              <a:bodyPr rtlCol="0" anchor="ctr"/>
+              <a:lstStyle/>
+              <a:p>
+                <a:pPr algn="ctr"/>
+                <a:endParaRPr lang="en-US">
+                  <a:solidFill>
+                    <a:schemeClr val="tx1"/>
+                  </a:solidFill>
+                </a:endParaRPr>
+              </a:p>
+            </p:txBody>
+          </p:sp>
+          <p:cxnSp>
+            <p:nvCxnSpPr>
+              <p:cNvPr id="51" name="Straight Connector 50">
+                <a:extLst>
+                  <a:ext uri="{FF2B5EF4-FFF2-40B4-BE49-F238E27FC236}">
+                    <a16:creationId xmlns:a16="http://schemas.microsoft.com/office/drawing/2014/main" id="{4062D858-9B52-4321-BDEC-F11A6B1D03E9}"/>
+                  </a:ext>
+                </a:extLst>
+              </p:cNvPr>
+              <p:cNvCxnSpPr>
+                <a:cxnSpLocks/>
+                <a:stCxn id="50" idx="4"/>
+              </p:cNvCxnSpPr>
+              <p:nvPr/>
+            </p:nvCxnSpPr>
+            <p:spPr>
+              <a:xfrm>
+                <a:off x="2500605" y="1922106"/>
+                <a:ext cx="0" cy="1306286"/>
+              </a:xfrm>
+              <a:prstGeom prst="line">
+                <a:avLst/>
+              </a:prstGeom>
+              <a:ln w="19050"/>
+            </p:spPr>
+            <p:style>
+              <a:lnRef idx="1">
+                <a:schemeClr val="accent1"/>
+              </a:lnRef>
+              <a:fillRef idx="0">
+                <a:schemeClr val="accent1"/>
+              </a:fillRef>
+              <a:effectRef idx="0">
+                <a:schemeClr val="accent1"/>
+              </a:effectRef>
+              <a:fontRef idx="minor">
+                <a:schemeClr val="tx1"/>
+              </a:fontRef>
+            </p:style>
+          </p:cxnSp>
+          <p:cxnSp>
+            <p:nvCxnSpPr>
+              <p:cNvPr id="52" name="Straight Connector 51">
+                <a:extLst>
+                  <a:ext uri="{FF2B5EF4-FFF2-40B4-BE49-F238E27FC236}">
+                    <a16:creationId xmlns:a16="http://schemas.microsoft.com/office/drawing/2014/main" id="{3DC6450F-5324-4394-AA3A-B4372D145CC5}"/>
+                  </a:ext>
+                </a:extLst>
+              </p:cNvPr>
+              <p:cNvCxnSpPr>
+                <a:cxnSpLocks/>
+              </p:cNvCxnSpPr>
+              <p:nvPr/>
+            </p:nvCxnSpPr>
+            <p:spPr>
+              <a:xfrm flipH="1">
+                <a:off x="1763485" y="3228392"/>
+                <a:ext cx="737118" cy="1035698"/>
+              </a:xfrm>
+              <a:prstGeom prst="line">
+                <a:avLst/>
+              </a:prstGeom>
+              <a:ln w="19050"/>
+            </p:spPr>
+            <p:style>
+              <a:lnRef idx="1">
+                <a:schemeClr val="accent1"/>
+              </a:lnRef>
+              <a:fillRef idx="0">
+                <a:schemeClr val="accent1"/>
+              </a:fillRef>
+              <a:effectRef idx="0">
+                <a:schemeClr val="accent1"/>
+              </a:effectRef>
+              <a:fontRef idx="minor">
+                <a:schemeClr val="tx1"/>
+              </a:fontRef>
+            </p:style>
+          </p:cxnSp>
+          <p:cxnSp>
+            <p:nvCxnSpPr>
+              <p:cNvPr id="53" name="Straight Connector 52">
+                <a:extLst>
+                  <a:ext uri="{FF2B5EF4-FFF2-40B4-BE49-F238E27FC236}">
+                    <a16:creationId xmlns:a16="http://schemas.microsoft.com/office/drawing/2014/main" id="{6B491ED4-40B0-4E9E-8E60-A31C9543D935}"/>
+                  </a:ext>
+                </a:extLst>
+              </p:cNvPr>
+              <p:cNvCxnSpPr>
+                <a:cxnSpLocks/>
+              </p:cNvCxnSpPr>
+              <p:nvPr/>
+            </p:nvCxnSpPr>
+            <p:spPr>
+              <a:xfrm>
+                <a:off x="2500603" y="3228392"/>
+                <a:ext cx="737120" cy="1035698"/>
+              </a:xfrm>
+              <a:prstGeom prst="line">
+                <a:avLst/>
+              </a:prstGeom>
+              <a:ln w="19050"/>
+            </p:spPr>
+            <p:style>
+              <a:lnRef idx="1">
+                <a:schemeClr val="accent1"/>
+              </a:lnRef>
+              <a:fillRef idx="0">
+                <a:schemeClr val="accent1"/>
+              </a:fillRef>
+              <a:effectRef idx="0">
+                <a:schemeClr val="accent1"/>
+              </a:effectRef>
+              <a:fontRef idx="minor">
+                <a:schemeClr val="tx1"/>
+              </a:fontRef>
+            </p:style>
+          </p:cxnSp>
+          <p:cxnSp>
+            <p:nvCxnSpPr>
+              <p:cNvPr id="54" name="Straight Connector 53">
+                <a:extLst>
+                  <a:ext uri="{FF2B5EF4-FFF2-40B4-BE49-F238E27FC236}">
+                    <a16:creationId xmlns:a16="http://schemas.microsoft.com/office/drawing/2014/main" id="{293CF1C2-1B57-406C-A6BD-697F88F6B76E}"/>
+                  </a:ext>
+                </a:extLst>
+              </p:cNvPr>
+              <p:cNvCxnSpPr>
+                <a:cxnSpLocks/>
+              </p:cNvCxnSpPr>
+              <p:nvPr/>
+            </p:nvCxnSpPr>
+            <p:spPr>
+              <a:xfrm>
+                <a:off x="1763484" y="2416623"/>
+                <a:ext cx="1474239" cy="0"/>
+              </a:xfrm>
+              <a:prstGeom prst="line">
+                <a:avLst/>
+              </a:prstGeom>
+              <a:ln w="19050"/>
+            </p:spPr>
+            <p:style>
+              <a:lnRef idx="1">
+                <a:schemeClr val="accent1"/>
+              </a:lnRef>
+              <a:fillRef idx="0">
+                <a:schemeClr val="accent1"/>
+              </a:fillRef>
+              <a:effectRef idx="0">
+                <a:schemeClr val="accent1"/>
+              </a:effectRef>
+              <a:fontRef idx="minor">
+                <a:schemeClr val="tx1"/>
+              </a:fontRef>
+            </p:style>
+          </p:cxnSp>
+        </p:grpSp>
+        <p:sp>
+          <p:nvSpPr>
+            <p:cNvPr id="49" name="TextBox 48">
+              <a:extLst>
+                <a:ext uri="{FF2B5EF4-FFF2-40B4-BE49-F238E27FC236}">
+                  <a16:creationId xmlns:a16="http://schemas.microsoft.com/office/drawing/2014/main" id="{F38656AF-A7C7-4A59-96CD-68C5033B6794}"/>
+                </a:ext>
+              </a:extLst>
+            </p:cNvPr>
+            <p:cNvSpPr txBox="1"/>
+            <p:nvPr/>
+          </p:nvSpPr>
+          <p:spPr>
+            <a:xfrm>
+              <a:off x="166889" y="4000598"/>
+              <a:ext cx="1064478" cy="276999"/>
+            </a:xfrm>
+            <a:prstGeom prst="rect">
+              <a:avLst/>
+            </a:prstGeom>
+            <a:noFill/>
+          </p:spPr>
+          <p:txBody>
+            <a:bodyPr wrap="square" rtlCol="0">
+              <a:spAutoFit/>
+            </a:bodyPr>
+            <a:lstStyle/>
+            <a:p>
+              <a:pPr algn="ctr"/>
+              <a:r>
+                <a:rPr lang="he-IL" sz="1200" dirty="0"/>
+                <a:t>רובוט</a:t>
+              </a:r>
+              <a:endParaRPr lang="en-US" dirty="0"/>
+            </a:p>
+          </p:txBody>
+        </p:sp>
+      </p:grpSp>
+      <p:grpSp>
+        <p:nvGrpSpPr>
+          <p:cNvPr id="55" name="Group 54">
+            <a:extLst>
+              <a:ext uri="{FF2B5EF4-FFF2-40B4-BE49-F238E27FC236}">
+                <a16:creationId xmlns:a16="http://schemas.microsoft.com/office/drawing/2014/main" id="{0E2ACA5B-6DE1-43C6-9BF1-2E076DE8E0EA}"/>
+              </a:ext>
+            </a:extLst>
+          </p:cNvPr>
+          <p:cNvGrpSpPr/>
+          <p:nvPr/>
+        </p:nvGrpSpPr>
+        <p:grpSpPr>
+          <a:xfrm>
+            <a:off x="1431993" y="5056118"/>
+            <a:ext cx="878757" cy="1318492"/>
+            <a:chOff x="166889" y="2680448"/>
+            <a:chExt cx="1064478" cy="1597149"/>
+          </a:xfrm>
+        </p:grpSpPr>
+        <p:grpSp>
+          <p:nvGrpSpPr>
+            <p:cNvPr id="56" name="Group 55">
+              <a:extLst>
+                <a:ext uri="{FF2B5EF4-FFF2-40B4-BE49-F238E27FC236}">
+                  <a16:creationId xmlns:a16="http://schemas.microsoft.com/office/drawing/2014/main" id="{AE926A4F-FDD2-4661-8941-463D3F0A720C}"/>
+                </a:ext>
+              </a:extLst>
+            </p:cNvPr>
+            <p:cNvGrpSpPr/>
+            <p:nvPr/>
+          </p:nvGrpSpPr>
+          <p:grpSpPr>
+            <a:xfrm>
+              <a:off x="401999" y="2680448"/>
+              <a:ext cx="594257" cy="1320150"/>
+              <a:chOff x="1763484" y="989045"/>
+              <a:chExt cx="1474239" cy="3275045"/>
+            </a:xfrm>
+          </p:grpSpPr>
+          <p:sp>
+            <p:nvSpPr>
+              <p:cNvPr id="58" name="Oval 57">
+                <a:extLst>
+                  <a:ext uri="{FF2B5EF4-FFF2-40B4-BE49-F238E27FC236}">
+                    <a16:creationId xmlns:a16="http://schemas.microsoft.com/office/drawing/2014/main" id="{E6F01563-C018-45B8-99B6-AA3C768CCFCD}"/>
+                  </a:ext>
+                </a:extLst>
+              </p:cNvPr>
+              <p:cNvSpPr/>
+              <p:nvPr/>
+            </p:nvSpPr>
+            <p:spPr>
+              <a:xfrm>
+                <a:off x="2034074" y="989045"/>
+                <a:ext cx="933061" cy="933061"/>
+              </a:xfrm>
+              <a:prstGeom prst="ellipse">
+                <a:avLst/>
+              </a:prstGeom>
+              <a:noFill/>
+              <a:ln w="19050"/>
+            </p:spPr>
+            <p:style>
+              <a:lnRef idx="2">
+                <a:schemeClr val="accent1">
+                  <a:shade val="50000"/>
+                </a:schemeClr>
+              </a:lnRef>
+              <a:fillRef idx="1">
+                <a:schemeClr val="accent1"/>
+              </a:fillRef>
+              <a:effectRef idx="0">
+                <a:schemeClr val="accent1"/>
+              </a:effectRef>
+              <a:fontRef idx="minor">
+                <a:schemeClr val="lt1"/>
+              </a:fontRef>
+            </p:style>
+            <p:txBody>
+              <a:bodyPr rtlCol="0" anchor="ctr"/>
+              <a:lstStyle/>
+              <a:p>
+                <a:pPr algn="ctr"/>
+                <a:endParaRPr lang="en-US">
+                  <a:solidFill>
+                    <a:schemeClr val="tx1"/>
+                  </a:solidFill>
+                </a:endParaRPr>
+              </a:p>
+            </p:txBody>
+          </p:sp>
+          <p:cxnSp>
+            <p:nvCxnSpPr>
+              <p:cNvPr id="59" name="Straight Connector 58">
+                <a:extLst>
+                  <a:ext uri="{FF2B5EF4-FFF2-40B4-BE49-F238E27FC236}">
+                    <a16:creationId xmlns:a16="http://schemas.microsoft.com/office/drawing/2014/main" id="{798EE561-216D-4425-93E2-3DCD452C5BC0}"/>
+                  </a:ext>
+                </a:extLst>
+              </p:cNvPr>
+              <p:cNvCxnSpPr>
+                <a:cxnSpLocks/>
+                <a:stCxn id="58" idx="4"/>
+              </p:cNvCxnSpPr>
+              <p:nvPr/>
+            </p:nvCxnSpPr>
+            <p:spPr>
+              <a:xfrm>
+                <a:off x="2500605" y="1922106"/>
+                <a:ext cx="0" cy="1306286"/>
+              </a:xfrm>
+              <a:prstGeom prst="line">
+                <a:avLst/>
+              </a:prstGeom>
+              <a:ln w="19050"/>
+            </p:spPr>
+            <p:style>
+              <a:lnRef idx="1">
+                <a:schemeClr val="accent1"/>
+              </a:lnRef>
+              <a:fillRef idx="0">
+                <a:schemeClr val="accent1"/>
+              </a:fillRef>
+              <a:effectRef idx="0">
+                <a:schemeClr val="accent1"/>
+              </a:effectRef>
+              <a:fontRef idx="minor">
+                <a:schemeClr val="tx1"/>
+              </a:fontRef>
+            </p:style>
+          </p:cxnSp>
+          <p:cxnSp>
+            <p:nvCxnSpPr>
+              <p:cNvPr id="60" name="Straight Connector 59">
+                <a:extLst>
+                  <a:ext uri="{FF2B5EF4-FFF2-40B4-BE49-F238E27FC236}">
+                    <a16:creationId xmlns:a16="http://schemas.microsoft.com/office/drawing/2014/main" id="{C11F8827-B53B-4EB4-B0B4-CA953B67511F}"/>
+                  </a:ext>
+                </a:extLst>
+              </p:cNvPr>
+              <p:cNvCxnSpPr>
+                <a:cxnSpLocks/>
+              </p:cNvCxnSpPr>
+              <p:nvPr/>
+            </p:nvCxnSpPr>
+            <p:spPr>
+              <a:xfrm flipH="1">
+                <a:off x="1763485" y="3228392"/>
+                <a:ext cx="737118" cy="1035698"/>
+              </a:xfrm>
+              <a:prstGeom prst="line">
+                <a:avLst/>
+              </a:prstGeom>
+              <a:ln w="19050"/>
+            </p:spPr>
+            <p:style>
+              <a:lnRef idx="1">
+                <a:schemeClr val="accent1"/>
+              </a:lnRef>
+              <a:fillRef idx="0">
+                <a:schemeClr val="accent1"/>
+              </a:fillRef>
+              <a:effectRef idx="0">
+                <a:schemeClr val="accent1"/>
+              </a:effectRef>
+              <a:fontRef idx="minor">
+                <a:schemeClr val="tx1"/>
+              </a:fontRef>
+            </p:style>
+          </p:cxnSp>
+          <p:cxnSp>
+            <p:nvCxnSpPr>
+              <p:cNvPr id="61" name="Straight Connector 60">
+                <a:extLst>
+                  <a:ext uri="{FF2B5EF4-FFF2-40B4-BE49-F238E27FC236}">
+                    <a16:creationId xmlns:a16="http://schemas.microsoft.com/office/drawing/2014/main" id="{3D72DBC9-EF5D-40A3-9087-D8B39513CAA8}"/>
+                  </a:ext>
+                </a:extLst>
+              </p:cNvPr>
+              <p:cNvCxnSpPr>
+                <a:cxnSpLocks/>
+              </p:cNvCxnSpPr>
+              <p:nvPr/>
+            </p:nvCxnSpPr>
+            <p:spPr>
+              <a:xfrm>
+                <a:off x="2500603" y="3228392"/>
+                <a:ext cx="737120" cy="1035698"/>
+              </a:xfrm>
+              <a:prstGeom prst="line">
+                <a:avLst/>
+              </a:prstGeom>
+              <a:ln w="19050"/>
+            </p:spPr>
+            <p:style>
+              <a:lnRef idx="1">
+                <a:schemeClr val="accent1"/>
+              </a:lnRef>
+              <a:fillRef idx="0">
+                <a:schemeClr val="accent1"/>
+              </a:fillRef>
+              <a:effectRef idx="0">
+                <a:schemeClr val="accent1"/>
+              </a:effectRef>
+              <a:fontRef idx="minor">
+                <a:schemeClr val="tx1"/>
+              </a:fontRef>
+            </p:style>
+          </p:cxnSp>
+          <p:cxnSp>
+            <p:nvCxnSpPr>
+              <p:cNvPr id="62" name="Straight Connector 61">
+                <a:extLst>
+                  <a:ext uri="{FF2B5EF4-FFF2-40B4-BE49-F238E27FC236}">
+                    <a16:creationId xmlns:a16="http://schemas.microsoft.com/office/drawing/2014/main" id="{52A08A04-C550-4F3B-9D73-D4D42D345922}"/>
+                  </a:ext>
+                </a:extLst>
+              </p:cNvPr>
+              <p:cNvCxnSpPr>
+                <a:cxnSpLocks/>
+              </p:cNvCxnSpPr>
+              <p:nvPr/>
+            </p:nvCxnSpPr>
+            <p:spPr>
+              <a:xfrm>
+                <a:off x="1763484" y="2416623"/>
+                <a:ext cx="1474239" cy="0"/>
+              </a:xfrm>
+              <a:prstGeom prst="line">
+                <a:avLst/>
+              </a:prstGeom>
+              <a:ln w="19050"/>
+            </p:spPr>
+            <p:style>
+              <a:lnRef idx="1">
+                <a:schemeClr val="accent1"/>
+              </a:lnRef>
+              <a:fillRef idx="0">
+                <a:schemeClr val="accent1"/>
+              </a:fillRef>
+              <a:effectRef idx="0">
+                <a:schemeClr val="accent1"/>
+              </a:effectRef>
+              <a:fontRef idx="minor">
+                <a:schemeClr val="tx1"/>
+              </a:fontRef>
+            </p:style>
+          </p:cxnSp>
+        </p:grpSp>
+        <p:sp>
+          <p:nvSpPr>
+            <p:cNvPr id="57" name="TextBox 56">
+              <a:extLst>
+                <a:ext uri="{FF2B5EF4-FFF2-40B4-BE49-F238E27FC236}">
+                  <a16:creationId xmlns:a16="http://schemas.microsoft.com/office/drawing/2014/main" id="{CC6F5D37-4565-4870-B29E-0A3CE7E6163D}"/>
+                </a:ext>
+              </a:extLst>
+            </p:cNvPr>
+            <p:cNvSpPr txBox="1"/>
+            <p:nvPr/>
+          </p:nvSpPr>
+          <p:spPr>
+            <a:xfrm>
+              <a:off x="166889" y="4000598"/>
+              <a:ext cx="1064478" cy="276999"/>
+            </a:xfrm>
+            <a:prstGeom prst="rect">
+              <a:avLst/>
+            </a:prstGeom>
+            <a:noFill/>
+          </p:spPr>
+          <p:txBody>
+            <a:bodyPr wrap="square" rtlCol="0">
+              <a:spAutoFit/>
+            </a:bodyPr>
+            <a:lstStyle/>
+            <a:p>
+              <a:pPr algn="ctr"/>
+              <a:r>
+                <a:rPr lang="he-IL" sz="1200" dirty="0"/>
+                <a:t>שירות לקוחות</a:t>
+              </a:r>
+              <a:endParaRPr lang="en-US" dirty="0"/>
+            </a:p>
+          </p:txBody>
+        </p:sp>
+      </p:grpSp>
+      <p:sp>
+        <p:nvSpPr>
+          <p:cNvPr id="63" name="Rectangle 62">
+            <a:extLst>
+              <a:ext uri="{FF2B5EF4-FFF2-40B4-BE49-F238E27FC236}">
+                <a16:creationId xmlns:a16="http://schemas.microsoft.com/office/drawing/2014/main" id="{3FE93B7F-D221-4865-BDC4-37C779C2F5E6}"/>
+              </a:ext>
+            </a:extLst>
+          </p:cNvPr>
+          <p:cNvSpPr/>
+          <p:nvPr/>
+        </p:nvSpPr>
+        <p:spPr>
+          <a:xfrm>
+            <a:off x="165481" y="74344"/>
+            <a:ext cx="3262303" cy="369332"/>
+          </a:xfrm>
+          <a:prstGeom prst="rect">
+            <a:avLst/>
+          </a:prstGeom>
+        </p:spPr>
+        <p:txBody>
+          <a:bodyPr wrap="none">
+            <a:spAutoFit/>
+          </a:bodyPr>
+          <a:lstStyle/>
+          <a:p>
+            <a:r>
+              <a:rPr lang="en-US" dirty="0"/>
+              <a:t>Business Level Use Case Diagram</a:t>
+            </a:r>
+          </a:p>
+        </p:txBody>
+      </p:sp>
+      <p:sp>
+        <p:nvSpPr>
+          <p:cNvPr id="65" name="Oval 64">
+            <a:extLst>
+              <a:ext uri="{FF2B5EF4-FFF2-40B4-BE49-F238E27FC236}">
+                <a16:creationId xmlns:a16="http://schemas.microsoft.com/office/drawing/2014/main" id="{04E67804-07B9-4AD9-B183-A2401C17C76B}"/>
+              </a:ext>
+            </a:extLst>
+          </p:cNvPr>
+          <p:cNvSpPr/>
+          <p:nvPr/>
+        </p:nvSpPr>
+        <p:spPr>
+          <a:xfrm>
+            <a:off x="3506132" y="2093724"/>
+            <a:ext cx="1760527" cy="485809"/>
+          </a:xfrm>
+          <a:prstGeom prst="ellipse">
+            <a:avLst/>
+          </a:prstGeom>
+        </p:spPr>
+        <p:style>
+          <a:lnRef idx="2">
+            <a:schemeClr val="accent1">
+              <a:shade val="50000"/>
+            </a:schemeClr>
+          </a:lnRef>
+          <a:fillRef idx="1">
+            <a:schemeClr val="accent1"/>
+          </a:fillRef>
+          <a:effectRef idx="0">
+            <a:schemeClr val="accent1"/>
+          </a:effectRef>
+          <a:fontRef idx="minor">
+            <a:schemeClr val="lt1"/>
+          </a:fontRef>
+        </p:style>
+        <p:txBody>
+          <a:bodyPr rot="0" spcFirstLastPara="0" vertOverflow="overflow" horzOverflow="overflow" vert="horz" wrap="square" lIns="91440" tIns="45720" rIns="91440" bIns="45720" numCol="1" spcCol="0" rtlCol="0" fromWordArt="0" anchor="ctr" anchorCtr="0" forceAA="0" compatLnSpc="1">
+            <a:prstTxWarp prst="textNoShape">
+              <a:avLst/>
+            </a:prstTxWarp>
+            <a:noAutofit/>
+          </a:bodyPr>
+          <a:lstStyle/>
+          <a:p>
+            <a:pPr algn="ctr"/>
+            <a:r>
+              <a:rPr lang="he-IL" sz="1200" dirty="0"/>
+              <a:t>הזדהות במערכת</a:t>
+            </a:r>
+            <a:endParaRPr lang="en-US" sz="1200" dirty="0"/>
+          </a:p>
+        </p:txBody>
+      </p:sp>
+      <p:sp>
+        <p:nvSpPr>
+          <p:cNvPr id="66" name="Oval 65">
+            <a:extLst>
+              <a:ext uri="{FF2B5EF4-FFF2-40B4-BE49-F238E27FC236}">
+                <a16:creationId xmlns:a16="http://schemas.microsoft.com/office/drawing/2014/main" id="{BD5BB4E4-1C1F-4DBA-9617-2B2AB2D078A1}"/>
+              </a:ext>
+            </a:extLst>
+          </p:cNvPr>
+          <p:cNvSpPr/>
+          <p:nvPr/>
+        </p:nvSpPr>
+        <p:spPr>
+          <a:xfrm>
+            <a:off x="3506132" y="2648358"/>
+            <a:ext cx="1760527" cy="485809"/>
+          </a:xfrm>
+          <a:prstGeom prst="ellipse">
+            <a:avLst/>
+          </a:prstGeom>
+        </p:spPr>
+        <p:style>
+          <a:lnRef idx="2">
+            <a:schemeClr val="accent1">
+              <a:shade val="50000"/>
+            </a:schemeClr>
+          </a:lnRef>
+          <a:fillRef idx="1">
+            <a:schemeClr val="accent1"/>
+          </a:fillRef>
+          <a:effectRef idx="0">
+            <a:schemeClr val="accent1"/>
+          </a:effectRef>
+          <a:fontRef idx="minor">
+            <a:schemeClr val="lt1"/>
+          </a:fontRef>
+        </p:style>
+        <p:txBody>
+          <a:bodyPr rot="0" spcFirstLastPara="0" vertOverflow="overflow" horzOverflow="overflow" vert="horz" wrap="square" lIns="91440" tIns="45720" rIns="91440" bIns="45720" numCol="1" spcCol="0" rtlCol="0" fromWordArt="0" anchor="ctr" anchorCtr="0" forceAA="0" compatLnSpc="1">
+            <a:prstTxWarp prst="textNoShape">
+              <a:avLst/>
+            </a:prstTxWarp>
+            <a:noAutofit/>
+          </a:bodyPr>
+          <a:lstStyle/>
+          <a:p>
+            <a:pPr algn="ctr"/>
+            <a:r>
+              <a:rPr lang="he-IL" sz="1200" dirty="0"/>
+              <a:t>הזמנת שירותי חניה</a:t>
+            </a:r>
+            <a:endParaRPr lang="en-US" sz="1200" dirty="0"/>
+          </a:p>
+        </p:txBody>
+      </p:sp>
+      <p:sp>
+        <p:nvSpPr>
+          <p:cNvPr id="67" name="Oval 66">
+            <a:extLst>
+              <a:ext uri="{FF2B5EF4-FFF2-40B4-BE49-F238E27FC236}">
+                <a16:creationId xmlns:a16="http://schemas.microsoft.com/office/drawing/2014/main" id="{3D4DBC2E-F59D-49A0-8B4B-38264449B254}"/>
+              </a:ext>
+            </a:extLst>
+          </p:cNvPr>
+          <p:cNvSpPr/>
+          <p:nvPr/>
+        </p:nvSpPr>
+        <p:spPr>
+          <a:xfrm>
+            <a:off x="3506132" y="3214385"/>
+            <a:ext cx="1760527" cy="485809"/>
+          </a:xfrm>
+          <a:prstGeom prst="ellipse">
+            <a:avLst/>
+          </a:prstGeom>
+        </p:spPr>
+        <p:style>
+          <a:lnRef idx="2">
+            <a:schemeClr val="accent1">
+              <a:shade val="50000"/>
+            </a:schemeClr>
+          </a:lnRef>
+          <a:fillRef idx="1">
+            <a:schemeClr val="accent1"/>
+          </a:fillRef>
+          <a:effectRef idx="0">
+            <a:schemeClr val="accent1"/>
+          </a:effectRef>
+          <a:fontRef idx="minor">
+            <a:schemeClr val="lt1"/>
+          </a:fontRef>
+        </p:style>
+        <p:txBody>
+          <a:bodyPr rot="0" spcFirstLastPara="0" vertOverflow="overflow" horzOverflow="overflow" vert="horz" wrap="square" lIns="91440" tIns="45720" rIns="91440" bIns="45720" numCol="1" spcCol="0" rtlCol="0" fromWordArt="0" anchor="ctr" anchorCtr="0" forceAA="0" compatLnSpc="1">
+            <a:prstTxWarp prst="textNoShape">
+              <a:avLst/>
+            </a:prstTxWarp>
+            <a:noAutofit/>
+          </a:bodyPr>
+          <a:lstStyle/>
+          <a:p>
+            <a:pPr algn="ctr"/>
+            <a:r>
+              <a:rPr lang="he-IL" sz="1200" dirty="0"/>
+              <a:t>מעקב על מצב בקשה</a:t>
+            </a:r>
+            <a:endParaRPr lang="en-US" sz="1200" dirty="0"/>
+          </a:p>
+        </p:txBody>
+      </p:sp>
+      <p:sp>
+        <p:nvSpPr>
+          <p:cNvPr id="68" name="Oval 67">
+            <a:extLst>
+              <a:ext uri="{FF2B5EF4-FFF2-40B4-BE49-F238E27FC236}">
+                <a16:creationId xmlns:a16="http://schemas.microsoft.com/office/drawing/2014/main" id="{31563DCA-5C99-446A-B7D9-5567651EAD2E}"/>
+              </a:ext>
+            </a:extLst>
+          </p:cNvPr>
+          <p:cNvSpPr/>
+          <p:nvPr/>
+        </p:nvSpPr>
+        <p:spPr>
+          <a:xfrm>
+            <a:off x="3506131" y="3787235"/>
+            <a:ext cx="1760527" cy="485809"/>
+          </a:xfrm>
+          <a:prstGeom prst="ellipse">
+            <a:avLst/>
+          </a:prstGeom>
+        </p:spPr>
+        <p:style>
+          <a:lnRef idx="2">
+            <a:schemeClr val="accent1">
+              <a:shade val="50000"/>
+            </a:schemeClr>
+          </a:lnRef>
+          <a:fillRef idx="1">
+            <a:schemeClr val="accent1"/>
+          </a:fillRef>
+          <a:effectRef idx="0">
+            <a:schemeClr val="accent1"/>
+          </a:effectRef>
+          <a:fontRef idx="minor">
+            <a:schemeClr val="lt1"/>
+          </a:fontRef>
+        </p:style>
+        <p:txBody>
+          <a:bodyPr rot="0" spcFirstLastPara="0" vertOverflow="overflow" horzOverflow="overflow" vert="horz" wrap="square" lIns="91440" tIns="45720" rIns="91440" bIns="45720" numCol="1" spcCol="0" rtlCol="0" fromWordArt="0" anchor="ctr" anchorCtr="0" forceAA="0" compatLnSpc="1">
+            <a:prstTxWarp prst="textNoShape">
+              <a:avLst/>
+            </a:prstTxWarp>
+            <a:noAutofit/>
+          </a:bodyPr>
+          <a:lstStyle/>
+          <a:p>
+            <a:pPr algn="ctr"/>
+            <a:r>
+              <a:rPr lang="he-IL" sz="1200" dirty="0"/>
+              <a:t>הגשת תלונה</a:t>
+            </a:r>
+            <a:endParaRPr lang="en-US" sz="1200" dirty="0"/>
+          </a:p>
+        </p:txBody>
+      </p:sp>
+      <p:sp>
+        <p:nvSpPr>
+          <p:cNvPr id="69" name="Oval 68">
+            <a:extLst>
+              <a:ext uri="{FF2B5EF4-FFF2-40B4-BE49-F238E27FC236}">
+                <a16:creationId xmlns:a16="http://schemas.microsoft.com/office/drawing/2014/main" id="{D94EFC10-D0C9-4F84-AC45-DE1C0C713A9F}"/>
+              </a:ext>
+            </a:extLst>
+          </p:cNvPr>
+          <p:cNvSpPr/>
+          <p:nvPr/>
+        </p:nvSpPr>
+        <p:spPr>
+          <a:xfrm>
+            <a:off x="3506132" y="1516575"/>
+            <a:ext cx="1760527" cy="485809"/>
+          </a:xfrm>
+          <a:prstGeom prst="ellipse">
+            <a:avLst/>
+          </a:prstGeom>
+        </p:spPr>
+        <p:style>
+          <a:lnRef idx="2">
+            <a:schemeClr val="accent1">
+              <a:shade val="50000"/>
+            </a:schemeClr>
+          </a:lnRef>
+          <a:fillRef idx="1">
+            <a:schemeClr val="accent1"/>
+          </a:fillRef>
+          <a:effectRef idx="0">
+            <a:schemeClr val="accent1"/>
+          </a:effectRef>
+          <a:fontRef idx="minor">
+            <a:schemeClr val="lt1"/>
+          </a:fontRef>
+        </p:style>
+        <p:txBody>
+          <a:bodyPr rot="0" spcFirstLastPara="0" vertOverflow="overflow" horzOverflow="overflow" vert="horz" wrap="square" lIns="91440" tIns="45720" rIns="91440" bIns="45720" numCol="1" spcCol="0" rtlCol="0" fromWordArt="0" anchor="ctr" anchorCtr="0" forceAA="0" compatLnSpc="1">
+            <a:prstTxWarp prst="textNoShape">
+              <a:avLst/>
+            </a:prstTxWarp>
+            <a:noAutofit/>
+          </a:bodyPr>
+          <a:lstStyle/>
+          <a:p>
+            <a:pPr algn="ctr"/>
+            <a:r>
+              <a:rPr lang="he-IL" sz="1200" dirty="0"/>
+              <a:t>הרשמה ראשונית</a:t>
+            </a:r>
+            <a:endParaRPr lang="en-US" sz="1200" dirty="0"/>
+          </a:p>
+        </p:txBody>
+      </p:sp>
+      <p:sp>
+        <p:nvSpPr>
+          <p:cNvPr id="70" name="Oval 69">
+            <a:extLst>
+              <a:ext uri="{FF2B5EF4-FFF2-40B4-BE49-F238E27FC236}">
+                <a16:creationId xmlns:a16="http://schemas.microsoft.com/office/drawing/2014/main" id="{719E63A9-14C4-4C40-95F5-F897AC88BCE1}"/>
+              </a:ext>
+            </a:extLst>
+          </p:cNvPr>
+          <p:cNvSpPr/>
+          <p:nvPr/>
+        </p:nvSpPr>
+        <p:spPr>
+          <a:xfrm>
+            <a:off x="8404269" y="3881021"/>
+            <a:ext cx="1760527" cy="485809"/>
+          </a:xfrm>
+          <a:prstGeom prst="ellipse">
+            <a:avLst/>
+          </a:prstGeom>
+        </p:spPr>
+        <p:style>
+          <a:lnRef idx="2">
+            <a:schemeClr val="accent1">
+              <a:shade val="50000"/>
+            </a:schemeClr>
+          </a:lnRef>
+          <a:fillRef idx="1">
+            <a:schemeClr val="accent1"/>
+          </a:fillRef>
+          <a:effectRef idx="0">
+            <a:schemeClr val="accent1"/>
+          </a:effectRef>
+          <a:fontRef idx="minor">
+            <a:schemeClr val="lt1"/>
+          </a:fontRef>
+        </p:style>
+        <p:txBody>
+          <a:bodyPr rot="0" spcFirstLastPara="0" vertOverflow="overflow" horzOverflow="overflow" vert="horz" wrap="square" lIns="91440" tIns="45720" rIns="91440" bIns="45720" numCol="1" spcCol="0" rtlCol="0" fromWordArt="0" anchor="ctr" anchorCtr="0" forceAA="0" compatLnSpc="1">
+            <a:prstTxWarp prst="textNoShape">
+              <a:avLst/>
+            </a:prstTxWarp>
+            <a:noAutofit/>
+          </a:bodyPr>
+          <a:lstStyle/>
+          <a:p>
+            <a:pPr algn="ctr"/>
+            <a:r>
+              <a:rPr lang="he-IL" sz="1200" dirty="0"/>
+              <a:t>קבלת נתוני מיקום</a:t>
+            </a:r>
+            <a:endParaRPr lang="en-US" sz="1200" dirty="0"/>
+          </a:p>
+        </p:txBody>
+      </p:sp>
+      <p:sp>
+        <p:nvSpPr>
+          <p:cNvPr id="71" name="Oval 70">
+            <a:extLst>
+              <a:ext uri="{FF2B5EF4-FFF2-40B4-BE49-F238E27FC236}">
+                <a16:creationId xmlns:a16="http://schemas.microsoft.com/office/drawing/2014/main" id="{8DEF2398-5DAC-485D-B227-AFEF41504217}"/>
+              </a:ext>
+            </a:extLst>
+          </p:cNvPr>
+          <p:cNvSpPr/>
+          <p:nvPr/>
+        </p:nvSpPr>
+        <p:spPr>
+          <a:xfrm>
+            <a:off x="8418350" y="3320715"/>
+            <a:ext cx="1760527" cy="485809"/>
+          </a:xfrm>
+          <a:prstGeom prst="ellipse">
+            <a:avLst/>
+          </a:prstGeom>
+        </p:spPr>
+        <p:style>
+          <a:lnRef idx="2">
+            <a:schemeClr val="accent1">
+              <a:shade val="50000"/>
+            </a:schemeClr>
+          </a:lnRef>
+          <a:fillRef idx="1">
+            <a:schemeClr val="accent1"/>
+          </a:fillRef>
+          <a:effectRef idx="0">
+            <a:schemeClr val="accent1"/>
+          </a:effectRef>
+          <a:fontRef idx="minor">
+            <a:schemeClr val="lt1"/>
+          </a:fontRef>
+        </p:style>
+        <p:txBody>
+          <a:bodyPr rot="0" spcFirstLastPara="0" vertOverflow="overflow" horzOverflow="overflow" vert="horz" wrap="square" lIns="91440" tIns="45720" rIns="91440" bIns="45720" numCol="1" spcCol="0" rtlCol="0" fromWordArt="0" anchor="ctr" anchorCtr="0" forceAA="0" compatLnSpc="1">
+            <a:prstTxWarp prst="textNoShape">
+              <a:avLst/>
+            </a:prstTxWarp>
+            <a:noAutofit/>
+          </a:bodyPr>
+          <a:lstStyle/>
+          <a:p>
+            <a:pPr algn="ctr"/>
+            <a:r>
+              <a:rPr lang="he-IL" sz="1200" dirty="0"/>
+              <a:t>שינוע רכבים</a:t>
+            </a:r>
+            <a:endParaRPr lang="en-US" sz="1200" dirty="0"/>
+          </a:p>
+        </p:txBody>
+      </p:sp>
+      <p:sp>
+        <p:nvSpPr>
+          <p:cNvPr id="72" name="Oval 71">
+            <a:extLst>
+              <a:ext uri="{FF2B5EF4-FFF2-40B4-BE49-F238E27FC236}">
+                <a16:creationId xmlns:a16="http://schemas.microsoft.com/office/drawing/2014/main" id="{A25A6F8B-B0CE-45B2-B215-1F3F87496A9D}"/>
+              </a:ext>
+            </a:extLst>
+          </p:cNvPr>
+          <p:cNvSpPr/>
+          <p:nvPr/>
+        </p:nvSpPr>
+        <p:spPr>
+          <a:xfrm>
+            <a:off x="3506132" y="4352596"/>
+            <a:ext cx="1760527" cy="485809"/>
+          </a:xfrm>
+          <a:prstGeom prst="ellipse">
+            <a:avLst/>
+          </a:prstGeom>
+        </p:spPr>
+        <p:style>
+          <a:lnRef idx="2">
+            <a:schemeClr val="accent1">
+              <a:shade val="50000"/>
+            </a:schemeClr>
+          </a:lnRef>
+          <a:fillRef idx="1">
+            <a:schemeClr val="accent1"/>
+          </a:fillRef>
+          <a:effectRef idx="0">
+            <a:schemeClr val="accent1"/>
+          </a:effectRef>
+          <a:fontRef idx="minor">
+            <a:schemeClr val="lt1"/>
+          </a:fontRef>
+        </p:style>
+        <p:txBody>
+          <a:bodyPr rot="0" spcFirstLastPara="0" vertOverflow="overflow" horzOverflow="overflow" vert="horz" wrap="square" lIns="91440" tIns="45720" rIns="91440" bIns="45720" numCol="1" spcCol="0" rtlCol="0" fromWordArt="0" anchor="ctr" anchorCtr="0" forceAA="0" compatLnSpc="1">
+            <a:prstTxWarp prst="textNoShape">
+              <a:avLst/>
+            </a:prstTxWarp>
+            <a:noAutofit/>
+          </a:bodyPr>
+          <a:lstStyle/>
+          <a:p>
+            <a:pPr algn="ctr"/>
+            <a:r>
+              <a:rPr lang="he-IL" sz="1200" dirty="0"/>
+              <a:t>תשלום</a:t>
+            </a:r>
+            <a:endParaRPr lang="en-US" sz="1200" dirty="0"/>
+          </a:p>
+        </p:txBody>
+      </p:sp>
+      <p:sp>
+        <p:nvSpPr>
+          <p:cNvPr id="73" name="Oval 72">
+            <a:extLst>
+              <a:ext uri="{FF2B5EF4-FFF2-40B4-BE49-F238E27FC236}">
+                <a16:creationId xmlns:a16="http://schemas.microsoft.com/office/drawing/2014/main" id="{2A69E09E-2B6D-4BD9-933C-91F67986B3B8}"/>
+              </a:ext>
+            </a:extLst>
+          </p:cNvPr>
+          <p:cNvSpPr/>
+          <p:nvPr/>
+        </p:nvSpPr>
+        <p:spPr>
+          <a:xfrm>
+            <a:off x="3506131" y="4912902"/>
+            <a:ext cx="1760527" cy="485809"/>
+          </a:xfrm>
+          <a:prstGeom prst="ellipse">
+            <a:avLst/>
+          </a:prstGeom>
+        </p:spPr>
+        <p:style>
+          <a:lnRef idx="2">
+            <a:schemeClr val="accent1">
+              <a:shade val="50000"/>
+            </a:schemeClr>
+          </a:lnRef>
+          <a:fillRef idx="1">
+            <a:schemeClr val="accent1"/>
+          </a:fillRef>
+          <a:effectRef idx="0">
+            <a:schemeClr val="accent1"/>
+          </a:effectRef>
+          <a:fontRef idx="minor">
+            <a:schemeClr val="lt1"/>
+          </a:fontRef>
+        </p:style>
+        <p:txBody>
+          <a:bodyPr rot="0" spcFirstLastPara="0" vertOverflow="overflow" horzOverflow="overflow" vert="horz" wrap="square" lIns="91440" tIns="45720" rIns="91440" bIns="45720" numCol="1" spcCol="0" rtlCol="0" fromWordArt="0" anchor="ctr" anchorCtr="0" forceAA="0" compatLnSpc="1">
+            <a:prstTxWarp prst="textNoShape">
+              <a:avLst/>
+            </a:prstTxWarp>
+            <a:noAutofit/>
+          </a:bodyPr>
+          <a:lstStyle/>
+          <a:p>
+            <a:pPr algn="ctr"/>
+            <a:r>
+              <a:rPr lang="he-IL" sz="1200" dirty="0"/>
+              <a:t>ביטול הזמנה</a:t>
+            </a:r>
+            <a:endParaRPr lang="en-US" sz="1200" dirty="0"/>
+          </a:p>
+        </p:txBody>
+      </p:sp>
+      <p:sp>
+        <p:nvSpPr>
+          <p:cNvPr id="74" name="Oval 73">
+            <a:extLst>
+              <a:ext uri="{FF2B5EF4-FFF2-40B4-BE49-F238E27FC236}">
+                <a16:creationId xmlns:a16="http://schemas.microsoft.com/office/drawing/2014/main" id="{B216B5FE-CDB6-46DE-9BC7-69B69B6704E0}"/>
+              </a:ext>
+            </a:extLst>
+          </p:cNvPr>
+          <p:cNvSpPr/>
+          <p:nvPr/>
+        </p:nvSpPr>
+        <p:spPr>
+          <a:xfrm>
+            <a:off x="8413454" y="5017210"/>
+            <a:ext cx="1760527" cy="485809"/>
+          </a:xfrm>
+          <a:prstGeom prst="ellipse">
+            <a:avLst/>
+          </a:prstGeom>
+        </p:spPr>
+        <p:style>
+          <a:lnRef idx="2">
+            <a:schemeClr val="accent1">
+              <a:shade val="50000"/>
+            </a:schemeClr>
+          </a:lnRef>
+          <a:fillRef idx="1">
+            <a:schemeClr val="accent1"/>
+          </a:fillRef>
+          <a:effectRef idx="0">
+            <a:schemeClr val="accent1"/>
+          </a:effectRef>
+          <a:fontRef idx="minor">
+            <a:schemeClr val="lt1"/>
+          </a:fontRef>
+        </p:style>
+        <p:txBody>
+          <a:bodyPr rot="0" spcFirstLastPara="0" vertOverflow="overflow" horzOverflow="overflow" vert="horz" wrap="square" lIns="91440" tIns="45720" rIns="91440" bIns="45720" numCol="1" spcCol="0" rtlCol="0" fromWordArt="0" anchor="ctr" anchorCtr="0" forceAA="0" compatLnSpc="1">
+            <a:prstTxWarp prst="textNoShape">
+              <a:avLst/>
+            </a:prstTxWarp>
+            <a:noAutofit/>
+          </a:bodyPr>
+          <a:lstStyle/>
+          <a:p>
+            <a:pPr algn="ctr"/>
+            <a:r>
+              <a:rPr lang="he-IL" sz="1200" dirty="0"/>
+              <a:t>קבלת תמונת מצב עדכנית</a:t>
+            </a:r>
+            <a:endParaRPr lang="en-US" sz="1200" dirty="0"/>
+          </a:p>
+        </p:txBody>
+      </p:sp>
+      <p:sp>
+        <p:nvSpPr>
+          <p:cNvPr id="75" name="Oval 74">
+            <a:extLst>
+              <a:ext uri="{FF2B5EF4-FFF2-40B4-BE49-F238E27FC236}">
+                <a16:creationId xmlns:a16="http://schemas.microsoft.com/office/drawing/2014/main" id="{AFC7AF8E-7192-4D47-80FD-9DFCDB5E4025}"/>
+              </a:ext>
+            </a:extLst>
+          </p:cNvPr>
+          <p:cNvSpPr/>
+          <p:nvPr/>
+        </p:nvSpPr>
+        <p:spPr>
+          <a:xfrm>
+            <a:off x="8413455" y="5608903"/>
+            <a:ext cx="1760527" cy="485809"/>
+          </a:xfrm>
+          <a:prstGeom prst="ellipse">
+            <a:avLst/>
+          </a:prstGeom>
+        </p:spPr>
+        <p:style>
+          <a:lnRef idx="2">
+            <a:schemeClr val="accent1">
+              <a:shade val="50000"/>
+            </a:schemeClr>
+          </a:lnRef>
+          <a:fillRef idx="1">
+            <a:schemeClr val="accent1"/>
+          </a:fillRef>
+          <a:effectRef idx="0">
+            <a:schemeClr val="accent1"/>
+          </a:effectRef>
+          <a:fontRef idx="minor">
+            <a:schemeClr val="lt1"/>
+          </a:fontRef>
+        </p:style>
+        <p:txBody>
+          <a:bodyPr rot="0" spcFirstLastPara="0" vertOverflow="overflow" horzOverflow="overflow" vert="horz" wrap="square" lIns="91440" tIns="45720" rIns="91440" bIns="45720" numCol="1" spcCol="0" rtlCol="0" fromWordArt="0" anchor="ctr" anchorCtr="0" forceAA="0" compatLnSpc="1">
+            <a:prstTxWarp prst="textNoShape">
+              <a:avLst/>
+            </a:prstTxWarp>
+            <a:noAutofit/>
+          </a:bodyPr>
+          <a:lstStyle/>
+          <a:p>
+            <a:pPr algn="ctr"/>
+            <a:r>
+              <a:rPr lang="he-IL" sz="1200" dirty="0"/>
+              <a:t>קביעת תעריפים</a:t>
+            </a:r>
+            <a:endParaRPr lang="en-US" sz="1200" dirty="0"/>
+          </a:p>
+        </p:txBody>
+      </p:sp>
+    </p:spTree>
+    <p:extLst>
+      <p:ext uri="{BB962C8B-B14F-4D97-AF65-F5344CB8AC3E}">
+        <p14:creationId xmlns:p14="http://schemas.microsoft.com/office/powerpoint/2010/main" val="1297208802"/>
       </p:ext>
     </p:extLst>
   </p:cSld>

--- a/use cases/use_case_diagram_organization.pptx
+++ b/use cases/use_case_diagram_organization.pptx
@@ -5,9 +5,7 @@
     <p:sldMasterId id="2147483648" r:id="rId1"/>
   </p:sldMasterIdLst>
   <p:sldIdLst>
-    <p:sldId id="257" r:id="rId2"/>
-    <p:sldId id="256" r:id="rId3"/>
-    <p:sldId id="258" r:id="rId4"/>
+    <p:sldId id="258" r:id="rId2"/>
   </p:sldIdLst>
   <p:sldSz cx="12192000" cy="6858000"/>
   <p:notesSz cx="6858000" cy="9144000"/>
@@ -114,6 +112,10 @@
 </p:presentation>
 </file>
 
+<file path=ppt/revisionInfo.xml><?xml version="1.0" encoding="utf-8"?>
+<p1510:revInfo xmlns:a="http://schemas.openxmlformats.org/drawingml/2006/main" xmlns:r="http://schemas.openxmlformats.org/officeDocument/2006/relationships" xmlns:p1510="http://schemas.microsoft.com/office/powerpoint/2015/10/main"/>
+</file>
+
 <file path=ppt/slideLayouts/slideLayout1.xml><?xml version="1.0" encoding="utf-8"?>
 <p:sldLayout xmlns:a="http://schemas.openxmlformats.org/drawingml/2006/main" xmlns:r="http://schemas.openxmlformats.org/officeDocument/2006/relationships" xmlns:p="http://schemas.openxmlformats.org/presentationml/2006/main" type="title" preserve="1">
   <p:cSld name="Title Slide">
@@ -261,7 +263,7 @@
           <a:p>
             <a:fld id="{808C3DBF-4E85-4432-AFC9-4C85C7D0F8E2}" type="datetimeFigureOut">
               <a:rPr lang="en-US" smtClean="0"/>
-              <a:t>4/12/2018</a:t>
+              <a:t>4/13/2018</a:t>
             </a:fld>
             <a:endParaRPr lang="en-US"/>
           </a:p>
@@ -459,7 +461,7 @@
           <a:p>
             <a:fld id="{808C3DBF-4E85-4432-AFC9-4C85C7D0F8E2}" type="datetimeFigureOut">
               <a:rPr lang="en-US" smtClean="0"/>
-              <a:t>4/12/2018</a:t>
+              <a:t>4/13/2018</a:t>
             </a:fld>
             <a:endParaRPr lang="en-US"/>
           </a:p>
@@ -667,7 +669,7 @@
           <a:p>
             <a:fld id="{808C3DBF-4E85-4432-AFC9-4C85C7D0F8E2}" type="datetimeFigureOut">
               <a:rPr lang="en-US" smtClean="0"/>
-              <a:t>4/12/2018</a:t>
+              <a:t>4/13/2018</a:t>
             </a:fld>
             <a:endParaRPr lang="en-US"/>
           </a:p>
@@ -865,7 +867,7 @@
           <a:p>
             <a:fld id="{808C3DBF-4E85-4432-AFC9-4C85C7D0F8E2}" type="datetimeFigureOut">
               <a:rPr lang="en-US" smtClean="0"/>
-              <a:t>4/12/2018</a:t>
+              <a:t>4/13/2018</a:t>
             </a:fld>
             <a:endParaRPr lang="en-US"/>
           </a:p>
@@ -1140,7 +1142,7 @@
           <a:p>
             <a:fld id="{808C3DBF-4E85-4432-AFC9-4C85C7D0F8E2}" type="datetimeFigureOut">
               <a:rPr lang="en-US" smtClean="0"/>
-              <a:t>4/12/2018</a:t>
+              <a:t>4/13/2018</a:t>
             </a:fld>
             <a:endParaRPr lang="en-US"/>
           </a:p>
@@ -1405,7 +1407,7 @@
           <a:p>
             <a:fld id="{808C3DBF-4E85-4432-AFC9-4C85C7D0F8E2}" type="datetimeFigureOut">
               <a:rPr lang="en-US" smtClean="0"/>
-              <a:t>4/12/2018</a:t>
+              <a:t>4/13/2018</a:t>
             </a:fld>
             <a:endParaRPr lang="en-US"/>
           </a:p>
@@ -1817,7 +1819,7 @@
           <a:p>
             <a:fld id="{808C3DBF-4E85-4432-AFC9-4C85C7D0F8E2}" type="datetimeFigureOut">
               <a:rPr lang="en-US" smtClean="0"/>
-              <a:t>4/12/2018</a:t>
+              <a:t>4/13/2018</a:t>
             </a:fld>
             <a:endParaRPr lang="en-US"/>
           </a:p>
@@ -1958,7 +1960,7 @@
           <a:p>
             <a:fld id="{808C3DBF-4E85-4432-AFC9-4C85C7D0F8E2}" type="datetimeFigureOut">
               <a:rPr lang="en-US" smtClean="0"/>
-              <a:t>4/12/2018</a:t>
+              <a:t>4/13/2018</a:t>
             </a:fld>
             <a:endParaRPr lang="en-US"/>
           </a:p>
@@ -2071,7 +2073,7 @@
           <a:p>
             <a:fld id="{808C3DBF-4E85-4432-AFC9-4C85C7D0F8E2}" type="datetimeFigureOut">
               <a:rPr lang="en-US" smtClean="0"/>
-              <a:t>4/12/2018</a:t>
+              <a:t>4/13/2018</a:t>
             </a:fld>
             <a:endParaRPr lang="en-US"/>
           </a:p>
@@ -2382,7 +2384,7 @@
           <a:p>
             <a:fld id="{808C3DBF-4E85-4432-AFC9-4C85C7D0F8E2}" type="datetimeFigureOut">
               <a:rPr lang="en-US" smtClean="0"/>
-              <a:t>4/12/2018</a:t>
+              <a:t>4/13/2018</a:t>
             </a:fld>
             <a:endParaRPr lang="en-US"/>
           </a:p>
@@ -2670,7 +2672,7 @@
           <a:p>
             <a:fld id="{808C3DBF-4E85-4432-AFC9-4C85C7D0F8E2}" type="datetimeFigureOut">
               <a:rPr lang="en-US" smtClean="0"/>
-              <a:t>4/12/2018</a:t>
+              <a:t>4/13/2018</a:t>
             </a:fld>
             <a:endParaRPr lang="en-US"/>
           </a:p>
@@ -2911,7 +2913,7 @@
           <a:p>
             <a:fld id="{808C3DBF-4E85-4432-AFC9-4C85C7D0F8E2}" type="datetimeFigureOut">
               <a:rPr lang="en-US" smtClean="0"/>
-              <a:t>4/12/2018</a:t>
+              <a:t>4/13/2018</a:t>
             </a:fld>
             <a:endParaRPr lang="en-US"/>
           </a:p>
@@ -3330,10 +3332,10 @@
       </p:grpSpPr>
       <p:sp>
         <p:nvSpPr>
-          <p:cNvPr id="75" name="Rectangle: Rounded Corners 74">
-            <a:extLst>
-              <a:ext uri="{FF2B5EF4-FFF2-40B4-BE49-F238E27FC236}">
-                <a16:creationId xmlns:a16="http://schemas.microsoft.com/office/drawing/2014/main" id="{0CA1D288-C0A8-44FE-8FEA-38AE183BD19D}"/>
+          <p:cNvPr id="4" name="Rectangle 3">
+            <a:extLst>
+              <a:ext uri="{FF2B5EF4-FFF2-40B4-BE49-F238E27FC236}">
+                <a16:creationId xmlns:a16="http://schemas.microsoft.com/office/drawing/2014/main" id="{85221335-6918-47FB-A893-5790A1B77B83}"/>
               </a:ext>
             </a:extLst>
           </p:cNvPr>
@@ -3342,120 +3344,8 @@
         </p:nvSpPr>
         <p:spPr>
           <a:xfrm>
-            <a:off x="8749155" y="480448"/>
-            <a:ext cx="1212219" cy="475623"/>
-          </a:xfrm>
-          <a:prstGeom prst="roundRect">
-            <a:avLst/>
-          </a:prstGeom>
-          <a:solidFill>
-            <a:schemeClr val="bg1"/>
-          </a:solidFill>
-        </p:spPr>
-        <p:style>
-          <a:lnRef idx="2">
-            <a:schemeClr val="accent1">
-              <a:shade val="50000"/>
-            </a:schemeClr>
-          </a:lnRef>
-          <a:fillRef idx="1">
-            <a:schemeClr val="accent1"/>
-          </a:fillRef>
-          <a:effectRef idx="0">
-            <a:schemeClr val="accent1"/>
-          </a:effectRef>
-          <a:fontRef idx="minor">
-            <a:schemeClr val="lt1"/>
-          </a:fontRef>
-        </p:style>
-        <p:txBody>
-          <a:bodyPr rtlCol="0" anchor="ctr"/>
-          <a:lstStyle/>
-          <a:p>
-            <a:pPr algn="ctr"/>
-            <a:r>
-              <a:rPr lang="he-IL" dirty="0">
-                <a:solidFill>
-                  <a:schemeClr val="tx1"/>
-                </a:solidFill>
-              </a:rPr>
-              <a:t>חניונים</a:t>
-            </a:r>
-          </a:p>
-        </p:txBody>
-      </p:sp>
-      <p:sp>
-        <p:nvSpPr>
-          <p:cNvPr id="74" name="Rectangle: Rounded Corners 73">
-            <a:extLst>
-              <a:ext uri="{FF2B5EF4-FFF2-40B4-BE49-F238E27FC236}">
-                <a16:creationId xmlns:a16="http://schemas.microsoft.com/office/drawing/2014/main" id="{4F7EEAA5-BB86-4BF9-AA43-32CC07E2ABF9}"/>
-              </a:ext>
-            </a:extLst>
-          </p:cNvPr>
-          <p:cNvSpPr/>
-          <p:nvPr/>
-        </p:nvSpPr>
-        <p:spPr>
-          <a:xfrm>
-            <a:off x="8657404" y="554660"/>
-            <a:ext cx="1212219" cy="475623"/>
-          </a:xfrm>
-          <a:prstGeom prst="roundRect">
-            <a:avLst/>
-          </a:prstGeom>
-          <a:solidFill>
-            <a:schemeClr val="bg1"/>
-          </a:solidFill>
-        </p:spPr>
-        <p:style>
-          <a:lnRef idx="2">
-            <a:schemeClr val="accent1">
-              <a:shade val="50000"/>
-            </a:schemeClr>
-          </a:lnRef>
-          <a:fillRef idx="1">
-            <a:schemeClr val="accent1"/>
-          </a:fillRef>
-          <a:effectRef idx="0">
-            <a:schemeClr val="accent1"/>
-          </a:effectRef>
-          <a:fontRef idx="minor">
-            <a:schemeClr val="lt1"/>
-          </a:fontRef>
-        </p:style>
-        <p:txBody>
-          <a:bodyPr rtlCol="0" anchor="ctr"/>
-          <a:lstStyle/>
-          <a:p>
-            <a:pPr algn="ctr"/>
-            <a:r>
-              <a:rPr lang="he-IL" dirty="0">
-                <a:solidFill>
-                  <a:schemeClr val="tx1"/>
-                </a:solidFill>
-              </a:rPr>
-              <a:t>חניונים</a:t>
-            </a:r>
-          </a:p>
-        </p:txBody>
-      </p:sp>
-      <p:sp>
-        <p:nvSpPr>
-          <p:cNvPr id="4" name="Rectangle 3">
-            <a:extLst>
-              <a:ext uri="{FF2B5EF4-FFF2-40B4-BE49-F238E27FC236}">
-                <a16:creationId xmlns:a16="http://schemas.microsoft.com/office/drawing/2014/main" id="{1322D5D0-A732-4E4B-A1A4-7582648FAD8B}"/>
-              </a:ext>
-            </a:extLst>
-          </p:cNvPr>
-          <p:cNvSpPr/>
-          <p:nvPr/>
-        </p:nvSpPr>
-        <p:spPr>
-          <a:xfrm>
-            <a:off x="4795520" y="538480"/>
-            <a:ext cx="1859280" cy="1256047"/>
+            <a:off x="1353280" y="491827"/>
+            <a:ext cx="9171845" cy="6244253"/>
           </a:xfrm>
           <a:prstGeom prst="rect">
             <a:avLst/>
@@ -3483,1286 +3373,16 @@
           <a:lstStyle/>
           <a:p>
             <a:pPr algn="ctr"/>
-            <a:r>
-              <a:rPr lang="he-IL" dirty="0">
-                <a:solidFill>
-                  <a:schemeClr val="tx1"/>
-                </a:solidFill>
-              </a:rPr>
-              <a:t>חניה בעיר</a:t>
-            </a:r>
-            <a:endParaRPr lang="en-US" dirty="0">
-              <a:solidFill>
-                <a:schemeClr val="tx1"/>
-              </a:solidFill>
-            </a:endParaRPr>
-          </a:p>
-        </p:txBody>
-      </p:sp>
-      <p:sp>
-        <p:nvSpPr>
-          <p:cNvPr id="5" name="Rectangle 4">
-            <a:extLst>
-              <a:ext uri="{FF2B5EF4-FFF2-40B4-BE49-F238E27FC236}">
-                <a16:creationId xmlns:a16="http://schemas.microsoft.com/office/drawing/2014/main" id="{8B7058C9-6978-40DF-9E84-832BF184F06A}"/>
-              </a:ext>
-            </a:extLst>
-          </p:cNvPr>
-          <p:cNvSpPr/>
-          <p:nvPr/>
-        </p:nvSpPr>
-        <p:spPr>
-          <a:xfrm>
-            <a:off x="2229692" y="2702560"/>
-            <a:ext cx="7113104" cy="3688080"/>
-          </a:xfrm>
-          <a:prstGeom prst="rect">
-            <a:avLst/>
-          </a:prstGeom>
-          <a:noFill/>
-        </p:spPr>
-        <p:style>
-          <a:lnRef idx="2">
-            <a:schemeClr val="accent1">
-              <a:shade val="50000"/>
-            </a:schemeClr>
-          </a:lnRef>
-          <a:fillRef idx="1">
-            <a:schemeClr val="accent1"/>
-          </a:fillRef>
-          <a:effectRef idx="0">
-            <a:schemeClr val="accent1"/>
-          </a:effectRef>
-          <a:fontRef idx="minor">
-            <a:schemeClr val="lt1"/>
-          </a:fontRef>
-        </p:style>
-        <p:txBody>
-          <a:bodyPr rtlCol="0" anchor="ctr"/>
-          <a:lstStyle/>
-          <a:p>
-            <a:pPr marL="0" algn="ctr" defTabSz="914400" rtl="1" eaLnBrk="1" latinLnBrk="0" hangingPunct="1"/>
-            <a:endParaRPr lang="en-US" dirty="0">
-              <a:solidFill>
-                <a:schemeClr val="tx1"/>
-              </a:solidFill>
-            </a:endParaRPr>
-          </a:p>
-        </p:txBody>
-      </p:sp>
-      <p:sp>
-        <p:nvSpPr>
-          <p:cNvPr id="9" name="Rectangle: Rounded Corners 8">
-            <a:extLst>
-              <a:ext uri="{FF2B5EF4-FFF2-40B4-BE49-F238E27FC236}">
-                <a16:creationId xmlns:a16="http://schemas.microsoft.com/office/drawing/2014/main" id="{017879C7-B5FD-49F0-BBF8-A20D2B076983}"/>
-              </a:ext>
-            </a:extLst>
-          </p:cNvPr>
-          <p:cNvSpPr/>
-          <p:nvPr/>
-        </p:nvSpPr>
-        <p:spPr>
-          <a:xfrm>
-            <a:off x="8573273" y="628871"/>
-            <a:ext cx="1212219" cy="475623"/>
-          </a:xfrm>
-          <a:prstGeom prst="roundRect">
-            <a:avLst/>
-          </a:prstGeom>
-          <a:solidFill>
-            <a:schemeClr val="bg1"/>
-          </a:solidFill>
-        </p:spPr>
-        <p:style>
-          <a:lnRef idx="2">
-            <a:schemeClr val="accent1">
-              <a:shade val="50000"/>
-            </a:schemeClr>
-          </a:lnRef>
-          <a:fillRef idx="1">
-            <a:schemeClr val="accent1"/>
-          </a:fillRef>
-          <a:effectRef idx="0">
-            <a:schemeClr val="accent1"/>
-          </a:effectRef>
-          <a:fontRef idx="minor">
-            <a:schemeClr val="lt1"/>
-          </a:fontRef>
-        </p:style>
-        <p:txBody>
-          <a:bodyPr rtlCol="0" anchor="ctr"/>
-          <a:lstStyle/>
-          <a:p>
-            <a:pPr algn="ctr"/>
-            <a:r>
-              <a:rPr lang="he-IL" dirty="0">
-                <a:solidFill>
-                  <a:schemeClr val="tx1"/>
-                </a:solidFill>
-              </a:rPr>
-              <a:t>חניונים</a:t>
-            </a:r>
-          </a:p>
-        </p:txBody>
-      </p:sp>
-      <p:sp>
-        <p:nvSpPr>
-          <p:cNvPr id="10" name="Rectangle: Rounded Corners 9">
-            <a:extLst>
-              <a:ext uri="{FF2B5EF4-FFF2-40B4-BE49-F238E27FC236}">
-                <a16:creationId xmlns:a16="http://schemas.microsoft.com/office/drawing/2014/main" id="{1D30CD7D-6707-4BFD-B1D5-D6804C2E8D3E}"/>
-              </a:ext>
-            </a:extLst>
-          </p:cNvPr>
-          <p:cNvSpPr/>
-          <p:nvPr/>
-        </p:nvSpPr>
-        <p:spPr>
-          <a:xfrm>
-            <a:off x="3626692" y="3180914"/>
-            <a:ext cx="1212219" cy="737438"/>
-          </a:xfrm>
-          <a:prstGeom prst="roundRect">
-            <a:avLst/>
-          </a:prstGeom>
-          <a:noFill/>
-        </p:spPr>
-        <p:style>
-          <a:lnRef idx="2">
-            <a:schemeClr val="accent1">
-              <a:shade val="50000"/>
-            </a:schemeClr>
-          </a:lnRef>
-          <a:fillRef idx="1">
-            <a:schemeClr val="accent1"/>
-          </a:fillRef>
-          <a:effectRef idx="0">
-            <a:schemeClr val="accent1"/>
-          </a:effectRef>
-          <a:fontRef idx="minor">
-            <a:schemeClr val="lt1"/>
-          </a:fontRef>
-        </p:style>
-        <p:txBody>
-          <a:bodyPr rtlCol="0" anchor="ctr"/>
-          <a:lstStyle/>
-          <a:p>
-            <a:pPr algn="ctr"/>
-            <a:r>
-              <a:rPr lang="he-IL" dirty="0">
-                <a:solidFill>
-                  <a:schemeClr val="tx1"/>
-                </a:solidFill>
-              </a:rPr>
-              <a:t>מערכת </a:t>
-            </a:r>
-            <a:r>
-              <a:rPr lang="en-US" dirty="0">
-                <a:solidFill>
-                  <a:schemeClr val="tx1"/>
-                </a:solidFill>
-              </a:rPr>
-              <a:t>CPS</a:t>
-            </a:r>
-            <a:endParaRPr lang="he-IL" dirty="0">
-              <a:solidFill>
-                <a:schemeClr val="tx1"/>
-              </a:solidFill>
-            </a:endParaRPr>
-          </a:p>
-        </p:txBody>
-      </p:sp>
-      <p:sp>
-        <p:nvSpPr>
-          <p:cNvPr id="11" name="Rectangle: Rounded Corners 10">
-            <a:extLst>
-              <a:ext uri="{FF2B5EF4-FFF2-40B4-BE49-F238E27FC236}">
-                <a16:creationId xmlns:a16="http://schemas.microsoft.com/office/drawing/2014/main" id="{1F8306F2-DD6D-4DA6-ADE8-EF1E141064BC}"/>
-              </a:ext>
-            </a:extLst>
-          </p:cNvPr>
-          <p:cNvSpPr/>
-          <p:nvPr/>
-        </p:nvSpPr>
-        <p:spPr>
-          <a:xfrm>
-            <a:off x="7630489" y="4314640"/>
-            <a:ext cx="1212219" cy="737438"/>
-          </a:xfrm>
-          <a:prstGeom prst="roundRect">
-            <a:avLst/>
-          </a:prstGeom>
-          <a:noFill/>
-        </p:spPr>
-        <p:style>
-          <a:lnRef idx="2">
-            <a:schemeClr val="accent1">
-              <a:shade val="50000"/>
-            </a:schemeClr>
-          </a:lnRef>
-          <a:fillRef idx="1">
-            <a:schemeClr val="accent1"/>
-          </a:fillRef>
-          <a:effectRef idx="0">
-            <a:schemeClr val="accent1"/>
-          </a:effectRef>
-          <a:fontRef idx="minor">
-            <a:schemeClr val="lt1"/>
-          </a:fontRef>
-        </p:style>
-        <p:txBody>
-          <a:bodyPr rtlCol="0" anchor="ctr"/>
-          <a:lstStyle/>
-          <a:p>
-            <a:pPr algn="ctr"/>
-            <a:r>
-              <a:rPr lang="he-IL" dirty="0">
-                <a:solidFill>
-                  <a:schemeClr val="tx1"/>
-                </a:solidFill>
-              </a:rPr>
-              <a:t>אתר אינטרנט</a:t>
-            </a:r>
-          </a:p>
-        </p:txBody>
-      </p:sp>
-      <p:sp>
-        <p:nvSpPr>
-          <p:cNvPr id="15" name="Rectangle: Rounded Corners 14">
-            <a:extLst>
-              <a:ext uri="{FF2B5EF4-FFF2-40B4-BE49-F238E27FC236}">
-                <a16:creationId xmlns:a16="http://schemas.microsoft.com/office/drawing/2014/main" id="{19053A62-B285-448B-A506-876338916E8C}"/>
-              </a:ext>
-            </a:extLst>
-          </p:cNvPr>
-          <p:cNvSpPr/>
-          <p:nvPr/>
-        </p:nvSpPr>
-        <p:spPr>
-          <a:xfrm>
-            <a:off x="3406506" y="5126363"/>
-            <a:ext cx="1652590" cy="876356"/>
-          </a:xfrm>
-          <a:prstGeom prst="roundRect">
-            <a:avLst/>
-          </a:prstGeom>
-          <a:noFill/>
-        </p:spPr>
-        <p:style>
-          <a:lnRef idx="2">
-            <a:schemeClr val="accent1">
-              <a:shade val="50000"/>
-            </a:schemeClr>
-          </a:lnRef>
-          <a:fillRef idx="1">
-            <a:schemeClr val="accent1"/>
-          </a:fillRef>
-          <a:effectRef idx="0">
-            <a:schemeClr val="accent1"/>
-          </a:effectRef>
-          <a:fontRef idx="minor">
-            <a:schemeClr val="lt1"/>
-          </a:fontRef>
-        </p:style>
-        <p:txBody>
-          <a:bodyPr rtlCol="0" anchor="ctr"/>
-          <a:lstStyle/>
-          <a:p>
-            <a:pPr algn="ctr"/>
-            <a:r>
-              <a:rPr lang="he-IL" dirty="0">
-                <a:solidFill>
-                  <a:schemeClr val="tx1"/>
-                </a:solidFill>
-              </a:rPr>
-              <a:t>מערכת ניהול פרטי עובדות</a:t>
-            </a:r>
-          </a:p>
-        </p:txBody>
-      </p:sp>
-      <p:cxnSp>
-        <p:nvCxnSpPr>
-          <p:cNvPr id="21" name="Straight Connector 20">
-            <a:extLst>
-              <a:ext uri="{FF2B5EF4-FFF2-40B4-BE49-F238E27FC236}">
-                <a16:creationId xmlns:a16="http://schemas.microsoft.com/office/drawing/2014/main" id="{7B544733-7C60-478A-87F9-19C15751F4DA}"/>
-              </a:ext>
-            </a:extLst>
-          </p:cNvPr>
-          <p:cNvCxnSpPr>
-            <a:stCxn id="4" idx="3"/>
-            <a:endCxn id="9" idx="1"/>
-          </p:cNvCxnSpPr>
-          <p:nvPr/>
-        </p:nvCxnSpPr>
-        <p:spPr>
-          <a:xfrm flipV="1">
-            <a:off x="6654800" y="866683"/>
-            <a:ext cx="1918473" cy="299821"/>
-          </a:xfrm>
-          <a:prstGeom prst="line">
-            <a:avLst/>
-          </a:prstGeom>
-        </p:spPr>
-        <p:style>
-          <a:lnRef idx="1">
-            <a:schemeClr val="accent1"/>
-          </a:lnRef>
-          <a:fillRef idx="0">
-            <a:schemeClr val="accent1"/>
-          </a:fillRef>
-          <a:effectRef idx="0">
-            <a:schemeClr val="accent1"/>
-          </a:effectRef>
-          <a:fontRef idx="minor">
-            <a:schemeClr val="tx1"/>
-          </a:fontRef>
-        </p:style>
-      </p:cxnSp>
-      <p:cxnSp>
-        <p:nvCxnSpPr>
-          <p:cNvPr id="23" name="Straight Connector 22">
-            <a:extLst>
-              <a:ext uri="{FF2B5EF4-FFF2-40B4-BE49-F238E27FC236}">
-                <a16:creationId xmlns:a16="http://schemas.microsoft.com/office/drawing/2014/main" id="{985C838E-142B-4C3B-80C9-C4CE4CCA7F23}"/>
-              </a:ext>
-            </a:extLst>
-          </p:cNvPr>
-          <p:cNvCxnSpPr>
-            <a:cxnSpLocks/>
-            <a:stCxn id="4" idx="1"/>
-            <a:endCxn id="1031" idx="3"/>
-          </p:cNvCxnSpPr>
-          <p:nvPr/>
-        </p:nvCxnSpPr>
-        <p:spPr>
-          <a:xfrm flipH="1" flipV="1">
-            <a:off x="3374395" y="1146767"/>
-            <a:ext cx="1421125" cy="19737"/>
-          </a:xfrm>
-          <a:prstGeom prst="line">
-            <a:avLst/>
-          </a:prstGeom>
-        </p:spPr>
-        <p:style>
-          <a:lnRef idx="1">
-            <a:schemeClr val="accent1"/>
-          </a:lnRef>
-          <a:fillRef idx="0">
-            <a:schemeClr val="accent1"/>
-          </a:fillRef>
-          <a:effectRef idx="0">
-            <a:schemeClr val="accent1"/>
-          </a:effectRef>
-          <a:fontRef idx="minor">
-            <a:schemeClr val="tx1"/>
-          </a:fontRef>
-        </p:style>
-      </p:cxnSp>
-      <p:cxnSp>
-        <p:nvCxnSpPr>
-          <p:cNvPr id="25" name="Straight Connector 24">
-            <a:extLst>
-              <a:ext uri="{FF2B5EF4-FFF2-40B4-BE49-F238E27FC236}">
-                <a16:creationId xmlns:a16="http://schemas.microsoft.com/office/drawing/2014/main" id="{B15FDA88-9207-4E1A-9073-1A40BE7151D5}"/>
-              </a:ext>
-            </a:extLst>
-          </p:cNvPr>
-          <p:cNvCxnSpPr>
-            <a:cxnSpLocks/>
-            <a:stCxn id="4" idx="3"/>
-            <a:endCxn id="140" idx="1"/>
-          </p:cNvCxnSpPr>
-          <p:nvPr/>
-        </p:nvCxnSpPr>
-        <p:spPr>
-          <a:xfrm>
-            <a:off x="6654800" y="1166504"/>
-            <a:ext cx="2015857" cy="491803"/>
-          </a:xfrm>
-          <a:prstGeom prst="line">
-            <a:avLst/>
-          </a:prstGeom>
-        </p:spPr>
-        <p:style>
-          <a:lnRef idx="1">
-            <a:schemeClr val="accent1"/>
-          </a:lnRef>
-          <a:fillRef idx="0">
-            <a:schemeClr val="accent1"/>
-          </a:fillRef>
-          <a:effectRef idx="0">
-            <a:schemeClr val="accent1"/>
-          </a:effectRef>
-          <a:fontRef idx="minor">
-            <a:schemeClr val="tx1"/>
-          </a:fontRef>
-        </p:style>
-      </p:cxnSp>
-      <p:cxnSp>
-        <p:nvCxnSpPr>
-          <p:cNvPr id="42" name="Straight Connector 41">
-            <a:extLst>
-              <a:ext uri="{FF2B5EF4-FFF2-40B4-BE49-F238E27FC236}">
-                <a16:creationId xmlns:a16="http://schemas.microsoft.com/office/drawing/2014/main" id="{90E5453F-445B-46BF-A158-06F7744EFDCD}"/>
-              </a:ext>
-            </a:extLst>
-          </p:cNvPr>
-          <p:cNvCxnSpPr>
-            <a:cxnSpLocks/>
-          </p:cNvCxnSpPr>
-          <p:nvPr/>
-        </p:nvCxnSpPr>
-        <p:spPr>
-          <a:xfrm flipH="1">
-            <a:off x="2229692" y="1794527"/>
-            <a:ext cx="2565828" cy="908033"/>
-          </a:xfrm>
-          <a:prstGeom prst="line">
-            <a:avLst/>
-          </a:prstGeom>
-          <a:ln>
-            <a:prstDash val="lgDash"/>
-          </a:ln>
-        </p:spPr>
-        <p:style>
-          <a:lnRef idx="1">
-            <a:schemeClr val="accent1"/>
-          </a:lnRef>
-          <a:fillRef idx="0">
-            <a:schemeClr val="accent1"/>
-          </a:fillRef>
-          <a:effectRef idx="0">
-            <a:schemeClr val="accent1"/>
-          </a:effectRef>
-          <a:fontRef idx="minor">
-            <a:schemeClr val="tx1"/>
-          </a:fontRef>
-        </p:style>
-      </p:cxnSp>
-      <p:cxnSp>
-        <p:nvCxnSpPr>
-          <p:cNvPr id="44" name="Straight Connector 43">
-            <a:extLst>
-              <a:ext uri="{FF2B5EF4-FFF2-40B4-BE49-F238E27FC236}">
-                <a16:creationId xmlns:a16="http://schemas.microsoft.com/office/drawing/2014/main" id="{4BC26EC4-CD9E-41D1-A083-29D7EC6EBBDB}"/>
-              </a:ext>
-            </a:extLst>
-          </p:cNvPr>
-          <p:cNvCxnSpPr>
-            <a:cxnSpLocks/>
-          </p:cNvCxnSpPr>
-          <p:nvPr/>
-        </p:nvCxnSpPr>
-        <p:spPr>
-          <a:xfrm>
-            <a:off x="6654800" y="1794527"/>
-            <a:ext cx="2687996" cy="908033"/>
-          </a:xfrm>
-          <a:prstGeom prst="line">
-            <a:avLst/>
-          </a:prstGeom>
-          <a:ln>
-            <a:prstDash val="lgDash"/>
-          </a:ln>
-        </p:spPr>
-        <p:style>
-          <a:lnRef idx="1">
-            <a:schemeClr val="accent1"/>
-          </a:lnRef>
-          <a:fillRef idx="0">
-            <a:schemeClr val="accent1"/>
-          </a:fillRef>
-          <a:effectRef idx="0">
-            <a:schemeClr val="accent1"/>
-          </a:effectRef>
-          <a:fontRef idx="minor">
-            <a:schemeClr val="tx1"/>
-          </a:fontRef>
-        </p:style>
-      </p:cxnSp>
-      <p:cxnSp>
-        <p:nvCxnSpPr>
-          <p:cNvPr id="82" name="Straight Connector 81">
-            <a:extLst>
-              <a:ext uri="{FF2B5EF4-FFF2-40B4-BE49-F238E27FC236}">
-                <a16:creationId xmlns:a16="http://schemas.microsoft.com/office/drawing/2014/main" id="{106C8F6A-D7F6-4A76-B27A-1C1E29C1F8C7}"/>
-              </a:ext>
-            </a:extLst>
-          </p:cNvPr>
-          <p:cNvCxnSpPr>
-            <a:cxnSpLocks/>
-            <a:stCxn id="10" idx="0"/>
-            <a:endCxn id="11" idx="0"/>
-          </p:cNvCxnSpPr>
-          <p:nvPr/>
-        </p:nvCxnSpPr>
-        <p:spPr>
-          <a:xfrm rot="16200000" flipH="1">
-            <a:off x="5667837" y="1745879"/>
-            <a:ext cx="1133726" cy="4003797"/>
-          </a:xfrm>
-          <a:prstGeom prst="curvedConnector3">
-            <a:avLst>
-              <a:gd name="adj1" fmla="val -20164"/>
-            </a:avLst>
-          </a:prstGeom>
-        </p:spPr>
-        <p:style>
-          <a:lnRef idx="1">
-            <a:schemeClr val="accent1"/>
-          </a:lnRef>
-          <a:fillRef idx="0">
-            <a:schemeClr val="accent1"/>
-          </a:fillRef>
-          <a:effectRef idx="0">
-            <a:schemeClr val="accent1"/>
-          </a:effectRef>
-          <a:fontRef idx="minor">
-            <a:schemeClr val="tx1"/>
-          </a:fontRef>
-        </p:style>
-      </p:cxnSp>
-      <p:cxnSp>
-        <p:nvCxnSpPr>
-          <p:cNvPr id="86" name="Straight Connector 85">
-            <a:extLst>
-              <a:ext uri="{FF2B5EF4-FFF2-40B4-BE49-F238E27FC236}">
-                <a16:creationId xmlns:a16="http://schemas.microsoft.com/office/drawing/2014/main" id="{3BDCE5BD-9078-4841-9826-B52AF3E22E9B}"/>
-              </a:ext>
-            </a:extLst>
-          </p:cNvPr>
-          <p:cNvCxnSpPr>
-            <a:cxnSpLocks/>
-            <a:stCxn id="15" idx="3"/>
-            <a:endCxn id="125" idx="2"/>
-          </p:cNvCxnSpPr>
-          <p:nvPr/>
-        </p:nvCxnSpPr>
-        <p:spPr>
-          <a:xfrm flipV="1">
-            <a:off x="5059096" y="4945471"/>
-            <a:ext cx="872550" cy="619070"/>
-          </a:xfrm>
-          <a:prstGeom prst="curvedConnector2">
-            <a:avLst/>
-          </a:prstGeom>
-        </p:spPr>
-        <p:style>
-          <a:lnRef idx="1">
-            <a:schemeClr val="accent1"/>
-          </a:lnRef>
-          <a:fillRef idx="0">
-            <a:schemeClr val="accent1"/>
-          </a:fillRef>
-          <a:effectRef idx="0">
-            <a:schemeClr val="accent1"/>
-          </a:effectRef>
-          <a:fontRef idx="minor">
-            <a:schemeClr val="tx1"/>
-          </a:fontRef>
-        </p:style>
-      </p:cxnSp>
-      <p:cxnSp>
-        <p:nvCxnSpPr>
-          <p:cNvPr id="88" name="Straight Connector 87">
-            <a:extLst>
-              <a:ext uri="{FF2B5EF4-FFF2-40B4-BE49-F238E27FC236}">
-                <a16:creationId xmlns:a16="http://schemas.microsoft.com/office/drawing/2014/main" id="{E18A69A8-E424-4E3D-ABEB-6B81578C0925}"/>
-              </a:ext>
-            </a:extLst>
-          </p:cNvPr>
-          <p:cNvCxnSpPr>
-            <a:stCxn id="10" idx="2"/>
-            <a:endCxn id="15" idx="0"/>
-          </p:cNvCxnSpPr>
-          <p:nvPr/>
-        </p:nvCxnSpPr>
-        <p:spPr>
-          <a:xfrm flipH="1">
-            <a:off x="4232801" y="3918352"/>
-            <a:ext cx="1" cy="1208011"/>
-          </a:xfrm>
-          <a:prstGeom prst="line">
-            <a:avLst/>
-          </a:prstGeom>
-        </p:spPr>
-        <p:style>
-          <a:lnRef idx="1">
-            <a:schemeClr val="accent1"/>
-          </a:lnRef>
-          <a:fillRef idx="0">
-            <a:schemeClr val="accent1"/>
-          </a:fillRef>
-          <a:effectRef idx="0">
-            <a:schemeClr val="accent1"/>
-          </a:effectRef>
-          <a:fontRef idx="minor">
-            <a:schemeClr val="tx1"/>
-          </a:fontRef>
-        </p:style>
-      </p:cxnSp>
-      <p:cxnSp>
-        <p:nvCxnSpPr>
-          <p:cNvPr id="103" name="Straight Connector 102">
-            <a:extLst>
-              <a:ext uri="{FF2B5EF4-FFF2-40B4-BE49-F238E27FC236}">
-                <a16:creationId xmlns:a16="http://schemas.microsoft.com/office/drawing/2014/main" id="{7FAC8785-4BB1-4259-A7F3-7AF70C333B93}"/>
-              </a:ext>
-            </a:extLst>
-          </p:cNvPr>
-          <p:cNvCxnSpPr>
-            <a:cxnSpLocks/>
-            <a:stCxn id="10" idx="1"/>
-            <a:endCxn id="130" idx="0"/>
-          </p:cNvCxnSpPr>
-          <p:nvPr/>
-        </p:nvCxnSpPr>
-        <p:spPr>
-          <a:xfrm rot="10800000" flipV="1">
-            <a:off x="2785226" y="3549632"/>
-            <a:ext cx="841467" cy="719875"/>
-          </a:xfrm>
-          <a:prstGeom prst="curvedConnector2">
-            <a:avLst/>
-          </a:prstGeom>
-        </p:spPr>
-        <p:style>
-          <a:lnRef idx="1">
-            <a:schemeClr val="accent1"/>
-          </a:lnRef>
-          <a:fillRef idx="0">
-            <a:schemeClr val="accent1"/>
-          </a:fillRef>
-          <a:effectRef idx="0">
-            <a:schemeClr val="accent1"/>
-          </a:effectRef>
-          <a:fontRef idx="minor">
-            <a:schemeClr val="tx1"/>
-          </a:fontRef>
-        </p:style>
-      </p:cxnSp>
-      <p:cxnSp>
-        <p:nvCxnSpPr>
-          <p:cNvPr id="105" name="Straight Connector 104">
-            <a:extLst>
-              <a:ext uri="{FF2B5EF4-FFF2-40B4-BE49-F238E27FC236}">
-                <a16:creationId xmlns:a16="http://schemas.microsoft.com/office/drawing/2014/main" id="{8380589A-8278-4EF2-98CD-6656D893F935}"/>
-              </a:ext>
-            </a:extLst>
-          </p:cNvPr>
-          <p:cNvCxnSpPr>
-            <a:cxnSpLocks/>
-            <a:endCxn id="15" idx="1"/>
-          </p:cNvCxnSpPr>
-          <p:nvPr/>
-        </p:nvCxnSpPr>
-        <p:spPr>
-          <a:xfrm rot="16200000" flipH="1">
-            <a:off x="2692154" y="4850189"/>
-            <a:ext cx="794950" cy="633754"/>
-          </a:xfrm>
-          <a:prstGeom prst="curvedConnector2">
-            <a:avLst/>
-          </a:prstGeom>
-        </p:spPr>
-        <p:style>
-          <a:lnRef idx="1">
-            <a:schemeClr val="accent1"/>
-          </a:lnRef>
-          <a:fillRef idx="0">
-            <a:schemeClr val="accent1"/>
-          </a:fillRef>
-          <a:effectRef idx="0">
-            <a:schemeClr val="accent1"/>
-          </a:effectRef>
-          <a:fontRef idx="minor">
-            <a:schemeClr val="tx1"/>
-          </a:fontRef>
-        </p:style>
-      </p:cxnSp>
-      <p:cxnSp>
-        <p:nvCxnSpPr>
-          <p:cNvPr id="107" name="Straight Connector 106">
-            <a:extLst>
-              <a:ext uri="{FF2B5EF4-FFF2-40B4-BE49-F238E27FC236}">
-                <a16:creationId xmlns:a16="http://schemas.microsoft.com/office/drawing/2014/main" id="{F8758519-E254-4655-AAB9-D6591C336F19}"/>
-              </a:ext>
-            </a:extLst>
-          </p:cNvPr>
-          <p:cNvCxnSpPr>
-            <a:cxnSpLocks/>
-            <a:stCxn id="10" idx="3"/>
-            <a:endCxn id="125" idx="0"/>
-          </p:cNvCxnSpPr>
-          <p:nvPr/>
-        </p:nvCxnSpPr>
-        <p:spPr>
-          <a:xfrm>
-            <a:off x="4838911" y="3549633"/>
-            <a:ext cx="1092735" cy="765007"/>
-          </a:xfrm>
-          <a:prstGeom prst="curvedConnector2">
-            <a:avLst/>
-          </a:prstGeom>
-        </p:spPr>
-        <p:style>
-          <a:lnRef idx="1">
-            <a:schemeClr val="accent1"/>
-          </a:lnRef>
-          <a:fillRef idx="0">
-            <a:schemeClr val="accent1"/>
-          </a:fillRef>
-          <a:effectRef idx="0">
-            <a:schemeClr val="accent1"/>
-          </a:effectRef>
-          <a:fontRef idx="minor">
-            <a:schemeClr val="tx1"/>
-          </a:fontRef>
-        </p:style>
-      </p:cxnSp>
-      <p:sp>
-        <p:nvSpPr>
-          <p:cNvPr id="124" name="TextBox 123">
-            <a:extLst>
-              <a:ext uri="{FF2B5EF4-FFF2-40B4-BE49-F238E27FC236}">
-                <a16:creationId xmlns:a16="http://schemas.microsoft.com/office/drawing/2014/main" id="{FC0BAA4C-B3E5-485E-9ACE-11DA8C31F906}"/>
-              </a:ext>
-            </a:extLst>
-          </p:cNvPr>
-          <p:cNvSpPr txBox="1"/>
-          <p:nvPr/>
-        </p:nvSpPr>
-        <p:spPr>
-          <a:xfrm>
-            <a:off x="9222238" y="1438234"/>
-            <a:ext cx="821059" cy="369332"/>
-          </a:xfrm>
-          <a:prstGeom prst="rect">
-            <a:avLst/>
-          </a:prstGeom>
-          <a:noFill/>
-        </p:spPr>
-        <p:txBody>
-          <a:bodyPr wrap="none" rtlCol="0">
-            <a:spAutoFit/>
-          </a:bodyPr>
-          <a:lstStyle/>
-          <a:p>
-            <a:r>
-              <a:rPr lang="he-IL" dirty="0"/>
-              <a:t>לקוחות</a:t>
-            </a:r>
-          </a:p>
-        </p:txBody>
-      </p:sp>
-      <p:pic>
-        <p:nvPicPr>
-          <p:cNvPr id="125" name="Picture 2" descr="Image result for users">
-            <a:extLst>
-              <a:ext uri="{FF2B5EF4-FFF2-40B4-BE49-F238E27FC236}">
-                <a16:creationId xmlns:a16="http://schemas.microsoft.com/office/drawing/2014/main" id="{B29C895E-E5F6-457C-8933-2531BF8CA9C3}"/>
-              </a:ext>
-            </a:extLst>
-          </p:cNvPr>
-          <p:cNvPicPr>
-            <a:picLocks noChangeAspect="1" noChangeArrowheads="1"/>
-          </p:cNvPicPr>
-          <p:nvPr/>
-        </p:nvPicPr>
-        <p:blipFill>
-          <a:blip r:embed="rId2" cstate="hqprint">
-            <a:extLst>
-              <a:ext uri="{28A0092B-C50C-407E-A947-70E740481C1C}">
-                <a14:useLocalDpi xmlns:a14="http://schemas.microsoft.com/office/drawing/2010/main" val="0"/>
-              </a:ext>
-            </a:extLst>
-          </a:blip>
-          <a:srcRect/>
-          <a:stretch>
-            <a:fillRect/>
-          </a:stretch>
-        </p:blipFill>
-        <p:spPr bwMode="auto">
-          <a:xfrm>
-            <a:off x="5655855" y="4314640"/>
-            <a:ext cx="551581" cy="630831"/>
-          </a:xfrm>
-          <a:prstGeom prst="rect">
-            <a:avLst/>
-          </a:prstGeom>
-          <a:noFill/>
-          <a:extLst>
-            <a:ext uri="{909E8E84-426E-40DD-AFC4-6F175D3DCCD1}">
-              <a14:hiddenFill xmlns:a14="http://schemas.microsoft.com/office/drawing/2010/main">
-                <a:solidFill>
-                  <a:srgbClr val="FFFFFF"/>
-                </a:solidFill>
-              </a14:hiddenFill>
-            </a:ext>
-          </a:extLst>
-        </p:spPr>
-      </p:pic>
-      <p:sp>
-        <p:nvSpPr>
-          <p:cNvPr id="129" name="TextBox 128">
-            <a:extLst>
-              <a:ext uri="{FF2B5EF4-FFF2-40B4-BE49-F238E27FC236}">
-                <a16:creationId xmlns:a16="http://schemas.microsoft.com/office/drawing/2014/main" id="{1EF8C442-78BA-49CA-A9A5-984871E90A08}"/>
-              </a:ext>
-            </a:extLst>
-          </p:cNvPr>
-          <p:cNvSpPr txBox="1"/>
-          <p:nvPr/>
-        </p:nvSpPr>
-        <p:spPr>
-          <a:xfrm>
-            <a:off x="4863085" y="4262903"/>
-            <a:ext cx="965356" cy="646331"/>
-          </a:xfrm>
-          <a:prstGeom prst="rect">
-            <a:avLst/>
-          </a:prstGeom>
-          <a:noFill/>
-        </p:spPr>
-        <p:txBody>
-          <a:bodyPr wrap="square" rtlCol="0">
-            <a:spAutoFit/>
-          </a:bodyPr>
-          <a:lstStyle/>
-          <a:p>
-            <a:r>
-              <a:rPr lang="he-IL" dirty="0"/>
-              <a:t>מנהלות חניונים</a:t>
-            </a:r>
-          </a:p>
-        </p:txBody>
-      </p:sp>
-      <p:pic>
-        <p:nvPicPr>
-          <p:cNvPr id="130" name="Picture 2" descr="Image result for users">
-            <a:extLst>
-              <a:ext uri="{FF2B5EF4-FFF2-40B4-BE49-F238E27FC236}">
-                <a16:creationId xmlns:a16="http://schemas.microsoft.com/office/drawing/2014/main" id="{9C392B1B-CA6D-42BA-8003-45CE425ED166}"/>
-              </a:ext>
-            </a:extLst>
-          </p:cNvPr>
-          <p:cNvPicPr>
-            <a:picLocks noChangeAspect="1" noChangeArrowheads="1"/>
-          </p:cNvPicPr>
-          <p:nvPr/>
-        </p:nvPicPr>
-        <p:blipFill>
-          <a:blip r:embed="rId2" cstate="hqprint">
-            <a:extLst>
-              <a:ext uri="{28A0092B-C50C-407E-A947-70E740481C1C}">
-                <a14:useLocalDpi xmlns:a14="http://schemas.microsoft.com/office/drawing/2010/main" val="0"/>
-              </a:ext>
-            </a:extLst>
-          </a:blip>
-          <a:srcRect/>
-          <a:stretch>
-            <a:fillRect/>
-          </a:stretch>
-        </p:blipFill>
-        <p:spPr bwMode="auto">
-          <a:xfrm>
-            <a:off x="2509434" y="4269508"/>
-            <a:ext cx="551581" cy="630831"/>
-          </a:xfrm>
-          <a:prstGeom prst="rect">
-            <a:avLst/>
-          </a:prstGeom>
-          <a:noFill/>
-          <a:extLst>
-            <a:ext uri="{909E8E84-426E-40DD-AFC4-6F175D3DCCD1}">
-              <a14:hiddenFill xmlns:a14="http://schemas.microsoft.com/office/drawing/2010/main">
-                <a:solidFill>
-                  <a:srgbClr val="FFFFFF"/>
-                </a:solidFill>
-              </a14:hiddenFill>
-            </a:ext>
-          </a:extLst>
-        </p:spPr>
-      </p:pic>
-      <p:sp>
-        <p:nvSpPr>
-          <p:cNvPr id="131" name="TextBox 130">
-            <a:extLst>
-              <a:ext uri="{FF2B5EF4-FFF2-40B4-BE49-F238E27FC236}">
-                <a16:creationId xmlns:a16="http://schemas.microsoft.com/office/drawing/2014/main" id="{3A593558-F10C-49E3-9ADA-277CDA594BC1}"/>
-              </a:ext>
-            </a:extLst>
-          </p:cNvPr>
-          <p:cNvSpPr txBox="1"/>
-          <p:nvPr/>
-        </p:nvSpPr>
-        <p:spPr>
-          <a:xfrm>
-            <a:off x="3051735" y="4388268"/>
-            <a:ext cx="813043" cy="369332"/>
-          </a:xfrm>
-          <a:prstGeom prst="rect">
-            <a:avLst/>
-          </a:prstGeom>
-          <a:noFill/>
-        </p:spPr>
-        <p:txBody>
-          <a:bodyPr wrap="none" rtlCol="0">
-            <a:spAutoFit/>
-          </a:bodyPr>
-          <a:lstStyle/>
-          <a:p>
-            <a:r>
-              <a:rPr lang="he-IL" dirty="0"/>
-              <a:t>עובדות</a:t>
-            </a:r>
-          </a:p>
-        </p:txBody>
-      </p:sp>
-      <p:pic>
-        <p:nvPicPr>
-          <p:cNvPr id="140" name="Picture 2" descr="Image result for users">
-            <a:extLst>
-              <a:ext uri="{FF2B5EF4-FFF2-40B4-BE49-F238E27FC236}">
-                <a16:creationId xmlns:a16="http://schemas.microsoft.com/office/drawing/2014/main" id="{432E3C36-FED1-4D7B-8D78-EC9BB72C3760}"/>
-              </a:ext>
-            </a:extLst>
-          </p:cNvPr>
-          <p:cNvPicPr>
-            <a:picLocks noChangeAspect="1" noChangeArrowheads="1"/>
-          </p:cNvPicPr>
-          <p:nvPr/>
-        </p:nvPicPr>
-        <p:blipFill>
-          <a:blip r:embed="rId2" cstate="hqprint">
-            <a:extLst>
-              <a:ext uri="{28A0092B-C50C-407E-A947-70E740481C1C}">
-                <a14:useLocalDpi xmlns:a14="http://schemas.microsoft.com/office/drawing/2010/main" val="0"/>
-              </a:ext>
-            </a:extLst>
-          </a:blip>
-          <a:srcRect/>
-          <a:stretch>
-            <a:fillRect/>
-          </a:stretch>
-        </p:blipFill>
-        <p:spPr bwMode="auto">
-          <a:xfrm>
-            <a:off x="8670657" y="1342891"/>
-            <a:ext cx="551581" cy="630831"/>
-          </a:xfrm>
-          <a:prstGeom prst="rect">
-            <a:avLst/>
-          </a:prstGeom>
-          <a:noFill/>
-          <a:extLst>
-            <a:ext uri="{909E8E84-426E-40DD-AFC4-6F175D3DCCD1}">
-              <a14:hiddenFill xmlns:a14="http://schemas.microsoft.com/office/drawing/2010/main">
-                <a:solidFill>
-                  <a:srgbClr val="FFFFFF"/>
-                </a:solidFill>
-              </a14:hiddenFill>
-            </a:ext>
-          </a:extLst>
-        </p:spPr>
-      </p:pic>
-      <p:pic>
-        <p:nvPicPr>
-          <p:cNvPr id="1031" name="Picture 6" descr="Image result for user">
-            <a:extLst>
-              <a:ext uri="{FF2B5EF4-FFF2-40B4-BE49-F238E27FC236}">
-                <a16:creationId xmlns:a16="http://schemas.microsoft.com/office/drawing/2014/main" id="{EF7B53A0-C020-4D77-B795-6013E3C0566C}"/>
-              </a:ext>
-            </a:extLst>
-          </p:cNvPr>
-          <p:cNvPicPr>
-            <a:picLocks noChangeAspect="1" noChangeArrowheads="1"/>
-          </p:cNvPicPr>
-          <p:nvPr/>
-        </p:nvPicPr>
-        <p:blipFill>
-          <a:blip r:embed="rId3" cstate="hqprint">
-            <a:extLst>
-              <a:ext uri="{28A0092B-C50C-407E-A947-70E740481C1C}">
-                <a14:useLocalDpi xmlns:a14="http://schemas.microsoft.com/office/drawing/2010/main" val="0"/>
-              </a:ext>
-            </a:extLst>
-          </a:blip>
-          <a:srcRect/>
-          <a:stretch>
-            <a:fillRect/>
-          </a:stretch>
-        </p:blipFill>
-        <p:spPr bwMode="auto">
-          <a:xfrm>
-            <a:off x="2987512" y="849552"/>
-            <a:ext cx="386883" cy="594429"/>
-          </a:xfrm>
-          <a:prstGeom prst="rect">
-            <a:avLst/>
-          </a:prstGeom>
-          <a:noFill/>
-          <a:extLst>
-            <a:ext uri="{909E8E84-426E-40DD-AFC4-6F175D3DCCD1}">
-              <a14:hiddenFill xmlns:a14="http://schemas.microsoft.com/office/drawing/2010/main">
-                <a:solidFill>
-                  <a:srgbClr val="FFFFFF"/>
-                </a:solidFill>
-              </a14:hiddenFill>
-            </a:ext>
-          </a:extLst>
-        </p:spPr>
-      </p:pic>
-      <p:sp>
-        <p:nvSpPr>
-          <p:cNvPr id="143" name="TextBox 142">
-            <a:extLst>
-              <a:ext uri="{FF2B5EF4-FFF2-40B4-BE49-F238E27FC236}">
-                <a16:creationId xmlns:a16="http://schemas.microsoft.com/office/drawing/2014/main" id="{A9D28CA4-F33E-4BFA-B0EE-9C97C6191D79}"/>
-              </a:ext>
-            </a:extLst>
-          </p:cNvPr>
-          <p:cNvSpPr txBox="1"/>
-          <p:nvPr/>
-        </p:nvSpPr>
-        <p:spPr>
-          <a:xfrm>
-            <a:off x="2063736" y="823600"/>
-            <a:ext cx="948822" cy="646331"/>
-          </a:xfrm>
-          <a:prstGeom prst="rect">
-            <a:avLst/>
-          </a:prstGeom>
-          <a:noFill/>
-        </p:spPr>
-        <p:txBody>
-          <a:bodyPr wrap="square" rtlCol="0">
-            <a:spAutoFit/>
-          </a:bodyPr>
-          <a:lstStyle/>
-          <a:p>
-            <a:pPr algn="ctr"/>
-            <a:r>
-              <a:rPr lang="he-IL" dirty="0"/>
-              <a:t>מנהלת הרשת</a:t>
-            </a:r>
-          </a:p>
-        </p:txBody>
-      </p:sp>
-      <p:sp>
-        <p:nvSpPr>
-          <p:cNvPr id="30" name="Rectangle: Rounded Corners 10">
-            <a:extLst>
-              <a:ext uri="{FF2B5EF4-FFF2-40B4-BE49-F238E27FC236}">
-                <a16:creationId xmlns:a16="http://schemas.microsoft.com/office/drawing/2014/main" id="{8C70D5C4-C758-4745-82CE-F14FAA855747}"/>
-              </a:ext>
-            </a:extLst>
-          </p:cNvPr>
-          <p:cNvSpPr/>
-          <p:nvPr/>
-        </p:nvSpPr>
-        <p:spPr>
-          <a:xfrm>
-            <a:off x="6007389" y="3174403"/>
-            <a:ext cx="1212219" cy="737438"/>
-          </a:xfrm>
-          <a:prstGeom prst="roundRect">
-            <a:avLst/>
-          </a:prstGeom>
-          <a:noFill/>
-        </p:spPr>
-        <p:style>
-          <a:lnRef idx="2">
-            <a:schemeClr val="accent1">
-              <a:shade val="50000"/>
-            </a:schemeClr>
-          </a:lnRef>
-          <a:fillRef idx="1">
-            <a:schemeClr val="accent1"/>
-          </a:fillRef>
-          <a:effectRef idx="0">
-            <a:schemeClr val="accent1"/>
-          </a:effectRef>
-          <a:fontRef idx="minor">
-            <a:schemeClr val="lt1"/>
-          </a:fontRef>
-        </p:style>
-        <p:txBody>
-          <a:bodyPr rtlCol="0" anchor="ctr"/>
-          <a:lstStyle/>
-          <a:p>
-            <a:pPr marL="0" algn="ctr" defTabSz="914400" rtl="1" eaLnBrk="1" latinLnBrk="0" hangingPunct="1"/>
-            <a:r>
-              <a:rPr lang="he-IL" dirty="0">
-                <a:solidFill>
-                  <a:schemeClr val="tx1"/>
-                </a:solidFill>
-              </a:rPr>
-              <a:t>שירות לקוחות</a:t>
-            </a:r>
-          </a:p>
-        </p:txBody>
-      </p:sp>
-      <p:cxnSp>
-        <p:nvCxnSpPr>
-          <p:cNvPr id="31" name="Straight Connector 30">
-            <a:extLst>
-              <a:ext uri="{FF2B5EF4-FFF2-40B4-BE49-F238E27FC236}">
-                <a16:creationId xmlns:a16="http://schemas.microsoft.com/office/drawing/2014/main" id="{309A0B13-D9D5-5242-B3CB-ECE442C196D9}"/>
-              </a:ext>
-            </a:extLst>
-          </p:cNvPr>
-          <p:cNvCxnSpPr>
-            <a:cxnSpLocks/>
-            <a:stCxn id="10" idx="3"/>
-            <a:endCxn id="30" idx="1"/>
-          </p:cNvCxnSpPr>
-          <p:nvPr/>
-        </p:nvCxnSpPr>
-        <p:spPr>
-          <a:xfrm flipV="1">
-            <a:off x="4838911" y="3543122"/>
-            <a:ext cx="1168478" cy="6511"/>
-          </a:xfrm>
-          <a:prstGeom prst="line">
-            <a:avLst/>
-          </a:prstGeom>
-        </p:spPr>
-        <p:style>
-          <a:lnRef idx="1">
-            <a:schemeClr val="accent1"/>
-          </a:lnRef>
-          <a:fillRef idx="0">
-            <a:schemeClr val="accent1"/>
-          </a:fillRef>
-          <a:effectRef idx="0">
-            <a:schemeClr val="accent1"/>
-          </a:effectRef>
-          <a:fontRef idx="minor">
-            <a:schemeClr val="tx1"/>
-          </a:fontRef>
-        </p:style>
-      </p:cxnSp>
-      <p:cxnSp>
-        <p:nvCxnSpPr>
-          <p:cNvPr id="43" name="Straight Connector 42">
-            <a:extLst>
-              <a:ext uri="{FF2B5EF4-FFF2-40B4-BE49-F238E27FC236}">
-                <a16:creationId xmlns:a16="http://schemas.microsoft.com/office/drawing/2014/main" id="{271567DC-4939-A647-906B-81A05DC30658}"/>
-              </a:ext>
-            </a:extLst>
-          </p:cNvPr>
-          <p:cNvCxnSpPr>
-            <a:cxnSpLocks/>
-            <a:stCxn id="30" idx="2"/>
-            <a:endCxn id="125" idx="3"/>
-          </p:cNvCxnSpPr>
-          <p:nvPr/>
-        </p:nvCxnSpPr>
-        <p:spPr>
-          <a:xfrm rot="5400000">
-            <a:off x="6051361" y="4067917"/>
-            <a:ext cx="718215" cy="406063"/>
-          </a:xfrm>
-          <a:prstGeom prst="curvedConnector2">
-            <a:avLst/>
-          </a:prstGeom>
-        </p:spPr>
-        <p:style>
-          <a:lnRef idx="1">
-            <a:schemeClr val="accent1"/>
-          </a:lnRef>
-          <a:fillRef idx="0">
-            <a:schemeClr val="accent1"/>
-          </a:fillRef>
-          <a:effectRef idx="0">
-            <a:schemeClr val="accent1"/>
-          </a:effectRef>
-          <a:fontRef idx="minor">
-            <a:schemeClr val="tx1"/>
-          </a:fontRef>
-        </p:style>
-      </p:cxnSp>
-      <p:cxnSp>
-        <p:nvCxnSpPr>
-          <p:cNvPr id="53" name="Straight Connector 81">
-            <a:extLst>
-              <a:ext uri="{FF2B5EF4-FFF2-40B4-BE49-F238E27FC236}">
-                <a16:creationId xmlns:a16="http://schemas.microsoft.com/office/drawing/2014/main" id="{DAD90BA2-060E-1B4D-A150-1F31D36F62D2}"/>
-              </a:ext>
-            </a:extLst>
-          </p:cNvPr>
-          <p:cNvCxnSpPr>
-            <a:cxnSpLocks/>
-            <a:stCxn id="30" idx="3"/>
-            <a:endCxn id="11" idx="1"/>
-          </p:cNvCxnSpPr>
-          <p:nvPr/>
-        </p:nvCxnSpPr>
-        <p:spPr>
-          <a:xfrm>
-            <a:off x="7219608" y="3543122"/>
-            <a:ext cx="410881" cy="1140237"/>
-          </a:xfrm>
-          <a:prstGeom prst="curvedConnector3">
-            <a:avLst>
-              <a:gd name="adj1" fmla="val 50000"/>
-            </a:avLst>
-          </a:prstGeom>
-        </p:spPr>
-        <p:style>
-          <a:lnRef idx="1">
-            <a:schemeClr val="accent1"/>
-          </a:lnRef>
-          <a:fillRef idx="0">
-            <a:schemeClr val="accent1"/>
-          </a:fillRef>
-          <a:effectRef idx="0">
-            <a:schemeClr val="accent1"/>
-          </a:effectRef>
-          <a:fontRef idx="minor">
-            <a:schemeClr val="tx1"/>
-          </a:fontRef>
-        </p:style>
-      </p:cxnSp>
-    </p:spTree>
-    <p:extLst>
-      <p:ext uri="{BB962C8B-B14F-4D97-AF65-F5344CB8AC3E}">
-        <p14:creationId xmlns:p14="http://schemas.microsoft.com/office/powerpoint/2010/main" val="2092963246"/>
-      </p:ext>
-    </p:extLst>
-  </p:cSld>
-  <p:clrMapOvr>
-    <a:masterClrMapping/>
-  </p:clrMapOvr>
-</p:sld>
-</file>
-
-<file path=ppt/slides/slide2.xml><?xml version="1.0" encoding="utf-8"?>
-<p:sld xmlns:a="http://schemas.openxmlformats.org/drawingml/2006/main" xmlns:r="http://schemas.openxmlformats.org/officeDocument/2006/relationships" xmlns:p="http://schemas.openxmlformats.org/presentationml/2006/main">
-  <p:cSld>
-    <p:spTree>
-      <p:nvGrpSpPr>
-        <p:cNvPr id="1" name=""/>
-        <p:cNvGrpSpPr/>
-        <p:nvPr/>
-      </p:nvGrpSpPr>
-      <p:grpSpPr>
-        <a:xfrm>
-          <a:off x="0" y="0"/>
-          <a:ext cx="0" cy="0"/>
-          <a:chOff x="0" y="0"/>
-          <a:chExt cx="0" cy="0"/>
-        </a:xfrm>
-      </p:grpSpPr>
+            <a:endParaRPr lang="en-US"/>
+          </a:p>
+        </p:txBody>
+      </p:sp>
       <p:grpSp>
         <p:nvGrpSpPr>
-          <p:cNvPr id="18" name="Group 17">
-            <a:extLst>
-              <a:ext uri="{FF2B5EF4-FFF2-40B4-BE49-F238E27FC236}">
-                <a16:creationId xmlns:a16="http://schemas.microsoft.com/office/drawing/2014/main" id="{DAD24C13-C526-49A0-A9AF-7CDD3FD98AEB}"/>
+          <p:cNvPr id="13" name="Group 12">
+            <a:extLst>
+              <a:ext uri="{FF2B5EF4-FFF2-40B4-BE49-F238E27FC236}">
+                <a16:creationId xmlns:a16="http://schemas.microsoft.com/office/drawing/2014/main" id="{09C280B3-D823-4047-B863-BC37CA82E582}"/>
               </a:ext>
             </a:extLst>
           </p:cNvPr>
@@ -4771,1749 +3391,7 @@
         </p:nvGrpSpPr>
         <p:grpSpPr>
           <a:xfrm>
-            <a:off x="394788" y="2089313"/>
-            <a:ext cx="844222" cy="1875451"/>
-            <a:chOff x="1763484" y="989045"/>
-            <a:chExt cx="1474239" cy="3275045"/>
-          </a:xfrm>
-        </p:grpSpPr>
-        <p:sp>
-          <p:nvSpPr>
-            <p:cNvPr id="4" name="Oval 3">
-              <a:extLst>
-                <a:ext uri="{FF2B5EF4-FFF2-40B4-BE49-F238E27FC236}">
-                  <a16:creationId xmlns:a16="http://schemas.microsoft.com/office/drawing/2014/main" id="{31ECE892-9C56-4934-9CD1-4B9E50949F7B}"/>
-                </a:ext>
-              </a:extLst>
-            </p:cNvPr>
-            <p:cNvSpPr/>
-            <p:nvPr/>
-          </p:nvSpPr>
-          <p:spPr>
-            <a:xfrm>
-              <a:off x="2034074" y="989045"/>
-              <a:ext cx="933061" cy="933061"/>
-            </a:xfrm>
-            <a:prstGeom prst="ellipse">
-              <a:avLst/>
-            </a:prstGeom>
-            <a:noFill/>
-            <a:ln w="19050"/>
-          </p:spPr>
-          <p:style>
-            <a:lnRef idx="2">
-              <a:schemeClr val="accent1">
-                <a:shade val="50000"/>
-              </a:schemeClr>
-            </a:lnRef>
-            <a:fillRef idx="1">
-              <a:schemeClr val="accent1"/>
-            </a:fillRef>
-            <a:effectRef idx="0">
-              <a:schemeClr val="accent1"/>
-            </a:effectRef>
-            <a:fontRef idx="minor">
-              <a:schemeClr val="lt1"/>
-            </a:fontRef>
-          </p:style>
-          <p:txBody>
-            <a:bodyPr rtlCol="0" anchor="ctr"/>
-            <a:lstStyle/>
-            <a:p>
-              <a:pPr algn="ctr"/>
-              <a:endParaRPr lang="en-US">
-                <a:solidFill>
-                  <a:schemeClr val="tx1"/>
-                </a:solidFill>
-              </a:endParaRPr>
-            </a:p>
-          </p:txBody>
-        </p:sp>
-        <p:cxnSp>
-          <p:nvCxnSpPr>
-            <p:cNvPr id="6" name="Straight Connector 5">
-              <a:extLst>
-                <a:ext uri="{FF2B5EF4-FFF2-40B4-BE49-F238E27FC236}">
-                  <a16:creationId xmlns:a16="http://schemas.microsoft.com/office/drawing/2014/main" id="{B8EC415C-4309-4E51-9FA2-454B943C0B4D}"/>
-                </a:ext>
-              </a:extLst>
-            </p:cNvPr>
-            <p:cNvCxnSpPr>
-              <a:cxnSpLocks/>
-              <a:stCxn id="4" idx="4"/>
-            </p:cNvCxnSpPr>
-            <p:nvPr/>
-          </p:nvCxnSpPr>
-          <p:spPr>
-            <a:xfrm>
-              <a:off x="2500605" y="1922106"/>
-              <a:ext cx="0" cy="1306286"/>
-            </a:xfrm>
-            <a:prstGeom prst="line">
-              <a:avLst/>
-            </a:prstGeom>
-            <a:ln w="19050"/>
-          </p:spPr>
-          <p:style>
-            <a:lnRef idx="1">
-              <a:schemeClr val="accent1"/>
-            </a:lnRef>
-            <a:fillRef idx="0">
-              <a:schemeClr val="accent1"/>
-            </a:fillRef>
-            <a:effectRef idx="0">
-              <a:schemeClr val="accent1"/>
-            </a:effectRef>
-            <a:fontRef idx="minor">
-              <a:schemeClr val="tx1"/>
-            </a:fontRef>
-          </p:style>
-        </p:cxnSp>
-        <p:cxnSp>
-          <p:nvCxnSpPr>
-            <p:cNvPr id="10" name="Straight Connector 9">
-              <a:extLst>
-                <a:ext uri="{FF2B5EF4-FFF2-40B4-BE49-F238E27FC236}">
-                  <a16:creationId xmlns:a16="http://schemas.microsoft.com/office/drawing/2014/main" id="{3544F51D-351A-4E16-8D4B-5F12569551E9}"/>
-                </a:ext>
-              </a:extLst>
-            </p:cNvPr>
-            <p:cNvCxnSpPr>
-              <a:cxnSpLocks/>
-            </p:cNvCxnSpPr>
-            <p:nvPr/>
-          </p:nvCxnSpPr>
-          <p:spPr>
-            <a:xfrm flipH="1">
-              <a:off x="1763485" y="3228392"/>
-              <a:ext cx="737118" cy="1035698"/>
-            </a:xfrm>
-            <a:prstGeom prst="line">
-              <a:avLst/>
-            </a:prstGeom>
-            <a:ln w="19050"/>
-          </p:spPr>
-          <p:style>
-            <a:lnRef idx="1">
-              <a:schemeClr val="accent1"/>
-            </a:lnRef>
-            <a:fillRef idx="0">
-              <a:schemeClr val="accent1"/>
-            </a:fillRef>
-            <a:effectRef idx="0">
-              <a:schemeClr val="accent1"/>
-            </a:effectRef>
-            <a:fontRef idx="minor">
-              <a:schemeClr val="tx1"/>
-            </a:fontRef>
-          </p:style>
-        </p:cxnSp>
-        <p:cxnSp>
-          <p:nvCxnSpPr>
-            <p:cNvPr id="12" name="Straight Connector 11">
-              <a:extLst>
-                <a:ext uri="{FF2B5EF4-FFF2-40B4-BE49-F238E27FC236}">
-                  <a16:creationId xmlns:a16="http://schemas.microsoft.com/office/drawing/2014/main" id="{89CC822C-6FE2-4B57-ADEC-7FEF3A349084}"/>
-                </a:ext>
-              </a:extLst>
-            </p:cNvPr>
-            <p:cNvCxnSpPr>
-              <a:cxnSpLocks/>
-            </p:cNvCxnSpPr>
-            <p:nvPr/>
-          </p:nvCxnSpPr>
-          <p:spPr>
-            <a:xfrm>
-              <a:off x="2500603" y="3228392"/>
-              <a:ext cx="737120" cy="1035698"/>
-            </a:xfrm>
-            <a:prstGeom prst="line">
-              <a:avLst/>
-            </a:prstGeom>
-            <a:ln w="19050"/>
-          </p:spPr>
-          <p:style>
-            <a:lnRef idx="1">
-              <a:schemeClr val="accent1"/>
-            </a:lnRef>
-            <a:fillRef idx="0">
-              <a:schemeClr val="accent1"/>
-            </a:fillRef>
-            <a:effectRef idx="0">
-              <a:schemeClr val="accent1"/>
-            </a:effectRef>
-            <a:fontRef idx="minor">
-              <a:schemeClr val="tx1"/>
-            </a:fontRef>
-          </p:style>
-        </p:cxnSp>
-        <p:cxnSp>
-          <p:nvCxnSpPr>
-            <p:cNvPr id="14" name="Straight Connector 13">
-              <a:extLst>
-                <a:ext uri="{FF2B5EF4-FFF2-40B4-BE49-F238E27FC236}">
-                  <a16:creationId xmlns:a16="http://schemas.microsoft.com/office/drawing/2014/main" id="{C3AC21BA-0C0B-4B82-8982-ABBFC34B01D8}"/>
-                </a:ext>
-              </a:extLst>
-            </p:cNvPr>
-            <p:cNvCxnSpPr>
-              <a:cxnSpLocks/>
-            </p:cNvCxnSpPr>
-            <p:nvPr/>
-          </p:nvCxnSpPr>
-          <p:spPr>
-            <a:xfrm>
-              <a:off x="1763484" y="2416623"/>
-              <a:ext cx="1474239" cy="0"/>
-            </a:xfrm>
-            <a:prstGeom prst="line">
-              <a:avLst/>
-            </a:prstGeom>
-            <a:ln w="19050"/>
-          </p:spPr>
-          <p:style>
-            <a:lnRef idx="1">
-              <a:schemeClr val="accent1"/>
-            </a:lnRef>
-            <a:fillRef idx="0">
-              <a:schemeClr val="accent1"/>
-            </a:fillRef>
-            <a:effectRef idx="0">
-              <a:schemeClr val="accent1"/>
-            </a:effectRef>
-            <a:fontRef idx="minor">
-              <a:schemeClr val="tx1"/>
-            </a:fontRef>
-          </p:style>
-        </p:cxnSp>
-      </p:grpSp>
-      <p:sp>
-        <p:nvSpPr>
-          <p:cNvPr id="22" name="TextBox 21">
-            <a:extLst>
-              <a:ext uri="{FF2B5EF4-FFF2-40B4-BE49-F238E27FC236}">
-                <a16:creationId xmlns:a16="http://schemas.microsoft.com/office/drawing/2014/main" id="{61813AE3-9D2D-4C3A-9FF8-322AB916B0FF}"/>
-              </a:ext>
-            </a:extLst>
-          </p:cNvPr>
-          <p:cNvSpPr txBox="1"/>
-          <p:nvPr/>
-        </p:nvSpPr>
-        <p:spPr>
-          <a:xfrm>
-            <a:off x="73899" y="4162926"/>
-            <a:ext cx="1486000" cy="369332"/>
-          </a:xfrm>
-          <a:prstGeom prst="rect">
-            <a:avLst/>
-          </a:prstGeom>
-          <a:noFill/>
-        </p:spPr>
-        <p:txBody>
-          <a:bodyPr wrap="square" rtlCol="0">
-            <a:spAutoFit/>
-          </a:bodyPr>
-          <a:lstStyle/>
-          <a:p>
-            <a:r>
-              <a:rPr lang="en-US" dirty="0"/>
-              <a:t>Administrator</a:t>
-            </a:r>
-          </a:p>
-        </p:txBody>
-      </p:sp>
-      <p:sp>
-        <p:nvSpPr>
-          <p:cNvPr id="23" name="Oval 22">
-            <a:extLst>
-              <a:ext uri="{FF2B5EF4-FFF2-40B4-BE49-F238E27FC236}">
-                <a16:creationId xmlns:a16="http://schemas.microsoft.com/office/drawing/2014/main" id="{3D6ACE74-3008-461A-B55E-D91549ADDBFA}"/>
-              </a:ext>
-            </a:extLst>
-          </p:cNvPr>
-          <p:cNvSpPr/>
-          <p:nvPr/>
-        </p:nvSpPr>
-        <p:spPr>
-          <a:xfrm>
-            <a:off x="2976155" y="223863"/>
-            <a:ext cx="2464525" cy="826234"/>
-          </a:xfrm>
-          <a:prstGeom prst="ellipse">
-            <a:avLst/>
-          </a:prstGeom>
-          <a:noFill/>
-          <a:ln w="19050"/>
-        </p:spPr>
-        <p:style>
-          <a:lnRef idx="2">
-            <a:schemeClr val="accent1">
-              <a:shade val="50000"/>
-            </a:schemeClr>
-          </a:lnRef>
-          <a:fillRef idx="1">
-            <a:schemeClr val="accent1"/>
-          </a:fillRef>
-          <a:effectRef idx="0">
-            <a:schemeClr val="accent1"/>
-          </a:effectRef>
-          <a:fontRef idx="minor">
-            <a:schemeClr val="lt1"/>
-          </a:fontRef>
-        </p:style>
-        <p:txBody>
-          <a:bodyPr rtlCol="0" anchor="ctr"/>
-          <a:lstStyle/>
-          <a:p>
-            <a:pPr algn="ctr"/>
-            <a:r>
-              <a:rPr lang="he-IL" sz="1600" dirty="0">
-                <a:solidFill>
-                  <a:schemeClr val="tx1"/>
-                </a:solidFill>
-              </a:rPr>
-              <a:t>הרשמה כמשתמשי מערכת</a:t>
-            </a:r>
-            <a:endParaRPr lang="en-US" sz="1600" dirty="0">
-              <a:solidFill>
-                <a:schemeClr val="tx1"/>
-              </a:solidFill>
-            </a:endParaRPr>
-          </a:p>
-        </p:txBody>
-      </p:sp>
-      <p:sp>
-        <p:nvSpPr>
-          <p:cNvPr id="24" name="Oval 23">
-            <a:extLst>
-              <a:ext uri="{FF2B5EF4-FFF2-40B4-BE49-F238E27FC236}">
-                <a16:creationId xmlns:a16="http://schemas.microsoft.com/office/drawing/2014/main" id="{5EFCBAD1-92BD-4614-B29A-7986098407B9}"/>
-              </a:ext>
-            </a:extLst>
-          </p:cNvPr>
-          <p:cNvSpPr/>
-          <p:nvPr/>
-        </p:nvSpPr>
-        <p:spPr>
-          <a:xfrm>
-            <a:off x="2976155" y="1156588"/>
-            <a:ext cx="2464525" cy="826234"/>
-          </a:xfrm>
-          <a:prstGeom prst="ellipse">
-            <a:avLst/>
-          </a:prstGeom>
-          <a:noFill/>
-          <a:ln w="19050"/>
-        </p:spPr>
-        <p:style>
-          <a:lnRef idx="2">
-            <a:schemeClr val="accent1">
-              <a:shade val="50000"/>
-            </a:schemeClr>
-          </a:lnRef>
-          <a:fillRef idx="1">
-            <a:schemeClr val="accent1"/>
-          </a:fillRef>
-          <a:effectRef idx="0">
-            <a:schemeClr val="accent1"/>
-          </a:effectRef>
-          <a:fontRef idx="minor">
-            <a:schemeClr val="lt1"/>
-          </a:fontRef>
-        </p:style>
-        <p:txBody>
-          <a:bodyPr rtlCol="0" anchor="ctr"/>
-          <a:lstStyle/>
-          <a:p>
-            <a:pPr algn="ctr"/>
-            <a:r>
-              <a:rPr lang="he-IL" sz="1600" dirty="0">
-                <a:solidFill>
-                  <a:schemeClr val="tx1"/>
-                </a:solidFill>
-              </a:rPr>
-              <a:t>קביעת תעריפים ועדכונם במערכת</a:t>
-            </a:r>
-            <a:endParaRPr lang="en-US" sz="1600" dirty="0">
-              <a:solidFill>
-                <a:schemeClr val="tx1"/>
-              </a:solidFill>
-            </a:endParaRPr>
-          </a:p>
-        </p:txBody>
-      </p:sp>
-      <p:sp>
-        <p:nvSpPr>
-          <p:cNvPr id="25" name="Oval 24">
-            <a:extLst>
-              <a:ext uri="{FF2B5EF4-FFF2-40B4-BE49-F238E27FC236}">
-                <a16:creationId xmlns:a16="http://schemas.microsoft.com/office/drawing/2014/main" id="{10B17985-D386-4420-A7BA-E2ADEF84064E}"/>
-              </a:ext>
-            </a:extLst>
-          </p:cNvPr>
-          <p:cNvSpPr/>
-          <p:nvPr/>
-        </p:nvSpPr>
-        <p:spPr>
-          <a:xfrm>
-            <a:off x="2976156" y="2089313"/>
-            <a:ext cx="2464525" cy="826234"/>
-          </a:xfrm>
-          <a:prstGeom prst="ellipse">
-            <a:avLst/>
-          </a:prstGeom>
-          <a:noFill/>
-          <a:ln w="19050"/>
-        </p:spPr>
-        <p:style>
-          <a:lnRef idx="2">
-            <a:schemeClr val="accent1">
-              <a:shade val="50000"/>
-            </a:schemeClr>
-          </a:lnRef>
-          <a:fillRef idx="1">
-            <a:schemeClr val="accent1"/>
-          </a:fillRef>
-          <a:effectRef idx="0">
-            <a:schemeClr val="accent1"/>
-          </a:effectRef>
-          <a:fontRef idx="minor">
-            <a:schemeClr val="lt1"/>
-          </a:fontRef>
-        </p:style>
-        <p:txBody>
-          <a:bodyPr rtlCol="0" anchor="ctr"/>
-          <a:lstStyle/>
-          <a:p>
-            <a:pPr algn="ctr"/>
-            <a:r>
-              <a:rPr lang="he-IL" sz="1600" dirty="0">
-                <a:solidFill>
-                  <a:schemeClr val="tx1"/>
-                </a:solidFill>
-              </a:rPr>
-              <a:t>הנפקת דו"ח תמונת מצב</a:t>
-            </a:r>
-            <a:endParaRPr lang="en-US" sz="1600" dirty="0">
-              <a:solidFill>
-                <a:schemeClr val="tx1"/>
-              </a:solidFill>
-            </a:endParaRPr>
-          </a:p>
-        </p:txBody>
-      </p:sp>
-      <p:sp>
-        <p:nvSpPr>
-          <p:cNvPr id="26" name="Oval 25">
-            <a:extLst>
-              <a:ext uri="{FF2B5EF4-FFF2-40B4-BE49-F238E27FC236}">
-                <a16:creationId xmlns:a16="http://schemas.microsoft.com/office/drawing/2014/main" id="{F12C4930-4AE8-4EDB-9529-3DA193C5D3F1}"/>
-              </a:ext>
-            </a:extLst>
-          </p:cNvPr>
-          <p:cNvSpPr/>
-          <p:nvPr/>
-        </p:nvSpPr>
-        <p:spPr>
-          <a:xfrm>
-            <a:off x="2976155" y="3022038"/>
-            <a:ext cx="2464525" cy="826234"/>
-          </a:xfrm>
-          <a:prstGeom prst="ellipse">
-            <a:avLst/>
-          </a:prstGeom>
-          <a:noFill/>
-          <a:ln w="19050"/>
-        </p:spPr>
-        <p:style>
-          <a:lnRef idx="2">
-            <a:schemeClr val="accent1">
-              <a:shade val="50000"/>
-            </a:schemeClr>
-          </a:lnRef>
-          <a:fillRef idx="1">
-            <a:schemeClr val="accent1"/>
-          </a:fillRef>
-          <a:effectRef idx="0">
-            <a:schemeClr val="accent1"/>
-          </a:effectRef>
-          <a:fontRef idx="minor">
-            <a:schemeClr val="lt1"/>
-          </a:fontRef>
-        </p:style>
-        <p:txBody>
-          <a:bodyPr rot="0" spcFirstLastPara="0" vertOverflow="overflow" horzOverflow="overflow" vert="horz" wrap="square" lIns="91440" tIns="45720" rIns="91440" bIns="45720" numCol="1" spcCol="0" rtlCol="0" fromWordArt="0" anchor="ctr" anchorCtr="0" forceAA="0" compatLnSpc="1">
-            <a:prstTxWarp prst="textNoShape">
-              <a:avLst/>
-            </a:prstTxWarp>
-            <a:noAutofit/>
-          </a:bodyPr>
-          <a:lstStyle/>
-          <a:p>
-            <a:pPr algn="ctr"/>
-            <a:r>
-              <a:rPr lang="he-IL" sz="1600" dirty="0">
-                <a:solidFill>
-                  <a:schemeClr val="tx1"/>
-                </a:solidFill>
-              </a:rPr>
-              <a:t>רישום מתקנים/מקומות חניה מושבתים</a:t>
-            </a:r>
-            <a:endParaRPr lang="en-US" sz="1600" dirty="0">
-              <a:solidFill>
-                <a:schemeClr val="tx1"/>
-              </a:solidFill>
-            </a:endParaRPr>
-          </a:p>
-        </p:txBody>
-      </p:sp>
-      <p:sp>
-        <p:nvSpPr>
-          <p:cNvPr id="30" name="Oval 29">
-            <a:extLst>
-              <a:ext uri="{FF2B5EF4-FFF2-40B4-BE49-F238E27FC236}">
-                <a16:creationId xmlns:a16="http://schemas.microsoft.com/office/drawing/2014/main" id="{8378904E-0C52-4FBB-B5EB-72D6947AC76D}"/>
-              </a:ext>
-            </a:extLst>
-          </p:cNvPr>
-          <p:cNvSpPr/>
-          <p:nvPr/>
-        </p:nvSpPr>
-        <p:spPr>
-          <a:xfrm>
-            <a:off x="2976155" y="3954763"/>
-            <a:ext cx="2464525" cy="826234"/>
-          </a:xfrm>
-          <a:prstGeom prst="ellipse">
-            <a:avLst/>
-          </a:prstGeom>
-          <a:noFill/>
-          <a:ln w="19050"/>
-        </p:spPr>
-        <p:style>
-          <a:lnRef idx="2">
-            <a:schemeClr val="accent1">
-              <a:shade val="50000"/>
-            </a:schemeClr>
-          </a:lnRef>
-          <a:fillRef idx="1">
-            <a:schemeClr val="accent1"/>
-          </a:fillRef>
-          <a:effectRef idx="0">
-            <a:schemeClr val="accent1"/>
-          </a:effectRef>
-          <a:fontRef idx="minor">
-            <a:schemeClr val="lt1"/>
-          </a:fontRef>
-        </p:style>
-        <p:txBody>
-          <a:bodyPr rtlCol="0" anchor="ctr"/>
-          <a:lstStyle/>
-          <a:p>
-            <a:pPr algn="ctr"/>
-            <a:r>
-              <a:rPr lang="he-IL" sz="1600" dirty="0">
-                <a:solidFill>
-                  <a:schemeClr val="tx1"/>
-                </a:solidFill>
-              </a:rPr>
-              <a:t>הפניה לחניון אלטרנטיבי</a:t>
-            </a:r>
-            <a:endParaRPr lang="en-US" sz="1600" dirty="0">
-              <a:solidFill>
-                <a:schemeClr val="tx1"/>
-              </a:solidFill>
-            </a:endParaRPr>
-          </a:p>
-        </p:txBody>
-      </p:sp>
-      <p:sp>
-        <p:nvSpPr>
-          <p:cNvPr id="31" name="Oval 30">
-            <a:extLst>
-              <a:ext uri="{FF2B5EF4-FFF2-40B4-BE49-F238E27FC236}">
-                <a16:creationId xmlns:a16="http://schemas.microsoft.com/office/drawing/2014/main" id="{2277AF84-69E5-469F-B6F2-73B76FA3B5AB}"/>
-              </a:ext>
-            </a:extLst>
-          </p:cNvPr>
-          <p:cNvSpPr/>
-          <p:nvPr/>
-        </p:nvSpPr>
-        <p:spPr>
-          <a:xfrm>
-            <a:off x="2976156" y="4887488"/>
-            <a:ext cx="2464525" cy="826234"/>
-          </a:xfrm>
-          <a:prstGeom prst="ellipse">
-            <a:avLst/>
-          </a:prstGeom>
-          <a:noFill/>
-          <a:ln w="19050"/>
-        </p:spPr>
-        <p:style>
-          <a:lnRef idx="2">
-            <a:schemeClr val="accent1">
-              <a:shade val="50000"/>
-            </a:schemeClr>
-          </a:lnRef>
-          <a:fillRef idx="1">
-            <a:schemeClr val="accent1"/>
-          </a:fillRef>
-          <a:effectRef idx="0">
-            <a:schemeClr val="accent1"/>
-          </a:effectRef>
-          <a:fontRef idx="minor">
-            <a:schemeClr val="lt1"/>
-          </a:fontRef>
-        </p:style>
-        <p:txBody>
-          <a:bodyPr rtlCol="0" anchor="ctr"/>
-          <a:lstStyle/>
-          <a:p>
-            <a:pPr algn="ctr"/>
-            <a:r>
-              <a:rPr lang="he-IL" sz="1600" dirty="0">
-                <a:solidFill>
-                  <a:schemeClr val="tx1"/>
-                </a:solidFill>
-              </a:rPr>
-              <a:t>אתחול המערכת</a:t>
-            </a:r>
-            <a:endParaRPr lang="en-US" sz="1600" dirty="0">
-              <a:solidFill>
-                <a:schemeClr val="tx1"/>
-              </a:solidFill>
-            </a:endParaRPr>
-          </a:p>
-        </p:txBody>
-      </p:sp>
-      <p:sp>
-        <p:nvSpPr>
-          <p:cNvPr id="32" name="Oval 31">
-            <a:extLst>
-              <a:ext uri="{FF2B5EF4-FFF2-40B4-BE49-F238E27FC236}">
-                <a16:creationId xmlns:a16="http://schemas.microsoft.com/office/drawing/2014/main" id="{C79244D2-C66F-477F-9F6A-27D04051C2F4}"/>
-              </a:ext>
-            </a:extLst>
-          </p:cNvPr>
-          <p:cNvSpPr/>
-          <p:nvPr/>
-        </p:nvSpPr>
-        <p:spPr>
-          <a:xfrm>
-            <a:off x="2976155" y="5820213"/>
-            <a:ext cx="2464525" cy="826234"/>
-          </a:xfrm>
-          <a:prstGeom prst="ellipse">
-            <a:avLst/>
-          </a:prstGeom>
-          <a:noFill/>
-          <a:ln w="19050"/>
-        </p:spPr>
-        <p:style>
-          <a:lnRef idx="2">
-            <a:schemeClr val="accent1">
-              <a:shade val="50000"/>
-            </a:schemeClr>
-          </a:lnRef>
-          <a:fillRef idx="1">
-            <a:schemeClr val="accent1"/>
-          </a:fillRef>
-          <a:effectRef idx="0">
-            <a:schemeClr val="accent1"/>
-          </a:effectRef>
-          <a:fontRef idx="minor">
-            <a:schemeClr val="lt1"/>
-          </a:fontRef>
-        </p:style>
-        <p:txBody>
-          <a:bodyPr rtlCol="0" anchor="ctr"/>
-          <a:lstStyle/>
-          <a:p>
-            <a:pPr algn="ctr"/>
-            <a:r>
-              <a:rPr lang="he-IL" sz="1600" dirty="0">
-                <a:solidFill>
-                  <a:schemeClr val="tx1"/>
-                </a:solidFill>
-              </a:rPr>
-              <a:t>שמירת מקומות חניה</a:t>
-            </a:r>
-            <a:endParaRPr lang="en-US" sz="1600" dirty="0">
-              <a:solidFill>
-                <a:schemeClr val="tx1"/>
-              </a:solidFill>
-            </a:endParaRPr>
-          </a:p>
-        </p:txBody>
-      </p:sp>
-      <p:grpSp>
-        <p:nvGrpSpPr>
-          <p:cNvPr id="33" name="Group 32">
-            <a:extLst>
-              <a:ext uri="{FF2B5EF4-FFF2-40B4-BE49-F238E27FC236}">
-                <a16:creationId xmlns:a16="http://schemas.microsoft.com/office/drawing/2014/main" id="{4CD04697-FB7C-4877-BBF7-5021E18A663E}"/>
-              </a:ext>
-            </a:extLst>
-          </p:cNvPr>
-          <p:cNvGrpSpPr/>
-          <p:nvPr/>
-        </p:nvGrpSpPr>
-        <p:grpSpPr>
-          <a:xfrm>
-            <a:off x="11032308" y="2089313"/>
-            <a:ext cx="844222" cy="1875451"/>
-            <a:chOff x="1763484" y="989045"/>
-            <a:chExt cx="1474239" cy="3275045"/>
-          </a:xfrm>
-        </p:grpSpPr>
-        <p:sp>
-          <p:nvSpPr>
-            <p:cNvPr id="34" name="Oval 33">
-              <a:extLst>
-                <a:ext uri="{FF2B5EF4-FFF2-40B4-BE49-F238E27FC236}">
-                  <a16:creationId xmlns:a16="http://schemas.microsoft.com/office/drawing/2014/main" id="{F211E7F4-4F22-41A7-ADAF-C82BDBC74575}"/>
-                </a:ext>
-              </a:extLst>
-            </p:cNvPr>
-            <p:cNvSpPr/>
-            <p:nvPr/>
-          </p:nvSpPr>
-          <p:spPr>
-            <a:xfrm>
-              <a:off x="2034074" y="989045"/>
-              <a:ext cx="933061" cy="933061"/>
-            </a:xfrm>
-            <a:prstGeom prst="ellipse">
-              <a:avLst/>
-            </a:prstGeom>
-            <a:noFill/>
-            <a:ln w="19050"/>
-          </p:spPr>
-          <p:style>
-            <a:lnRef idx="2">
-              <a:schemeClr val="accent1">
-                <a:shade val="50000"/>
-              </a:schemeClr>
-            </a:lnRef>
-            <a:fillRef idx="1">
-              <a:schemeClr val="accent1"/>
-            </a:fillRef>
-            <a:effectRef idx="0">
-              <a:schemeClr val="accent1"/>
-            </a:effectRef>
-            <a:fontRef idx="minor">
-              <a:schemeClr val="lt1"/>
-            </a:fontRef>
-          </p:style>
-          <p:txBody>
-            <a:bodyPr rtlCol="0" anchor="ctr"/>
-            <a:lstStyle/>
-            <a:p>
-              <a:pPr algn="ctr"/>
-              <a:endParaRPr lang="en-US">
-                <a:solidFill>
-                  <a:schemeClr val="tx1"/>
-                </a:solidFill>
-              </a:endParaRPr>
-            </a:p>
-          </p:txBody>
-        </p:sp>
-        <p:cxnSp>
-          <p:nvCxnSpPr>
-            <p:cNvPr id="35" name="Straight Connector 34">
-              <a:extLst>
-                <a:ext uri="{FF2B5EF4-FFF2-40B4-BE49-F238E27FC236}">
-                  <a16:creationId xmlns:a16="http://schemas.microsoft.com/office/drawing/2014/main" id="{047B8698-8265-4D52-9A8E-51F9172ED3EC}"/>
-                </a:ext>
-              </a:extLst>
-            </p:cNvPr>
-            <p:cNvCxnSpPr>
-              <a:cxnSpLocks/>
-              <a:stCxn id="34" idx="4"/>
-            </p:cNvCxnSpPr>
-            <p:nvPr/>
-          </p:nvCxnSpPr>
-          <p:spPr>
-            <a:xfrm>
-              <a:off x="2500605" y="1922106"/>
-              <a:ext cx="0" cy="1306286"/>
-            </a:xfrm>
-            <a:prstGeom prst="line">
-              <a:avLst/>
-            </a:prstGeom>
-            <a:ln w="19050"/>
-          </p:spPr>
-          <p:style>
-            <a:lnRef idx="1">
-              <a:schemeClr val="accent1"/>
-            </a:lnRef>
-            <a:fillRef idx="0">
-              <a:schemeClr val="accent1"/>
-            </a:fillRef>
-            <a:effectRef idx="0">
-              <a:schemeClr val="accent1"/>
-            </a:effectRef>
-            <a:fontRef idx="minor">
-              <a:schemeClr val="tx1"/>
-            </a:fontRef>
-          </p:style>
-        </p:cxnSp>
-        <p:cxnSp>
-          <p:nvCxnSpPr>
-            <p:cNvPr id="36" name="Straight Connector 35">
-              <a:extLst>
-                <a:ext uri="{FF2B5EF4-FFF2-40B4-BE49-F238E27FC236}">
-                  <a16:creationId xmlns:a16="http://schemas.microsoft.com/office/drawing/2014/main" id="{A924B83C-165F-432A-8ADB-3977884B6C94}"/>
-                </a:ext>
-              </a:extLst>
-            </p:cNvPr>
-            <p:cNvCxnSpPr>
-              <a:cxnSpLocks/>
-            </p:cNvCxnSpPr>
-            <p:nvPr/>
-          </p:nvCxnSpPr>
-          <p:spPr>
-            <a:xfrm flipH="1">
-              <a:off x="1763485" y="3228392"/>
-              <a:ext cx="737118" cy="1035698"/>
-            </a:xfrm>
-            <a:prstGeom prst="line">
-              <a:avLst/>
-            </a:prstGeom>
-            <a:ln w="19050"/>
-          </p:spPr>
-          <p:style>
-            <a:lnRef idx="1">
-              <a:schemeClr val="accent1"/>
-            </a:lnRef>
-            <a:fillRef idx="0">
-              <a:schemeClr val="accent1"/>
-            </a:fillRef>
-            <a:effectRef idx="0">
-              <a:schemeClr val="accent1"/>
-            </a:effectRef>
-            <a:fontRef idx="minor">
-              <a:schemeClr val="tx1"/>
-            </a:fontRef>
-          </p:style>
-        </p:cxnSp>
-        <p:cxnSp>
-          <p:nvCxnSpPr>
-            <p:cNvPr id="37" name="Straight Connector 36">
-              <a:extLst>
-                <a:ext uri="{FF2B5EF4-FFF2-40B4-BE49-F238E27FC236}">
-                  <a16:creationId xmlns:a16="http://schemas.microsoft.com/office/drawing/2014/main" id="{71123D99-C7B4-49FB-8A28-8F7C8F0AAE70}"/>
-                </a:ext>
-              </a:extLst>
-            </p:cNvPr>
-            <p:cNvCxnSpPr>
-              <a:cxnSpLocks/>
-            </p:cNvCxnSpPr>
-            <p:nvPr/>
-          </p:nvCxnSpPr>
-          <p:spPr>
-            <a:xfrm>
-              <a:off x="2500603" y="3228392"/>
-              <a:ext cx="737120" cy="1035698"/>
-            </a:xfrm>
-            <a:prstGeom prst="line">
-              <a:avLst/>
-            </a:prstGeom>
-            <a:ln w="19050"/>
-          </p:spPr>
-          <p:style>
-            <a:lnRef idx="1">
-              <a:schemeClr val="accent1"/>
-            </a:lnRef>
-            <a:fillRef idx="0">
-              <a:schemeClr val="accent1"/>
-            </a:fillRef>
-            <a:effectRef idx="0">
-              <a:schemeClr val="accent1"/>
-            </a:effectRef>
-            <a:fontRef idx="minor">
-              <a:schemeClr val="tx1"/>
-            </a:fontRef>
-          </p:style>
-        </p:cxnSp>
-        <p:cxnSp>
-          <p:nvCxnSpPr>
-            <p:cNvPr id="38" name="Straight Connector 37">
-              <a:extLst>
-                <a:ext uri="{FF2B5EF4-FFF2-40B4-BE49-F238E27FC236}">
-                  <a16:creationId xmlns:a16="http://schemas.microsoft.com/office/drawing/2014/main" id="{44D86F00-5987-48E6-83D1-C115F03EB2E5}"/>
-                </a:ext>
-              </a:extLst>
-            </p:cNvPr>
-            <p:cNvCxnSpPr>
-              <a:cxnSpLocks/>
-            </p:cNvCxnSpPr>
-            <p:nvPr/>
-          </p:nvCxnSpPr>
-          <p:spPr>
-            <a:xfrm>
-              <a:off x="1763484" y="2416623"/>
-              <a:ext cx="1474239" cy="0"/>
-            </a:xfrm>
-            <a:prstGeom prst="line">
-              <a:avLst/>
-            </a:prstGeom>
-            <a:ln w="19050"/>
-          </p:spPr>
-          <p:style>
-            <a:lnRef idx="1">
-              <a:schemeClr val="accent1"/>
-            </a:lnRef>
-            <a:fillRef idx="0">
-              <a:schemeClr val="accent1"/>
-            </a:fillRef>
-            <a:effectRef idx="0">
-              <a:schemeClr val="accent1"/>
-            </a:effectRef>
-            <a:fontRef idx="minor">
-              <a:schemeClr val="tx1"/>
-            </a:fontRef>
-          </p:style>
-        </p:cxnSp>
-      </p:grpSp>
-      <p:sp>
-        <p:nvSpPr>
-          <p:cNvPr id="39" name="TextBox 38">
-            <a:extLst>
-              <a:ext uri="{FF2B5EF4-FFF2-40B4-BE49-F238E27FC236}">
-                <a16:creationId xmlns:a16="http://schemas.microsoft.com/office/drawing/2014/main" id="{315A7FE3-8801-4FB4-96E9-94D0EBC4E511}"/>
-              </a:ext>
-            </a:extLst>
-          </p:cNvPr>
-          <p:cNvSpPr txBox="1"/>
-          <p:nvPr/>
-        </p:nvSpPr>
-        <p:spPr>
-          <a:xfrm>
-            <a:off x="10871863" y="4183214"/>
-            <a:ext cx="1165111" cy="369332"/>
-          </a:xfrm>
-          <a:prstGeom prst="rect">
-            <a:avLst/>
-          </a:prstGeom>
-          <a:noFill/>
-        </p:spPr>
-        <p:txBody>
-          <a:bodyPr wrap="square" rtlCol="0">
-            <a:spAutoFit/>
-          </a:bodyPr>
-          <a:lstStyle/>
-          <a:p>
-            <a:r>
-              <a:rPr lang="en-US" dirty="0"/>
-              <a:t>Customer</a:t>
-            </a:r>
-          </a:p>
-        </p:txBody>
-      </p:sp>
-      <p:sp>
-        <p:nvSpPr>
-          <p:cNvPr id="40" name="Oval 39">
-            <a:extLst>
-              <a:ext uri="{FF2B5EF4-FFF2-40B4-BE49-F238E27FC236}">
-                <a16:creationId xmlns:a16="http://schemas.microsoft.com/office/drawing/2014/main" id="{9552CC5E-76A5-46B6-AC8E-7A9C693A4CFD}"/>
-              </a:ext>
-            </a:extLst>
-          </p:cNvPr>
-          <p:cNvSpPr/>
-          <p:nvPr/>
-        </p:nvSpPr>
-        <p:spPr>
-          <a:xfrm>
-            <a:off x="7318280" y="1569705"/>
-            <a:ext cx="2464525" cy="826234"/>
-          </a:xfrm>
-          <a:prstGeom prst="ellipse">
-            <a:avLst/>
-          </a:prstGeom>
-          <a:noFill/>
-          <a:ln w="19050"/>
-        </p:spPr>
-        <p:style>
-          <a:lnRef idx="2">
-            <a:schemeClr val="accent1">
-              <a:shade val="50000"/>
-            </a:schemeClr>
-          </a:lnRef>
-          <a:fillRef idx="1">
-            <a:schemeClr val="accent1"/>
-          </a:fillRef>
-          <a:effectRef idx="0">
-            <a:schemeClr val="accent1"/>
-          </a:effectRef>
-          <a:fontRef idx="minor">
-            <a:schemeClr val="lt1"/>
-          </a:fontRef>
-        </p:style>
-        <p:txBody>
-          <a:bodyPr rtlCol="0" anchor="ctr"/>
-          <a:lstStyle/>
-          <a:p>
-            <a:pPr algn="ctr"/>
-            <a:r>
-              <a:rPr lang="he-IL" sz="1600" dirty="0">
-                <a:solidFill>
-                  <a:schemeClr val="tx1"/>
-                </a:solidFill>
-              </a:rPr>
-              <a:t>הזדהות במערכת</a:t>
-            </a:r>
-            <a:endParaRPr lang="en-US" sz="1600" dirty="0">
-              <a:solidFill>
-                <a:schemeClr val="tx1"/>
-              </a:solidFill>
-            </a:endParaRPr>
-          </a:p>
-        </p:txBody>
-      </p:sp>
-      <p:sp>
-        <p:nvSpPr>
-          <p:cNvPr id="41" name="Oval 40">
-            <a:extLst>
-              <a:ext uri="{FF2B5EF4-FFF2-40B4-BE49-F238E27FC236}">
-                <a16:creationId xmlns:a16="http://schemas.microsoft.com/office/drawing/2014/main" id="{67AB4161-3E09-43A8-B2CD-043805E8DBA7}"/>
-              </a:ext>
-            </a:extLst>
-          </p:cNvPr>
-          <p:cNvSpPr/>
-          <p:nvPr/>
-        </p:nvSpPr>
-        <p:spPr>
-          <a:xfrm>
-            <a:off x="7318280" y="2502430"/>
-            <a:ext cx="2464525" cy="826234"/>
-          </a:xfrm>
-          <a:prstGeom prst="ellipse">
-            <a:avLst/>
-          </a:prstGeom>
-          <a:noFill/>
-          <a:ln w="19050"/>
-        </p:spPr>
-        <p:style>
-          <a:lnRef idx="2">
-            <a:schemeClr val="accent1">
-              <a:shade val="50000"/>
-            </a:schemeClr>
-          </a:lnRef>
-          <a:fillRef idx="1">
-            <a:schemeClr val="accent1"/>
-          </a:fillRef>
-          <a:effectRef idx="0">
-            <a:schemeClr val="accent1"/>
-          </a:effectRef>
-          <a:fontRef idx="minor">
-            <a:schemeClr val="lt1"/>
-          </a:fontRef>
-        </p:style>
-        <p:txBody>
-          <a:bodyPr rtlCol="0" anchor="ctr"/>
-          <a:lstStyle/>
-          <a:p>
-            <a:pPr algn="ctr"/>
-            <a:r>
-              <a:rPr lang="he-IL" sz="1600" dirty="0">
-                <a:solidFill>
-                  <a:schemeClr val="tx1"/>
-                </a:solidFill>
-              </a:rPr>
-              <a:t>הזמנת שירותי חניה</a:t>
-            </a:r>
-            <a:endParaRPr lang="en-US" sz="1600" dirty="0">
-              <a:solidFill>
-                <a:schemeClr val="tx1"/>
-              </a:solidFill>
-            </a:endParaRPr>
-          </a:p>
-        </p:txBody>
-      </p:sp>
-      <p:sp>
-        <p:nvSpPr>
-          <p:cNvPr id="42" name="Oval 41">
-            <a:extLst>
-              <a:ext uri="{FF2B5EF4-FFF2-40B4-BE49-F238E27FC236}">
-                <a16:creationId xmlns:a16="http://schemas.microsoft.com/office/drawing/2014/main" id="{A3747C0C-0182-4CF1-AE3B-A9DCF3AD76C0}"/>
-              </a:ext>
-            </a:extLst>
-          </p:cNvPr>
-          <p:cNvSpPr/>
-          <p:nvPr/>
-        </p:nvSpPr>
-        <p:spPr>
-          <a:xfrm>
-            <a:off x="7318281" y="3435155"/>
-            <a:ext cx="2464525" cy="826234"/>
-          </a:xfrm>
-          <a:prstGeom prst="ellipse">
-            <a:avLst/>
-          </a:prstGeom>
-          <a:noFill/>
-          <a:ln w="19050"/>
-        </p:spPr>
-        <p:style>
-          <a:lnRef idx="2">
-            <a:schemeClr val="accent1">
-              <a:shade val="50000"/>
-            </a:schemeClr>
-          </a:lnRef>
-          <a:fillRef idx="1">
-            <a:schemeClr val="accent1"/>
-          </a:fillRef>
-          <a:effectRef idx="0">
-            <a:schemeClr val="accent1"/>
-          </a:effectRef>
-          <a:fontRef idx="minor">
-            <a:schemeClr val="lt1"/>
-          </a:fontRef>
-        </p:style>
-        <p:txBody>
-          <a:bodyPr rtlCol="0" anchor="ctr"/>
-          <a:lstStyle/>
-          <a:p>
-            <a:pPr algn="ctr"/>
-            <a:r>
-              <a:rPr lang="he-IL" sz="1600" dirty="0">
-                <a:solidFill>
-                  <a:schemeClr val="tx1"/>
-                </a:solidFill>
-              </a:rPr>
-              <a:t>מעקב על מצב בקשה</a:t>
-            </a:r>
-            <a:endParaRPr lang="en-US" sz="1600" dirty="0">
-              <a:solidFill>
-                <a:schemeClr val="tx1"/>
-              </a:solidFill>
-            </a:endParaRPr>
-          </a:p>
-        </p:txBody>
-      </p:sp>
-      <p:sp>
-        <p:nvSpPr>
-          <p:cNvPr id="43" name="Oval 42">
-            <a:extLst>
-              <a:ext uri="{FF2B5EF4-FFF2-40B4-BE49-F238E27FC236}">
-                <a16:creationId xmlns:a16="http://schemas.microsoft.com/office/drawing/2014/main" id="{3D149B52-5895-423A-BD19-010BFA27B380}"/>
-              </a:ext>
-            </a:extLst>
-          </p:cNvPr>
-          <p:cNvSpPr/>
-          <p:nvPr/>
-        </p:nvSpPr>
-        <p:spPr>
-          <a:xfrm>
-            <a:off x="7318280" y="4367880"/>
-            <a:ext cx="2464525" cy="826234"/>
-          </a:xfrm>
-          <a:prstGeom prst="ellipse">
-            <a:avLst/>
-          </a:prstGeom>
-          <a:noFill/>
-          <a:ln w="19050"/>
-        </p:spPr>
-        <p:style>
-          <a:lnRef idx="2">
-            <a:schemeClr val="accent1">
-              <a:shade val="50000"/>
-            </a:schemeClr>
-          </a:lnRef>
-          <a:fillRef idx="1">
-            <a:schemeClr val="accent1"/>
-          </a:fillRef>
-          <a:effectRef idx="0">
-            <a:schemeClr val="accent1"/>
-          </a:effectRef>
-          <a:fontRef idx="minor">
-            <a:schemeClr val="lt1"/>
-          </a:fontRef>
-        </p:style>
-        <p:txBody>
-          <a:bodyPr rot="0" spcFirstLastPara="0" vertOverflow="overflow" horzOverflow="overflow" vert="horz" wrap="square" lIns="91440" tIns="45720" rIns="91440" bIns="45720" numCol="1" spcCol="0" rtlCol="0" fromWordArt="0" anchor="ctr" anchorCtr="0" forceAA="0" compatLnSpc="1">
-            <a:prstTxWarp prst="textNoShape">
-              <a:avLst/>
-            </a:prstTxWarp>
-            <a:noAutofit/>
-          </a:bodyPr>
-          <a:lstStyle/>
-          <a:p>
-            <a:pPr algn="ctr"/>
-            <a:r>
-              <a:rPr lang="he-IL" sz="1600" dirty="0">
-                <a:solidFill>
-                  <a:schemeClr val="tx1"/>
-                </a:solidFill>
-              </a:rPr>
-              <a:t>הגשת תלונה</a:t>
-            </a:r>
-            <a:endParaRPr lang="en-US" sz="1600" dirty="0">
-              <a:solidFill>
-                <a:schemeClr val="tx1"/>
-              </a:solidFill>
-            </a:endParaRPr>
-          </a:p>
-        </p:txBody>
-      </p:sp>
-      <p:cxnSp>
-        <p:nvCxnSpPr>
-          <p:cNvPr id="45" name="Straight Connector 44">
-            <a:extLst>
-              <a:ext uri="{FF2B5EF4-FFF2-40B4-BE49-F238E27FC236}">
-                <a16:creationId xmlns:a16="http://schemas.microsoft.com/office/drawing/2014/main" id="{130D4541-4500-4303-B97B-7D8C3FED57E0}"/>
-              </a:ext>
-            </a:extLst>
-          </p:cNvPr>
-          <p:cNvCxnSpPr>
-            <a:cxnSpLocks/>
-            <a:endCxn id="23" idx="2"/>
-          </p:cNvCxnSpPr>
-          <p:nvPr/>
-        </p:nvCxnSpPr>
-        <p:spPr>
-          <a:xfrm flipV="1">
-            <a:off x="1589583" y="636980"/>
-            <a:ext cx="1386572" cy="1719751"/>
-          </a:xfrm>
-          <a:prstGeom prst="line">
-            <a:avLst/>
-          </a:prstGeom>
-        </p:spPr>
-        <p:style>
-          <a:lnRef idx="1">
-            <a:schemeClr val="accent1"/>
-          </a:lnRef>
-          <a:fillRef idx="0">
-            <a:schemeClr val="accent1"/>
-          </a:fillRef>
-          <a:effectRef idx="0">
-            <a:schemeClr val="accent1"/>
-          </a:effectRef>
-          <a:fontRef idx="minor">
-            <a:schemeClr val="tx1"/>
-          </a:fontRef>
-        </p:style>
-      </p:cxnSp>
-      <p:cxnSp>
-        <p:nvCxnSpPr>
-          <p:cNvPr id="47" name="Straight Connector 46">
-            <a:extLst>
-              <a:ext uri="{FF2B5EF4-FFF2-40B4-BE49-F238E27FC236}">
-                <a16:creationId xmlns:a16="http://schemas.microsoft.com/office/drawing/2014/main" id="{B9C35E75-7508-4BCC-BC07-8F17AD97E3BC}"/>
-              </a:ext>
-            </a:extLst>
-          </p:cNvPr>
-          <p:cNvCxnSpPr>
-            <a:cxnSpLocks/>
-            <a:endCxn id="24" idx="2"/>
-          </p:cNvCxnSpPr>
-          <p:nvPr/>
-        </p:nvCxnSpPr>
-        <p:spPr>
-          <a:xfrm flipV="1">
-            <a:off x="1589584" y="1569705"/>
-            <a:ext cx="1386571" cy="1114492"/>
-          </a:xfrm>
-          <a:prstGeom prst="line">
-            <a:avLst/>
-          </a:prstGeom>
-        </p:spPr>
-        <p:style>
-          <a:lnRef idx="1">
-            <a:schemeClr val="accent1"/>
-          </a:lnRef>
-          <a:fillRef idx="0">
-            <a:schemeClr val="accent1"/>
-          </a:fillRef>
-          <a:effectRef idx="0">
-            <a:schemeClr val="accent1"/>
-          </a:effectRef>
-          <a:fontRef idx="minor">
-            <a:schemeClr val="tx1"/>
-          </a:fontRef>
-        </p:style>
-      </p:cxnSp>
-      <p:cxnSp>
-        <p:nvCxnSpPr>
-          <p:cNvPr id="49" name="Straight Connector 48">
-            <a:extLst>
-              <a:ext uri="{FF2B5EF4-FFF2-40B4-BE49-F238E27FC236}">
-                <a16:creationId xmlns:a16="http://schemas.microsoft.com/office/drawing/2014/main" id="{80CB6942-C5F2-4436-B0F2-AF8EDE4E1B07}"/>
-              </a:ext>
-            </a:extLst>
-          </p:cNvPr>
-          <p:cNvCxnSpPr>
-            <a:endCxn id="25" idx="2"/>
-          </p:cNvCxnSpPr>
-          <p:nvPr/>
-        </p:nvCxnSpPr>
-        <p:spPr>
-          <a:xfrm flipV="1">
-            <a:off x="1589585" y="2502430"/>
-            <a:ext cx="1386571" cy="461997"/>
-          </a:xfrm>
-          <a:prstGeom prst="line">
-            <a:avLst/>
-          </a:prstGeom>
-        </p:spPr>
-        <p:style>
-          <a:lnRef idx="1">
-            <a:schemeClr val="accent1"/>
-          </a:lnRef>
-          <a:fillRef idx="0">
-            <a:schemeClr val="accent1"/>
-          </a:fillRef>
-          <a:effectRef idx="0">
-            <a:schemeClr val="accent1"/>
-          </a:effectRef>
-          <a:fontRef idx="minor">
-            <a:schemeClr val="tx1"/>
-          </a:fontRef>
-        </p:style>
-      </p:cxnSp>
-      <p:cxnSp>
-        <p:nvCxnSpPr>
-          <p:cNvPr id="51" name="Straight Connector 50">
-            <a:extLst>
-              <a:ext uri="{FF2B5EF4-FFF2-40B4-BE49-F238E27FC236}">
-                <a16:creationId xmlns:a16="http://schemas.microsoft.com/office/drawing/2014/main" id="{E6E0BED2-958E-4B98-B940-A02BCF290085}"/>
-              </a:ext>
-            </a:extLst>
-          </p:cNvPr>
-          <p:cNvCxnSpPr>
-            <a:endCxn id="26" idx="2"/>
-          </p:cNvCxnSpPr>
-          <p:nvPr/>
-        </p:nvCxnSpPr>
-        <p:spPr>
-          <a:xfrm>
-            <a:off x="1594892" y="3303872"/>
-            <a:ext cx="1381263" cy="131283"/>
-          </a:xfrm>
-          <a:prstGeom prst="line">
-            <a:avLst/>
-          </a:prstGeom>
-        </p:spPr>
-        <p:style>
-          <a:lnRef idx="1">
-            <a:schemeClr val="accent1"/>
-          </a:lnRef>
-          <a:fillRef idx="0">
-            <a:schemeClr val="accent1"/>
-          </a:fillRef>
-          <a:effectRef idx="0">
-            <a:schemeClr val="accent1"/>
-          </a:effectRef>
-          <a:fontRef idx="minor">
-            <a:schemeClr val="tx1"/>
-          </a:fontRef>
-        </p:style>
-      </p:cxnSp>
-      <p:cxnSp>
-        <p:nvCxnSpPr>
-          <p:cNvPr id="53" name="Straight Connector 52">
-            <a:extLst>
-              <a:ext uri="{FF2B5EF4-FFF2-40B4-BE49-F238E27FC236}">
-                <a16:creationId xmlns:a16="http://schemas.microsoft.com/office/drawing/2014/main" id="{22318DB8-288D-4D6F-A790-A61AB1B932FB}"/>
-              </a:ext>
-            </a:extLst>
-          </p:cNvPr>
-          <p:cNvCxnSpPr>
-            <a:endCxn id="30" idx="2"/>
-          </p:cNvCxnSpPr>
-          <p:nvPr/>
-        </p:nvCxnSpPr>
-        <p:spPr>
-          <a:xfrm>
-            <a:off x="1597545" y="3606482"/>
-            <a:ext cx="1378610" cy="761398"/>
-          </a:xfrm>
-          <a:prstGeom prst="line">
-            <a:avLst/>
-          </a:prstGeom>
-        </p:spPr>
-        <p:style>
-          <a:lnRef idx="1">
-            <a:schemeClr val="accent1"/>
-          </a:lnRef>
-          <a:fillRef idx="0">
-            <a:schemeClr val="accent1"/>
-          </a:fillRef>
-          <a:effectRef idx="0">
-            <a:schemeClr val="accent1"/>
-          </a:effectRef>
-          <a:fontRef idx="minor">
-            <a:schemeClr val="tx1"/>
-          </a:fontRef>
-        </p:style>
-      </p:cxnSp>
-      <p:cxnSp>
-        <p:nvCxnSpPr>
-          <p:cNvPr id="55" name="Straight Connector 54">
-            <a:extLst>
-              <a:ext uri="{FF2B5EF4-FFF2-40B4-BE49-F238E27FC236}">
-                <a16:creationId xmlns:a16="http://schemas.microsoft.com/office/drawing/2014/main" id="{BC167039-A387-43A1-A6A6-353E4F0F6529}"/>
-              </a:ext>
-            </a:extLst>
-          </p:cNvPr>
-          <p:cNvCxnSpPr/>
-          <p:nvPr/>
-        </p:nvCxnSpPr>
-        <p:spPr>
-          <a:xfrm>
-            <a:off x="1598871" y="3848272"/>
-            <a:ext cx="1377284" cy="1345842"/>
-          </a:xfrm>
-          <a:prstGeom prst="line">
-            <a:avLst/>
-          </a:prstGeom>
-        </p:spPr>
-        <p:style>
-          <a:lnRef idx="1">
-            <a:schemeClr val="accent1"/>
-          </a:lnRef>
-          <a:fillRef idx="0">
-            <a:schemeClr val="accent1"/>
-          </a:fillRef>
-          <a:effectRef idx="0">
-            <a:schemeClr val="accent1"/>
-          </a:effectRef>
-          <a:fontRef idx="minor">
-            <a:schemeClr val="tx1"/>
-          </a:fontRef>
-        </p:style>
-      </p:cxnSp>
-      <p:cxnSp>
-        <p:nvCxnSpPr>
-          <p:cNvPr id="57" name="Straight Connector 56">
-            <a:extLst>
-              <a:ext uri="{FF2B5EF4-FFF2-40B4-BE49-F238E27FC236}">
-                <a16:creationId xmlns:a16="http://schemas.microsoft.com/office/drawing/2014/main" id="{865386DD-4FBE-4394-AE40-EF21F5447C2C}"/>
-              </a:ext>
-            </a:extLst>
-          </p:cNvPr>
-          <p:cNvCxnSpPr>
-            <a:endCxn id="32" idx="2"/>
-          </p:cNvCxnSpPr>
-          <p:nvPr/>
-        </p:nvCxnSpPr>
-        <p:spPr>
-          <a:xfrm>
-            <a:off x="1597544" y="4130106"/>
-            <a:ext cx="1378611" cy="2103224"/>
-          </a:xfrm>
-          <a:prstGeom prst="line">
-            <a:avLst/>
-          </a:prstGeom>
-        </p:spPr>
-        <p:style>
-          <a:lnRef idx="1">
-            <a:schemeClr val="accent1"/>
-          </a:lnRef>
-          <a:fillRef idx="0">
-            <a:schemeClr val="accent1"/>
-          </a:fillRef>
-          <a:effectRef idx="0">
-            <a:schemeClr val="accent1"/>
-          </a:effectRef>
-          <a:fontRef idx="minor">
-            <a:schemeClr val="tx1"/>
-          </a:fontRef>
-        </p:style>
-      </p:cxnSp>
-      <p:cxnSp>
-        <p:nvCxnSpPr>
-          <p:cNvPr id="64" name="Straight Connector 63">
-            <a:extLst>
-              <a:ext uri="{FF2B5EF4-FFF2-40B4-BE49-F238E27FC236}">
-                <a16:creationId xmlns:a16="http://schemas.microsoft.com/office/drawing/2014/main" id="{CA55CB32-662E-45CF-91A4-F2B66298F504}"/>
-              </a:ext>
-            </a:extLst>
-          </p:cNvPr>
-          <p:cNvCxnSpPr>
-            <a:endCxn id="40" idx="6"/>
-          </p:cNvCxnSpPr>
-          <p:nvPr/>
-        </p:nvCxnSpPr>
-        <p:spPr>
-          <a:xfrm flipH="1" flipV="1">
-            <a:off x="9782805" y="1982822"/>
-            <a:ext cx="1168223" cy="701375"/>
-          </a:xfrm>
-          <a:prstGeom prst="line">
-            <a:avLst/>
-          </a:prstGeom>
-        </p:spPr>
-        <p:style>
-          <a:lnRef idx="1">
-            <a:schemeClr val="accent1"/>
-          </a:lnRef>
-          <a:fillRef idx="0">
-            <a:schemeClr val="accent1"/>
-          </a:fillRef>
-          <a:effectRef idx="0">
-            <a:schemeClr val="accent1"/>
-          </a:effectRef>
-          <a:fontRef idx="minor">
-            <a:schemeClr val="tx1"/>
-          </a:fontRef>
-        </p:style>
-      </p:cxnSp>
-      <p:cxnSp>
-        <p:nvCxnSpPr>
-          <p:cNvPr id="66" name="Straight Connector 65">
-            <a:extLst>
-              <a:ext uri="{FF2B5EF4-FFF2-40B4-BE49-F238E27FC236}">
-                <a16:creationId xmlns:a16="http://schemas.microsoft.com/office/drawing/2014/main" id="{D936EE4B-BA42-4FDE-989F-F7189A10A2C1}"/>
-              </a:ext>
-            </a:extLst>
-          </p:cNvPr>
-          <p:cNvCxnSpPr>
-            <a:endCxn id="41" idx="6"/>
-          </p:cNvCxnSpPr>
-          <p:nvPr/>
-        </p:nvCxnSpPr>
-        <p:spPr>
-          <a:xfrm flipH="1" flipV="1">
-            <a:off x="9782805" y="2915547"/>
-            <a:ext cx="1139803" cy="160188"/>
-          </a:xfrm>
-          <a:prstGeom prst="line">
-            <a:avLst/>
-          </a:prstGeom>
-        </p:spPr>
-        <p:style>
-          <a:lnRef idx="1">
-            <a:schemeClr val="accent1"/>
-          </a:lnRef>
-          <a:fillRef idx="0">
-            <a:schemeClr val="accent1"/>
-          </a:fillRef>
-          <a:effectRef idx="0">
-            <a:schemeClr val="accent1"/>
-          </a:effectRef>
-          <a:fontRef idx="minor">
-            <a:schemeClr val="tx1"/>
-          </a:fontRef>
-        </p:style>
-      </p:cxnSp>
-      <p:cxnSp>
-        <p:nvCxnSpPr>
-          <p:cNvPr id="68" name="Straight Connector 67">
-            <a:extLst>
-              <a:ext uri="{FF2B5EF4-FFF2-40B4-BE49-F238E27FC236}">
-                <a16:creationId xmlns:a16="http://schemas.microsoft.com/office/drawing/2014/main" id="{D1DDAC99-4A54-43C4-81C1-907C224E75F0}"/>
-              </a:ext>
-            </a:extLst>
-          </p:cNvPr>
-          <p:cNvCxnSpPr>
-            <a:endCxn id="42" idx="6"/>
-          </p:cNvCxnSpPr>
-          <p:nvPr/>
-        </p:nvCxnSpPr>
-        <p:spPr>
-          <a:xfrm flipH="1">
-            <a:off x="9782806" y="3353611"/>
-            <a:ext cx="1154012" cy="494661"/>
-          </a:xfrm>
-          <a:prstGeom prst="line">
-            <a:avLst/>
-          </a:prstGeom>
-        </p:spPr>
-        <p:style>
-          <a:lnRef idx="1">
-            <a:schemeClr val="accent1"/>
-          </a:lnRef>
-          <a:fillRef idx="0">
-            <a:schemeClr val="accent1"/>
-          </a:fillRef>
-          <a:effectRef idx="0">
-            <a:schemeClr val="accent1"/>
-          </a:effectRef>
-          <a:fontRef idx="minor">
-            <a:schemeClr val="tx1"/>
-          </a:fontRef>
-        </p:style>
-      </p:cxnSp>
-      <p:cxnSp>
-        <p:nvCxnSpPr>
-          <p:cNvPr id="70" name="Straight Connector 69">
-            <a:extLst>
-              <a:ext uri="{FF2B5EF4-FFF2-40B4-BE49-F238E27FC236}">
-                <a16:creationId xmlns:a16="http://schemas.microsoft.com/office/drawing/2014/main" id="{0E6343C5-D77D-40E2-8441-F41A0B4A59D2}"/>
-              </a:ext>
-            </a:extLst>
-          </p:cNvPr>
-          <p:cNvCxnSpPr>
-            <a:endCxn id="43" idx="6"/>
-          </p:cNvCxnSpPr>
-          <p:nvPr/>
-        </p:nvCxnSpPr>
-        <p:spPr>
-          <a:xfrm flipH="1">
-            <a:off x="9782805" y="3688084"/>
-            <a:ext cx="1139803" cy="1092913"/>
-          </a:xfrm>
-          <a:prstGeom prst="line">
-            <a:avLst/>
-          </a:prstGeom>
-        </p:spPr>
-        <p:style>
-          <a:lnRef idx="1">
-            <a:schemeClr val="accent1"/>
-          </a:lnRef>
-          <a:fillRef idx="0">
-            <a:schemeClr val="accent1"/>
-          </a:fillRef>
-          <a:effectRef idx="0">
-            <a:schemeClr val="accent1"/>
-          </a:effectRef>
-          <a:fontRef idx="minor">
-            <a:schemeClr val="tx1"/>
-          </a:fontRef>
-        </p:style>
-      </p:cxnSp>
-    </p:spTree>
-    <p:extLst>
-      <p:ext uri="{BB962C8B-B14F-4D97-AF65-F5344CB8AC3E}">
-        <p14:creationId xmlns:p14="http://schemas.microsoft.com/office/powerpoint/2010/main" val="2922493363"/>
-      </p:ext>
-    </p:extLst>
-  </p:cSld>
-  <p:clrMapOvr>
-    <a:masterClrMapping/>
-  </p:clrMapOvr>
-</p:sld>
-</file>
-
-<file path=ppt/slides/slide3.xml><?xml version="1.0" encoding="utf-8"?>
-<p:sld xmlns:a="http://schemas.openxmlformats.org/drawingml/2006/main" xmlns:r="http://schemas.openxmlformats.org/officeDocument/2006/relationships" xmlns:p="http://schemas.openxmlformats.org/presentationml/2006/main">
-  <p:cSld>
-    <p:spTree>
-      <p:nvGrpSpPr>
-        <p:cNvPr id="1" name=""/>
-        <p:cNvGrpSpPr/>
-        <p:nvPr/>
-      </p:nvGrpSpPr>
-      <p:grpSpPr>
-        <a:xfrm>
-          <a:off x="0" y="0"/>
-          <a:ext cx="0" cy="0"/>
-          <a:chOff x="0" y="0"/>
-          <a:chExt cx="0" cy="0"/>
-        </a:xfrm>
-      </p:grpSpPr>
-      <p:sp>
-        <p:nvSpPr>
-          <p:cNvPr id="4" name="Rectangle 3">
-            <a:extLst>
-              <a:ext uri="{FF2B5EF4-FFF2-40B4-BE49-F238E27FC236}">
-                <a16:creationId xmlns:a16="http://schemas.microsoft.com/office/drawing/2014/main" id="{85221335-6918-47FB-A893-5790A1B77B83}"/>
-              </a:ext>
-            </a:extLst>
-          </p:cNvPr>
-          <p:cNvSpPr/>
-          <p:nvPr/>
-        </p:nvSpPr>
-        <p:spPr>
-          <a:xfrm>
-            <a:off x="1353280" y="491827"/>
-            <a:ext cx="10611892" cy="6244253"/>
-          </a:xfrm>
-          <a:prstGeom prst="rect">
-            <a:avLst/>
-          </a:prstGeom>
-          <a:noFill/>
-        </p:spPr>
-        <p:style>
-          <a:lnRef idx="2">
-            <a:schemeClr val="accent1">
-              <a:shade val="50000"/>
-            </a:schemeClr>
-          </a:lnRef>
-          <a:fillRef idx="1">
-            <a:schemeClr val="accent1"/>
-          </a:fillRef>
-          <a:effectRef idx="0">
-            <a:schemeClr val="accent1"/>
-          </a:effectRef>
-          <a:fontRef idx="minor">
-            <a:schemeClr val="lt1"/>
-          </a:fontRef>
-        </p:style>
-        <p:txBody>
-          <a:bodyPr rtlCol="0" anchor="ctr"/>
-          <a:lstStyle/>
-          <a:p>
-            <a:pPr algn="ctr"/>
-            <a:endParaRPr lang="en-US"/>
-          </a:p>
-        </p:txBody>
-      </p:sp>
-      <p:sp>
-        <p:nvSpPr>
-          <p:cNvPr id="5" name="Rectangle 4">
-            <a:extLst>
-              <a:ext uri="{FF2B5EF4-FFF2-40B4-BE49-F238E27FC236}">
-                <a16:creationId xmlns:a16="http://schemas.microsoft.com/office/drawing/2014/main" id="{0E4EEA44-4B0C-496F-9DDF-D91DC53FD1C8}"/>
-              </a:ext>
-            </a:extLst>
-          </p:cNvPr>
-          <p:cNvSpPr/>
-          <p:nvPr/>
-        </p:nvSpPr>
-        <p:spPr>
-          <a:xfrm>
-            <a:off x="2389462" y="1126679"/>
-            <a:ext cx="8575474" cy="5399221"/>
-          </a:xfrm>
-          <a:prstGeom prst="rect">
-            <a:avLst/>
-          </a:prstGeom>
-          <a:noFill/>
-        </p:spPr>
-        <p:style>
-          <a:lnRef idx="2">
-            <a:schemeClr val="accent1">
-              <a:shade val="50000"/>
-            </a:schemeClr>
-          </a:lnRef>
-          <a:fillRef idx="1">
-            <a:schemeClr val="accent1"/>
-          </a:fillRef>
-          <a:effectRef idx="0">
-            <a:schemeClr val="accent1"/>
-          </a:effectRef>
-          <a:fontRef idx="minor">
-            <a:schemeClr val="lt1"/>
-          </a:fontRef>
-        </p:style>
-        <p:txBody>
-          <a:bodyPr rtlCol="0" anchor="ctr"/>
-          <a:lstStyle/>
-          <a:p>
-            <a:pPr algn="ctr"/>
-            <a:endParaRPr lang="en-US"/>
-          </a:p>
-        </p:txBody>
-      </p:sp>
-      <p:grpSp>
-        <p:nvGrpSpPr>
-          <p:cNvPr id="13" name="Group 12">
-            <a:extLst>
-              <a:ext uri="{FF2B5EF4-FFF2-40B4-BE49-F238E27FC236}">
-                <a16:creationId xmlns:a16="http://schemas.microsoft.com/office/drawing/2014/main" id="{09C280B3-D823-4047-B863-BC37CA82E582}"/>
-              </a:ext>
-            </a:extLst>
-          </p:cNvPr>
-          <p:cNvGrpSpPr/>
-          <p:nvPr/>
-        </p:nvGrpSpPr>
-        <p:grpSpPr>
-          <a:xfrm>
-            <a:off x="435167" y="1956141"/>
+            <a:off x="320867" y="1956141"/>
             <a:ext cx="878757" cy="1318492"/>
             <a:chOff x="166889" y="2680448"/>
             <a:chExt cx="1064478" cy="1597149"/>
@@ -6801,7 +3679,7 @@
         </p:nvSpPr>
         <p:spPr>
           <a:xfrm>
-            <a:off x="5997868" y="532278"/>
+            <a:off x="6300157" y="569142"/>
             <a:ext cx="4133461" cy="276999"/>
           </a:xfrm>
           <a:prstGeom prst="rect">
@@ -6817,10 +3695,10 @@
           <a:p>
             <a:pPr algn="r" rtl="1"/>
             <a:r>
-              <a:rPr lang="he-IL" sz="1200" dirty="0"/>
+              <a:rPr lang="he-IL" sz="1200" b="1" dirty="0"/>
               <a:t>חניה בעיר – שירותי חניה למשתמשים ולבעלי עניין נוספים</a:t>
             </a:r>
-            <a:endParaRPr lang="en-US" sz="1200" dirty="0"/>
+            <a:endParaRPr lang="en-US" sz="1200" b="1" dirty="0"/>
           </a:p>
         </p:txBody>
       </p:sp>
@@ -6862,10 +3740,10 @@
       </p:sp>
       <p:grpSp>
         <p:nvGrpSpPr>
-          <p:cNvPr id="23" name="Group 22">
-            <a:extLst>
-              <a:ext uri="{FF2B5EF4-FFF2-40B4-BE49-F238E27FC236}">
-                <a16:creationId xmlns:a16="http://schemas.microsoft.com/office/drawing/2014/main" id="{FD4F7540-1908-47CC-A01C-07E64D290CB8}"/>
+          <p:cNvPr id="39" name="Group 38">
+            <a:extLst>
+              <a:ext uri="{FF2B5EF4-FFF2-40B4-BE49-F238E27FC236}">
+                <a16:creationId xmlns:a16="http://schemas.microsoft.com/office/drawing/2014/main" id="{5C59D32F-B654-4489-8B99-59F5465E72FC}"/>
               </a:ext>
             </a:extLst>
           </p:cNvPr>
@@ -6874,583 +3752,7 @@
         </p:nvGrpSpPr>
         <p:grpSpPr>
           <a:xfrm>
-            <a:off x="423325" y="3527867"/>
-            <a:ext cx="878757" cy="1470939"/>
-            <a:chOff x="166889" y="2680448"/>
-            <a:chExt cx="1064478" cy="1781815"/>
-          </a:xfrm>
-        </p:grpSpPr>
-        <p:grpSp>
-          <p:nvGrpSpPr>
-            <p:cNvPr id="24" name="Group 23">
-              <a:extLst>
-                <a:ext uri="{FF2B5EF4-FFF2-40B4-BE49-F238E27FC236}">
-                  <a16:creationId xmlns:a16="http://schemas.microsoft.com/office/drawing/2014/main" id="{99E4F5D8-716E-45E4-A8E5-31E555082776}"/>
-                </a:ext>
-              </a:extLst>
-            </p:cNvPr>
-            <p:cNvGrpSpPr/>
-            <p:nvPr/>
-          </p:nvGrpSpPr>
-          <p:grpSpPr>
-            <a:xfrm>
-              <a:off x="401999" y="2680448"/>
-              <a:ext cx="594257" cy="1320150"/>
-              <a:chOff x="1763484" y="989045"/>
-              <a:chExt cx="1474239" cy="3275045"/>
-            </a:xfrm>
-          </p:grpSpPr>
-          <p:sp>
-            <p:nvSpPr>
-              <p:cNvPr id="26" name="Oval 25">
-                <a:extLst>
-                  <a:ext uri="{FF2B5EF4-FFF2-40B4-BE49-F238E27FC236}">
-                    <a16:creationId xmlns:a16="http://schemas.microsoft.com/office/drawing/2014/main" id="{26105136-99B9-457E-BCF1-C497D9957198}"/>
-                  </a:ext>
-                </a:extLst>
-              </p:cNvPr>
-              <p:cNvSpPr/>
-              <p:nvPr/>
-            </p:nvSpPr>
-            <p:spPr>
-              <a:xfrm>
-                <a:off x="2034074" y="989045"/>
-                <a:ext cx="933061" cy="933061"/>
-              </a:xfrm>
-              <a:prstGeom prst="ellipse">
-                <a:avLst/>
-              </a:prstGeom>
-              <a:noFill/>
-              <a:ln w="19050"/>
-            </p:spPr>
-            <p:style>
-              <a:lnRef idx="2">
-                <a:schemeClr val="accent1">
-                  <a:shade val="50000"/>
-                </a:schemeClr>
-              </a:lnRef>
-              <a:fillRef idx="1">
-                <a:schemeClr val="accent1"/>
-              </a:fillRef>
-              <a:effectRef idx="0">
-                <a:schemeClr val="accent1"/>
-              </a:effectRef>
-              <a:fontRef idx="minor">
-                <a:schemeClr val="lt1"/>
-              </a:fontRef>
-            </p:style>
-            <p:txBody>
-              <a:bodyPr rtlCol="0" anchor="ctr"/>
-              <a:lstStyle/>
-              <a:p>
-                <a:pPr algn="ctr"/>
-                <a:endParaRPr lang="en-US">
-                  <a:solidFill>
-                    <a:schemeClr val="tx1"/>
-                  </a:solidFill>
-                </a:endParaRPr>
-              </a:p>
-            </p:txBody>
-          </p:sp>
-          <p:cxnSp>
-            <p:nvCxnSpPr>
-              <p:cNvPr id="27" name="Straight Connector 26">
-                <a:extLst>
-                  <a:ext uri="{FF2B5EF4-FFF2-40B4-BE49-F238E27FC236}">
-                    <a16:creationId xmlns:a16="http://schemas.microsoft.com/office/drawing/2014/main" id="{C9C3293E-4878-491A-AF5C-B224BFC739AA}"/>
-                  </a:ext>
-                </a:extLst>
-              </p:cNvPr>
-              <p:cNvCxnSpPr>
-                <a:cxnSpLocks/>
-                <a:stCxn id="26" idx="4"/>
-              </p:cNvCxnSpPr>
-              <p:nvPr/>
-            </p:nvCxnSpPr>
-            <p:spPr>
-              <a:xfrm>
-                <a:off x="2500605" y="1922106"/>
-                <a:ext cx="0" cy="1306286"/>
-              </a:xfrm>
-              <a:prstGeom prst="line">
-                <a:avLst/>
-              </a:prstGeom>
-              <a:ln w="19050"/>
-            </p:spPr>
-            <p:style>
-              <a:lnRef idx="1">
-                <a:schemeClr val="accent1"/>
-              </a:lnRef>
-              <a:fillRef idx="0">
-                <a:schemeClr val="accent1"/>
-              </a:fillRef>
-              <a:effectRef idx="0">
-                <a:schemeClr val="accent1"/>
-              </a:effectRef>
-              <a:fontRef idx="minor">
-                <a:schemeClr val="tx1"/>
-              </a:fontRef>
-            </p:style>
-          </p:cxnSp>
-          <p:cxnSp>
-            <p:nvCxnSpPr>
-              <p:cNvPr id="28" name="Straight Connector 27">
-                <a:extLst>
-                  <a:ext uri="{FF2B5EF4-FFF2-40B4-BE49-F238E27FC236}">
-                    <a16:creationId xmlns:a16="http://schemas.microsoft.com/office/drawing/2014/main" id="{5FD3520A-AD2D-417D-96B1-D778EDB5E4C2}"/>
-                  </a:ext>
-                </a:extLst>
-              </p:cNvPr>
-              <p:cNvCxnSpPr>
-                <a:cxnSpLocks/>
-              </p:cNvCxnSpPr>
-              <p:nvPr/>
-            </p:nvCxnSpPr>
-            <p:spPr>
-              <a:xfrm flipH="1">
-                <a:off x="1763485" y="3228392"/>
-                <a:ext cx="737118" cy="1035698"/>
-              </a:xfrm>
-              <a:prstGeom prst="line">
-                <a:avLst/>
-              </a:prstGeom>
-              <a:ln w="19050"/>
-            </p:spPr>
-            <p:style>
-              <a:lnRef idx="1">
-                <a:schemeClr val="accent1"/>
-              </a:lnRef>
-              <a:fillRef idx="0">
-                <a:schemeClr val="accent1"/>
-              </a:fillRef>
-              <a:effectRef idx="0">
-                <a:schemeClr val="accent1"/>
-              </a:effectRef>
-              <a:fontRef idx="minor">
-                <a:schemeClr val="tx1"/>
-              </a:fontRef>
-            </p:style>
-          </p:cxnSp>
-          <p:cxnSp>
-            <p:nvCxnSpPr>
-              <p:cNvPr id="29" name="Straight Connector 28">
-                <a:extLst>
-                  <a:ext uri="{FF2B5EF4-FFF2-40B4-BE49-F238E27FC236}">
-                    <a16:creationId xmlns:a16="http://schemas.microsoft.com/office/drawing/2014/main" id="{E756D745-46F1-476F-B9DA-48A1A975ECCA}"/>
-                  </a:ext>
-                </a:extLst>
-              </p:cNvPr>
-              <p:cNvCxnSpPr>
-                <a:cxnSpLocks/>
-              </p:cNvCxnSpPr>
-              <p:nvPr/>
-            </p:nvCxnSpPr>
-            <p:spPr>
-              <a:xfrm>
-                <a:off x="2500603" y="3228392"/>
-                <a:ext cx="737120" cy="1035698"/>
-              </a:xfrm>
-              <a:prstGeom prst="line">
-                <a:avLst/>
-              </a:prstGeom>
-              <a:ln w="19050"/>
-            </p:spPr>
-            <p:style>
-              <a:lnRef idx="1">
-                <a:schemeClr val="accent1"/>
-              </a:lnRef>
-              <a:fillRef idx="0">
-                <a:schemeClr val="accent1"/>
-              </a:fillRef>
-              <a:effectRef idx="0">
-                <a:schemeClr val="accent1"/>
-              </a:effectRef>
-              <a:fontRef idx="minor">
-                <a:schemeClr val="tx1"/>
-              </a:fontRef>
-            </p:style>
-          </p:cxnSp>
-          <p:cxnSp>
-            <p:nvCxnSpPr>
-              <p:cNvPr id="30" name="Straight Connector 29">
-                <a:extLst>
-                  <a:ext uri="{FF2B5EF4-FFF2-40B4-BE49-F238E27FC236}">
-                    <a16:creationId xmlns:a16="http://schemas.microsoft.com/office/drawing/2014/main" id="{BA4B07A5-144D-4BDE-BFFF-88A11BCD4598}"/>
-                  </a:ext>
-                </a:extLst>
-              </p:cNvPr>
-              <p:cNvCxnSpPr>
-                <a:cxnSpLocks/>
-              </p:cNvCxnSpPr>
-              <p:nvPr/>
-            </p:nvCxnSpPr>
-            <p:spPr>
-              <a:xfrm>
-                <a:off x="1763484" y="2416623"/>
-                <a:ext cx="1474239" cy="0"/>
-              </a:xfrm>
-              <a:prstGeom prst="line">
-                <a:avLst/>
-              </a:prstGeom>
-              <a:ln w="19050"/>
-            </p:spPr>
-            <p:style>
-              <a:lnRef idx="1">
-                <a:schemeClr val="accent1"/>
-              </a:lnRef>
-              <a:fillRef idx="0">
-                <a:schemeClr val="accent1"/>
-              </a:fillRef>
-              <a:effectRef idx="0">
-                <a:schemeClr val="accent1"/>
-              </a:effectRef>
-              <a:fontRef idx="minor">
-                <a:schemeClr val="tx1"/>
-              </a:fontRef>
-            </p:style>
-          </p:cxnSp>
-        </p:grpSp>
-        <p:sp>
-          <p:nvSpPr>
-            <p:cNvPr id="25" name="TextBox 24">
-              <a:extLst>
-                <a:ext uri="{FF2B5EF4-FFF2-40B4-BE49-F238E27FC236}">
-                  <a16:creationId xmlns:a16="http://schemas.microsoft.com/office/drawing/2014/main" id="{23F6418F-317B-404D-8309-019CAE7BDEDA}"/>
-                </a:ext>
-              </a:extLst>
-            </p:cNvPr>
-            <p:cNvSpPr txBox="1"/>
-            <p:nvPr/>
-          </p:nvSpPr>
-          <p:spPr>
-            <a:xfrm>
-              <a:off x="166889" y="4000598"/>
-              <a:ext cx="1064478" cy="461665"/>
-            </a:xfrm>
-            <a:prstGeom prst="rect">
-              <a:avLst/>
-            </a:prstGeom>
-            <a:noFill/>
-          </p:spPr>
-          <p:txBody>
-            <a:bodyPr wrap="square" rtlCol="0">
-              <a:spAutoFit/>
-            </a:bodyPr>
-            <a:lstStyle/>
-            <a:p>
-              <a:pPr algn="ctr"/>
-              <a:r>
-                <a:rPr lang="he-IL" sz="1200" dirty="0"/>
-                <a:t>מערכת ניהול פרטי עובדות</a:t>
-              </a:r>
-              <a:endParaRPr lang="en-US" dirty="0"/>
-            </a:p>
-          </p:txBody>
-        </p:sp>
-      </p:grpSp>
-      <p:grpSp>
-        <p:nvGrpSpPr>
-          <p:cNvPr id="31" name="Group 30">
-            <a:extLst>
-              <a:ext uri="{FF2B5EF4-FFF2-40B4-BE49-F238E27FC236}">
-                <a16:creationId xmlns:a16="http://schemas.microsoft.com/office/drawing/2014/main" id="{C26BED51-F760-48CD-A1F7-683429FFB647}"/>
-              </a:ext>
-            </a:extLst>
-          </p:cNvPr>
-          <p:cNvGrpSpPr/>
-          <p:nvPr/>
-        </p:nvGrpSpPr>
-        <p:grpSpPr>
-          <a:xfrm>
-            <a:off x="10987545" y="1572416"/>
-            <a:ext cx="878757" cy="1318492"/>
-            <a:chOff x="166889" y="2680448"/>
-            <a:chExt cx="1064478" cy="1597149"/>
-          </a:xfrm>
-        </p:grpSpPr>
-        <p:grpSp>
-          <p:nvGrpSpPr>
-            <p:cNvPr id="32" name="Group 31">
-              <a:extLst>
-                <a:ext uri="{FF2B5EF4-FFF2-40B4-BE49-F238E27FC236}">
-                  <a16:creationId xmlns:a16="http://schemas.microsoft.com/office/drawing/2014/main" id="{5A86D77B-C42B-4151-9C86-85F73DA580FF}"/>
-                </a:ext>
-              </a:extLst>
-            </p:cNvPr>
-            <p:cNvGrpSpPr/>
-            <p:nvPr/>
-          </p:nvGrpSpPr>
-          <p:grpSpPr>
-            <a:xfrm>
-              <a:off x="401999" y="2680448"/>
-              <a:ext cx="594257" cy="1320150"/>
-              <a:chOff x="1763484" y="989045"/>
-              <a:chExt cx="1474239" cy="3275045"/>
-            </a:xfrm>
-          </p:grpSpPr>
-          <p:sp>
-            <p:nvSpPr>
-              <p:cNvPr id="34" name="Oval 33">
-                <a:extLst>
-                  <a:ext uri="{FF2B5EF4-FFF2-40B4-BE49-F238E27FC236}">
-                    <a16:creationId xmlns:a16="http://schemas.microsoft.com/office/drawing/2014/main" id="{FA9A556C-FB8F-4A0A-9A82-7B9D39D2789F}"/>
-                  </a:ext>
-                </a:extLst>
-              </p:cNvPr>
-              <p:cNvSpPr/>
-              <p:nvPr/>
-            </p:nvSpPr>
-            <p:spPr>
-              <a:xfrm>
-                <a:off x="2034074" y="989045"/>
-                <a:ext cx="933061" cy="933061"/>
-              </a:xfrm>
-              <a:prstGeom prst="ellipse">
-                <a:avLst/>
-              </a:prstGeom>
-              <a:noFill/>
-              <a:ln w="19050"/>
-            </p:spPr>
-            <p:style>
-              <a:lnRef idx="2">
-                <a:schemeClr val="accent1">
-                  <a:shade val="50000"/>
-                </a:schemeClr>
-              </a:lnRef>
-              <a:fillRef idx="1">
-                <a:schemeClr val="accent1"/>
-              </a:fillRef>
-              <a:effectRef idx="0">
-                <a:schemeClr val="accent1"/>
-              </a:effectRef>
-              <a:fontRef idx="minor">
-                <a:schemeClr val="lt1"/>
-              </a:fontRef>
-            </p:style>
-            <p:txBody>
-              <a:bodyPr rtlCol="0" anchor="ctr"/>
-              <a:lstStyle/>
-              <a:p>
-                <a:pPr algn="ctr"/>
-                <a:endParaRPr lang="en-US">
-                  <a:solidFill>
-                    <a:schemeClr val="tx1"/>
-                  </a:solidFill>
-                </a:endParaRPr>
-              </a:p>
-            </p:txBody>
-          </p:sp>
-          <p:cxnSp>
-            <p:nvCxnSpPr>
-              <p:cNvPr id="35" name="Straight Connector 34">
-                <a:extLst>
-                  <a:ext uri="{FF2B5EF4-FFF2-40B4-BE49-F238E27FC236}">
-                    <a16:creationId xmlns:a16="http://schemas.microsoft.com/office/drawing/2014/main" id="{C78F646D-E1DA-4BEE-9185-601FF830A914}"/>
-                  </a:ext>
-                </a:extLst>
-              </p:cNvPr>
-              <p:cNvCxnSpPr>
-                <a:cxnSpLocks/>
-                <a:stCxn id="34" idx="4"/>
-              </p:cNvCxnSpPr>
-              <p:nvPr/>
-            </p:nvCxnSpPr>
-            <p:spPr>
-              <a:xfrm>
-                <a:off x="2500605" y="1922106"/>
-                <a:ext cx="0" cy="1306286"/>
-              </a:xfrm>
-              <a:prstGeom prst="line">
-                <a:avLst/>
-              </a:prstGeom>
-              <a:ln w="19050"/>
-            </p:spPr>
-            <p:style>
-              <a:lnRef idx="1">
-                <a:schemeClr val="accent1"/>
-              </a:lnRef>
-              <a:fillRef idx="0">
-                <a:schemeClr val="accent1"/>
-              </a:fillRef>
-              <a:effectRef idx="0">
-                <a:schemeClr val="accent1"/>
-              </a:effectRef>
-              <a:fontRef idx="minor">
-                <a:schemeClr val="tx1"/>
-              </a:fontRef>
-            </p:style>
-          </p:cxnSp>
-          <p:cxnSp>
-            <p:nvCxnSpPr>
-              <p:cNvPr id="36" name="Straight Connector 35">
-                <a:extLst>
-                  <a:ext uri="{FF2B5EF4-FFF2-40B4-BE49-F238E27FC236}">
-                    <a16:creationId xmlns:a16="http://schemas.microsoft.com/office/drawing/2014/main" id="{A0A5688A-D3FD-4A44-B4CE-C41F2BB4C8CC}"/>
-                  </a:ext>
-                </a:extLst>
-              </p:cNvPr>
-              <p:cNvCxnSpPr>
-                <a:cxnSpLocks/>
-              </p:cNvCxnSpPr>
-              <p:nvPr/>
-            </p:nvCxnSpPr>
-            <p:spPr>
-              <a:xfrm flipH="1">
-                <a:off x="1763485" y="3228392"/>
-                <a:ext cx="737118" cy="1035698"/>
-              </a:xfrm>
-              <a:prstGeom prst="line">
-                <a:avLst/>
-              </a:prstGeom>
-              <a:ln w="19050"/>
-            </p:spPr>
-            <p:style>
-              <a:lnRef idx="1">
-                <a:schemeClr val="accent1"/>
-              </a:lnRef>
-              <a:fillRef idx="0">
-                <a:schemeClr val="accent1"/>
-              </a:fillRef>
-              <a:effectRef idx="0">
-                <a:schemeClr val="accent1"/>
-              </a:effectRef>
-              <a:fontRef idx="minor">
-                <a:schemeClr val="tx1"/>
-              </a:fontRef>
-            </p:style>
-          </p:cxnSp>
-          <p:cxnSp>
-            <p:nvCxnSpPr>
-              <p:cNvPr id="37" name="Straight Connector 36">
-                <a:extLst>
-                  <a:ext uri="{FF2B5EF4-FFF2-40B4-BE49-F238E27FC236}">
-                    <a16:creationId xmlns:a16="http://schemas.microsoft.com/office/drawing/2014/main" id="{FF575F00-E503-45DE-A7C9-DD63C8E77B09}"/>
-                  </a:ext>
-                </a:extLst>
-              </p:cNvPr>
-              <p:cNvCxnSpPr>
-                <a:cxnSpLocks/>
-              </p:cNvCxnSpPr>
-              <p:nvPr/>
-            </p:nvCxnSpPr>
-            <p:spPr>
-              <a:xfrm>
-                <a:off x="2500603" y="3228392"/>
-                <a:ext cx="737120" cy="1035698"/>
-              </a:xfrm>
-              <a:prstGeom prst="line">
-                <a:avLst/>
-              </a:prstGeom>
-              <a:ln w="19050"/>
-            </p:spPr>
-            <p:style>
-              <a:lnRef idx="1">
-                <a:schemeClr val="accent1"/>
-              </a:lnRef>
-              <a:fillRef idx="0">
-                <a:schemeClr val="accent1"/>
-              </a:fillRef>
-              <a:effectRef idx="0">
-                <a:schemeClr val="accent1"/>
-              </a:effectRef>
-              <a:fontRef idx="minor">
-                <a:schemeClr val="tx1"/>
-              </a:fontRef>
-            </p:style>
-          </p:cxnSp>
-          <p:cxnSp>
-            <p:nvCxnSpPr>
-              <p:cNvPr id="38" name="Straight Connector 37">
-                <a:extLst>
-                  <a:ext uri="{FF2B5EF4-FFF2-40B4-BE49-F238E27FC236}">
-                    <a16:creationId xmlns:a16="http://schemas.microsoft.com/office/drawing/2014/main" id="{8F3FCAAA-08E2-44FD-BB37-2C6BB4D6B840}"/>
-                  </a:ext>
-                </a:extLst>
-              </p:cNvPr>
-              <p:cNvCxnSpPr>
-                <a:cxnSpLocks/>
-              </p:cNvCxnSpPr>
-              <p:nvPr/>
-            </p:nvCxnSpPr>
-            <p:spPr>
-              <a:xfrm>
-                <a:off x="1763484" y="2416623"/>
-                <a:ext cx="1474239" cy="0"/>
-              </a:xfrm>
-              <a:prstGeom prst="line">
-                <a:avLst/>
-              </a:prstGeom>
-              <a:ln w="19050"/>
-            </p:spPr>
-            <p:style>
-              <a:lnRef idx="1">
-                <a:schemeClr val="accent1"/>
-              </a:lnRef>
-              <a:fillRef idx="0">
-                <a:schemeClr val="accent1"/>
-              </a:fillRef>
-              <a:effectRef idx="0">
-                <a:schemeClr val="accent1"/>
-              </a:effectRef>
-              <a:fontRef idx="minor">
-                <a:schemeClr val="tx1"/>
-              </a:fontRef>
-            </p:style>
-          </p:cxnSp>
-        </p:grpSp>
-        <p:sp>
-          <p:nvSpPr>
-            <p:cNvPr id="33" name="TextBox 32">
-              <a:extLst>
-                <a:ext uri="{FF2B5EF4-FFF2-40B4-BE49-F238E27FC236}">
-                  <a16:creationId xmlns:a16="http://schemas.microsoft.com/office/drawing/2014/main" id="{3D8B18E2-9586-434F-B7F5-7F9C90238DC3}"/>
-                </a:ext>
-              </a:extLst>
-            </p:cNvPr>
-            <p:cNvSpPr txBox="1"/>
-            <p:nvPr/>
-          </p:nvSpPr>
-          <p:spPr>
-            <a:xfrm>
-              <a:off x="166889" y="4000598"/>
-              <a:ext cx="1064478" cy="276999"/>
-            </a:xfrm>
-            <a:prstGeom prst="rect">
-              <a:avLst/>
-            </a:prstGeom>
-            <a:noFill/>
-          </p:spPr>
-          <p:txBody>
-            <a:bodyPr wrap="square" rtlCol="0">
-              <a:spAutoFit/>
-            </a:bodyPr>
-            <a:lstStyle/>
-            <a:p>
-              <a:pPr algn="ctr"/>
-              <a:r>
-                <a:rPr lang="he-IL" sz="1200" dirty="0"/>
-                <a:t>עובדות</a:t>
-              </a:r>
-              <a:endParaRPr lang="en-US" dirty="0"/>
-            </a:p>
-          </p:txBody>
-        </p:sp>
-      </p:grpSp>
-      <p:grpSp>
-        <p:nvGrpSpPr>
-          <p:cNvPr id="39" name="Group 38">
-            <a:extLst>
-              <a:ext uri="{FF2B5EF4-FFF2-40B4-BE49-F238E27FC236}">
-                <a16:creationId xmlns:a16="http://schemas.microsoft.com/office/drawing/2014/main" id="{5C59D32F-B654-4489-8B99-59F5465E72FC}"/>
-              </a:ext>
-            </a:extLst>
-          </p:cNvPr>
-          <p:cNvGrpSpPr/>
-          <p:nvPr/>
-        </p:nvGrpSpPr>
-        <p:grpSpPr>
-          <a:xfrm>
-            <a:off x="11001320" y="4972121"/>
+            <a:off x="8819089" y="4407066"/>
             <a:ext cx="878757" cy="1551486"/>
             <a:chOff x="166889" y="2680448"/>
             <a:chExt cx="1064478" cy="1879385"/>
@@ -7733,294 +4035,6 @@
       </p:grpSp>
       <p:grpSp>
         <p:nvGrpSpPr>
-          <p:cNvPr id="47" name="Group 46">
-            <a:extLst>
-              <a:ext uri="{FF2B5EF4-FFF2-40B4-BE49-F238E27FC236}">
-                <a16:creationId xmlns:a16="http://schemas.microsoft.com/office/drawing/2014/main" id="{72F708DD-53B4-4C7E-B6FB-D73816112EEA}"/>
-              </a:ext>
-            </a:extLst>
-          </p:cNvPr>
-          <p:cNvGrpSpPr/>
-          <p:nvPr/>
-        </p:nvGrpSpPr>
-        <p:grpSpPr>
-          <a:xfrm>
-            <a:off x="11025676" y="3277009"/>
-            <a:ext cx="878757" cy="1318492"/>
-            <a:chOff x="166889" y="2680448"/>
-            <a:chExt cx="1064478" cy="1597149"/>
-          </a:xfrm>
-        </p:grpSpPr>
-        <p:grpSp>
-          <p:nvGrpSpPr>
-            <p:cNvPr id="48" name="Group 47">
-              <a:extLst>
-                <a:ext uri="{FF2B5EF4-FFF2-40B4-BE49-F238E27FC236}">
-                  <a16:creationId xmlns:a16="http://schemas.microsoft.com/office/drawing/2014/main" id="{BC38161D-D6F9-4D94-9722-90ECCA056B6F}"/>
-                </a:ext>
-              </a:extLst>
-            </p:cNvPr>
-            <p:cNvGrpSpPr/>
-            <p:nvPr/>
-          </p:nvGrpSpPr>
-          <p:grpSpPr>
-            <a:xfrm>
-              <a:off x="401999" y="2680448"/>
-              <a:ext cx="594257" cy="1320150"/>
-              <a:chOff x="1763484" y="989045"/>
-              <a:chExt cx="1474239" cy="3275045"/>
-            </a:xfrm>
-          </p:grpSpPr>
-          <p:sp>
-            <p:nvSpPr>
-              <p:cNvPr id="50" name="Oval 49">
-                <a:extLst>
-                  <a:ext uri="{FF2B5EF4-FFF2-40B4-BE49-F238E27FC236}">
-                    <a16:creationId xmlns:a16="http://schemas.microsoft.com/office/drawing/2014/main" id="{0A9C2BD1-BB27-4624-8518-2B0CC4B9A16F}"/>
-                  </a:ext>
-                </a:extLst>
-              </p:cNvPr>
-              <p:cNvSpPr/>
-              <p:nvPr/>
-            </p:nvSpPr>
-            <p:spPr>
-              <a:xfrm>
-                <a:off x="2034074" y="989045"/>
-                <a:ext cx="933061" cy="933061"/>
-              </a:xfrm>
-              <a:prstGeom prst="ellipse">
-                <a:avLst/>
-              </a:prstGeom>
-              <a:noFill/>
-              <a:ln w="19050"/>
-            </p:spPr>
-            <p:style>
-              <a:lnRef idx="2">
-                <a:schemeClr val="accent1">
-                  <a:shade val="50000"/>
-                </a:schemeClr>
-              </a:lnRef>
-              <a:fillRef idx="1">
-                <a:schemeClr val="accent1"/>
-              </a:fillRef>
-              <a:effectRef idx="0">
-                <a:schemeClr val="accent1"/>
-              </a:effectRef>
-              <a:fontRef idx="minor">
-                <a:schemeClr val="lt1"/>
-              </a:fontRef>
-            </p:style>
-            <p:txBody>
-              <a:bodyPr rtlCol="0" anchor="ctr"/>
-              <a:lstStyle/>
-              <a:p>
-                <a:pPr algn="ctr"/>
-                <a:endParaRPr lang="en-US">
-                  <a:solidFill>
-                    <a:schemeClr val="tx1"/>
-                  </a:solidFill>
-                </a:endParaRPr>
-              </a:p>
-            </p:txBody>
-          </p:sp>
-          <p:cxnSp>
-            <p:nvCxnSpPr>
-              <p:cNvPr id="51" name="Straight Connector 50">
-                <a:extLst>
-                  <a:ext uri="{FF2B5EF4-FFF2-40B4-BE49-F238E27FC236}">
-                    <a16:creationId xmlns:a16="http://schemas.microsoft.com/office/drawing/2014/main" id="{4062D858-9B52-4321-BDEC-F11A6B1D03E9}"/>
-                  </a:ext>
-                </a:extLst>
-              </p:cNvPr>
-              <p:cNvCxnSpPr>
-                <a:cxnSpLocks/>
-                <a:stCxn id="50" idx="4"/>
-              </p:cNvCxnSpPr>
-              <p:nvPr/>
-            </p:nvCxnSpPr>
-            <p:spPr>
-              <a:xfrm>
-                <a:off x="2500605" y="1922106"/>
-                <a:ext cx="0" cy="1306286"/>
-              </a:xfrm>
-              <a:prstGeom prst="line">
-                <a:avLst/>
-              </a:prstGeom>
-              <a:ln w="19050"/>
-            </p:spPr>
-            <p:style>
-              <a:lnRef idx="1">
-                <a:schemeClr val="accent1"/>
-              </a:lnRef>
-              <a:fillRef idx="0">
-                <a:schemeClr val="accent1"/>
-              </a:fillRef>
-              <a:effectRef idx="0">
-                <a:schemeClr val="accent1"/>
-              </a:effectRef>
-              <a:fontRef idx="minor">
-                <a:schemeClr val="tx1"/>
-              </a:fontRef>
-            </p:style>
-          </p:cxnSp>
-          <p:cxnSp>
-            <p:nvCxnSpPr>
-              <p:cNvPr id="52" name="Straight Connector 51">
-                <a:extLst>
-                  <a:ext uri="{FF2B5EF4-FFF2-40B4-BE49-F238E27FC236}">
-                    <a16:creationId xmlns:a16="http://schemas.microsoft.com/office/drawing/2014/main" id="{3DC6450F-5324-4394-AA3A-B4372D145CC5}"/>
-                  </a:ext>
-                </a:extLst>
-              </p:cNvPr>
-              <p:cNvCxnSpPr>
-                <a:cxnSpLocks/>
-              </p:cNvCxnSpPr>
-              <p:nvPr/>
-            </p:nvCxnSpPr>
-            <p:spPr>
-              <a:xfrm flipH="1">
-                <a:off x="1763485" y="3228392"/>
-                <a:ext cx="737118" cy="1035698"/>
-              </a:xfrm>
-              <a:prstGeom prst="line">
-                <a:avLst/>
-              </a:prstGeom>
-              <a:ln w="19050"/>
-            </p:spPr>
-            <p:style>
-              <a:lnRef idx="1">
-                <a:schemeClr val="accent1"/>
-              </a:lnRef>
-              <a:fillRef idx="0">
-                <a:schemeClr val="accent1"/>
-              </a:fillRef>
-              <a:effectRef idx="0">
-                <a:schemeClr val="accent1"/>
-              </a:effectRef>
-              <a:fontRef idx="minor">
-                <a:schemeClr val="tx1"/>
-              </a:fontRef>
-            </p:style>
-          </p:cxnSp>
-          <p:cxnSp>
-            <p:nvCxnSpPr>
-              <p:cNvPr id="53" name="Straight Connector 52">
-                <a:extLst>
-                  <a:ext uri="{FF2B5EF4-FFF2-40B4-BE49-F238E27FC236}">
-                    <a16:creationId xmlns:a16="http://schemas.microsoft.com/office/drawing/2014/main" id="{6B491ED4-40B0-4E9E-8E60-A31C9543D935}"/>
-                  </a:ext>
-                </a:extLst>
-              </p:cNvPr>
-              <p:cNvCxnSpPr>
-                <a:cxnSpLocks/>
-              </p:cNvCxnSpPr>
-              <p:nvPr/>
-            </p:nvCxnSpPr>
-            <p:spPr>
-              <a:xfrm>
-                <a:off x="2500603" y="3228392"/>
-                <a:ext cx="737120" cy="1035698"/>
-              </a:xfrm>
-              <a:prstGeom prst="line">
-                <a:avLst/>
-              </a:prstGeom>
-              <a:ln w="19050"/>
-            </p:spPr>
-            <p:style>
-              <a:lnRef idx="1">
-                <a:schemeClr val="accent1"/>
-              </a:lnRef>
-              <a:fillRef idx="0">
-                <a:schemeClr val="accent1"/>
-              </a:fillRef>
-              <a:effectRef idx="0">
-                <a:schemeClr val="accent1"/>
-              </a:effectRef>
-              <a:fontRef idx="minor">
-                <a:schemeClr val="tx1"/>
-              </a:fontRef>
-            </p:style>
-          </p:cxnSp>
-          <p:cxnSp>
-            <p:nvCxnSpPr>
-              <p:cNvPr id="54" name="Straight Connector 53">
-                <a:extLst>
-                  <a:ext uri="{FF2B5EF4-FFF2-40B4-BE49-F238E27FC236}">
-                    <a16:creationId xmlns:a16="http://schemas.microsoft.com/office/drawing/2014/main" id="{293CF1C2-1B57-406C-A6BD-697F88F6B76E}"/>
-                  </a:ext>
-                </a:extLst>
-              </p:cNvPr>
-              <p:cNvCxnSpPr>
-                <a:cxnSpLocks/>
-              </p:cNvCxnSpPr>
-              <p:nvPr/>
-            </p:nvCxnSpPr>
-            <p:spPr>
-              <a:xfrm>
-                <a:off x="1763484" y="2416623"/>
-                <a:ext cx="1474239" cy="0"/>
-              </a:xfrm>
-              <a:prstGeom prst="line">
-                <a:avLst/>
-              </a:prstGeom>
-              <a:ln w="19050"/>
-            </p:spPr>
-            <p:style>
-              <a:lnRef idx="1">
-                <a:schemeClr val="accent1"/>
-              </a:lnRef>
-              <a:fillRef idx="0">
-                <a:schemeClr val="accent1"/>
-              </a:fillRef>
-              <a:effectRef idx="0">
-                <a:schemeClr val="accent1"/>
-              </a:effectRef>
-              <a:fontRef idx="minor">
-                <a:schemeClr val="tx1"/>
-              </a:fontRef>
-            </p:style>
-          </p:cxnSp>
-        </p:grpSp>
-        <p:sp>
-          <p:nvSpPr>
-            <p:cNvPr id="49" name="TextBox 48">
-              <a:extLst>
-                <a:ext uri="{FF2B5EF4-FFF2-40B4-BE49-F238E27FC236}">
-                  <a16:creationId xmlns:a16="http://schemas.microsoft.com/office/drawing/2014/main" id="{F38656AF-A7C7-4A59-96CD-68C5033B6794}"/>
-                </a:ext>
-              </a:extLst>
-            </p:cNvPr>
-            <p:cNvSpPr txBox="1"/>
-            <p:nvPr/>
-          </p:nvSpPr>
-          <p:spPr>
-            <a:xfrm>
-              <a:off x="166889" y="4000598"/>
-              <a:ext cx="1064478" cy="276999"/>
-            </a:xfrm>
-            <a:prstGeom prst="rect">
-              <a:avLst/>
-            </a:prstGeom>
-            <a:noFill/>
-          </p:spPr>
-          <p:txBody>
-            <a:bodyPr wrap="square" rtlCol="0">
-              <a:spAutoFit/>
-            </a:bodyPr>
-            <a:lstStyle/>
-            <a:p>
-              <a:pPr algn="ctr"/>
-              <a:r>
-                <a:rPr lang="he-IL" sz="1200" dirty="0"/>
-                <a:t>רובוט</a:t>
-              </a:r>
-              <a:endParaRPr lang="en-US" dirty="0"/>
-            </a:p>
-          </p:txBody>
-        </p:sp>
-      </p:grpSp>
-      <p:grpSp>
-        <p:nvGrpSpPr>
           <p:cNvPr id="55" name="Group 54">
             <a:extLst>
               <a:ext uri="{FF2B5EF4-FFF2-40B4-BE49-F238E27FC236}">
@@ -8343,171 +4357,6 @@
       </p:sp>
       <p:sp>
         <p:nvSpPr>
-          <p:cNvPr id="65" name="Oval 64">
-            <a:extLst>
-              <a:ext uri="{FF2B5EF4-FFF2-40B4-BE49-F238E27FC236}">
-                <a16:creationId xmlns:a16="http://schemas.microsoft.com/office/drawing/2014/main" id="{04E67804-07B9-4AD9-B183-A2401C17C76B}"/>
-              </a:ext>
-            </a:extLst>
-          </p:cNvPr>
-          <p:cNvSpPr/>
-          <p:nvPr/>
-        </p:nvSpPr>
-        <p:spPr>
-          <a:xfrm>
-            <a:off x="3506132" y="2093724"/>
-            <a:ext cx="1760527" cy="485809"/>
-          </a:xfrm>
-          <a:prstGeom prst="ellipse">
-            <a:avLst/>
-          </a:prstGeom>
-        </p:spPr>
-        <p:style>
-          <a:lnRef idx="2">
-            <a:schemeClr val="accent1">
-              <a:shade val="50000"/>
-            </a:schemeClr>
-          </a:lnRef>
-          <a:fillRef idx="1">
-            <a:schemeClr val="accent1"/>
-          </a:fillRef>
-          <a:effectRef idx="0">
-            <a:schemeClr val="accent1"/>
-          </a:effectRef>
-          <a:fontRef idx="minor">
-            <a:schemeClr val="lt1"/>
-          </a:fontRef>
-        </p:style>
-        <p:txBody>
-          <a:bodyPr rot="0" spcFirstLastPara="0" vertOverflow="overflow" horzOverflow="overflow" vert="horz" wrap="square" lIns="91440" tIns="45720" rIns="91440" bIns="45720" numCol="1" spcCol="0" rtlCol="0" fromWordArt="0" anchor="ctr" anchorCtr="0" forceAA="0" compatLnSpc="1">
-            <a:prstTxWarp prst="textNoShape">
-              <a:avLst/>
-            </a:prstTxWarp>
-            <a:noAutofit/>
-          </a:bodyPr>
-          <a:lstStyle/>
-          <a:p>
-            <a:pPr algn="ctr"/>
-            <a:r>
-              <a:rPr lang="he-IL" sz="1200" dirty="0"/>
-              <a:t>הזדהות במערכת</a:t>
-            </a:r>
-            <a:endParaRPr lang="en-US" sz="1200" dirty="0"/>
-          </a:p>
-        </p:txBody>
-      </p:sp>
-      <p:sp>
-        <p:nvSpPr>
-          <p:cNvPr id="66" name="Oval 65">
-            <a:extLst>
-              <a:ext uri="{FF2B5EF4-FFF2-40B4-BE49-F238E27FC236}">
-                <a16:creationId xmlns:a16="http://schemas.microsoft.com/office/drawing/2014/main" id="{BD5BB4E4-1C1F-4DBA-9617-2B2AB2D078A1}"/>
-              </a:ext>
-            </a:extLst>
-          </p:cNvPr>
-          <p:cNvSpPr/>
-          <p:nvPr/>
-        </p:nvSpPr>
-        <p:spPr>
-          <a:xfrm>
-            <a:off x="3506132" y="2648358"/>
-            <a:ext cx="1760527" cy="485809"/>
-          </a:xfrm>
-          <a:prstGeom prst="ellipse">
-            <a:avLst/>
-          </a:prstGeom>
-        </p:spPr>
-        <p:style>
-          <a:lnRef idx="2">
-            <a:schemeClr val="accent1">
-              <a:shade val="50000"/>
-            </a:schemeClr>
-          </a:lnRef>
-          <a:fillRef idx="1">
-            <a:schemeClr val="accent1"/>
-          </a:fillRef>
-          <a:effectRef idx="0">
-            <a:schemeClr val="accent1"/>
-          </a:effectRef>
-          <a:fontRef idx="minor">
-            <a:schemeClr val="lt1"/>
-          </a:fontRef>
-        </p:style>
-        <p:txBody>
-          <a:bodyPr rot="0" spcFirstLastPara="0" vertOverflow="overflow" horzOverflow="overflow" vert="horz" wrap="square" lIns="91440" tIns="45720" rIns="91440" bIns="45720" numCol="1" spcCol="0" rtlCol="0" fromWordArt="0" anchor="ctr" anchorCtr="0" forceAA="0" compatLnSpc="1">
-            <a:prstTxWarp prst="textNoShape">
-              <a:avLst/>
-            </a:prstTxWarp>
-            <a:noAutofit/>
-          </a:bodyPr>
-          <a:lstStyle/>
-          <a:p>
-            <a:pPr algn="ctr"/>
-            <a:r>
-              <a:rPr lang="he-IL" sz="1200" dirty="0"/>
-              <a:t>הזמנת שירותי חניה</a:t>
-            </a:r>
-            <a:endParaRPr lang="en-US" sz="1200" dirty="0"/>
-          </a:p>
-        </p:txBody>
-      </p:sp>
-      <p:sp>
-        <p:nvSpPr>
-          <p:cNvPr id="67" name="Oval 66">
-            <a:extLst>
-              <a:ext uri="{FF2B5EF4-FFF2-40B4-BE49-F238E27FC236}">
-                <a16:creationId xmlns:a16="http://schemas.microsoft.com/office/drawing/2014/main" id="{3D4DBC2E-F59D-49A0-8B4B-38264449B254}"/>
-              </a:ext>
-            </a:extLst>
-          </p:cNvPr>
-          <p:cNvSpPr/>
-          <p:nvPr/>
-        </p:nvSpPr>
-        <p:spPr>
-          <a:xfrm>
-            <a:off x="3506132" y="3214385"/>
-            <a:ext cx="1760527" cy="485809"/>
-          </a:xfrm>
-          <a:prstGeom prst="ellipse">
-            <a:avLst/>
-          </a:prstGeom>
-        </p:spPr>
-        <p:style>
-          <a:lnRef idx="2">
-            <a:schemeClr val="accent1">
-              <a:shade val="50000"/>
-            </a:schemeClr>
-          </a:lnRef>
-          <a:fillRef idx="1">
-            <a:schemeClr val="accent1"/>
-          </a:fillRef>
-          <a:effectRef idx="0">
-            <a:schemeClr val="accent1"/>
-          </a:effectRef>
-          <a:fontRef idx="minor">
-            <a:schemeClr val="lt1"/>
-          </a:fontRef>
-        </p:style>
-        <p:txBody>
-          <a:bodyPr rot="0" spcFirstLastPara="0" vertOverflow="overflow" horzOverflow="overflow" vert="horz" wrap="square" lIns="91440" tIns="45720" rIns="91440" bIns="45720" numCol="1" spcCol="0" rtlCol="0" fromWordArt="0" anchor="ctr" anchorCtr="0" forceAA="0" compatLnSpc="1">
-            <a:prstTxWarp prst="textNoShape">
-              <a:avLst/>
-            </a:prstTxWarp>
-            <a:noAutofit/>
-          </a:bodyPr>
-          <a:lstStyle/>
-          <a:p>
-            <a:pPr algn="ctr"/>
-            <a:r>
-              <a:rPr lang="he-IL" sz="1200" dirty="0"/>
-              <a:t>מעקב על מצב בקשה</a:t>
-            </a:r>
-            <a:endParaRPr lang="en-US" sz="1200" dirty="0"/>
-          </a:p>
-        </p:txBody>
-      </p:sp>
-      <p:sp>
-        <p:nvSpPr>
           <p:cNvPr id="68" name="Oval 67">
             <a:extLst>
               <a:ext uri="{FF2B5EF4-FFF2-40B4-BE49-F238E27FC236}">
@@ -8563,10 +4412,10 @@
       </p:sp>
       <p:sp>
         <p:nvSpPr>
-          <p:cNvPr id="69" name="Oval 68">
-            <a:extLst>
-              <a:ext uri="{FF2B5EF4-FFF2-40B4-BE49-F238E27FC236}">
-                <a16:creationId xmlns:a16="http://schemas.microsoft.com/office/drawing/2014/main" id="{D94EFC10-D0C9-4F84-AC45-DE1C0C713A9F}"/>
+          <p:cNvPr id="71" name="Oval 70">
+            <a:extLst>
+              <a:ext uri="{FF2B5EF4-FFF2-40B4-BE49-F238E27FC236}">
+                <a16:creationId xmlns:a16="http://schemas.microsoft.com/office/drawing/2014/main" id="{8DEF2398-5DAC-485D-B227-AFEF41504217}"/>
               </a:ext>
             </a:extLst>
           </p:cNvPr>
@@ -8575,7 +4424,7 @@
         </p:nvSpPr>
         <p:spPr>
           <a:xfrm>
-            <a:off x="3506132" y="1516575"/>
+            <a:off x="6032790" y="2431189"/>
             <a:ext cx="1760527" cy="485809"/>
           </a:xfrm>
           <a:prstGeom prst="ellipse">
@@ -8610,7 +4459,7 @@
             <a:pPr algn="ctr"/>
             <a:r>
               <a:rPr lang="he-IL" sz="1200" dirty="0"/>
-              <a:t>הרשמה ראשונית</a:t>
+              <a:t>שינוע רכבים</a:t>
             </a:r>
             <a:endParaRPr lang="en-US" sz="1200" dirty="0"/>
           </a:p>
@@ -8618,10 +4467,10 @@
       </p:sp>
       <p:sp>
         <p:nvSpPr>
-          <p:cNvPr id="70" name="Oval 69">
-            <a:extLst>
-              <a:ext uri="{FF2B5EF4-FFF2-40B4-BE49-F238E27FC236}">
-                <a16:creationId xmlns:a16="http://schemas.microsoft.com/office/drawing/2014/main" id="{719E63A9-14C4-4C40-95F5-F897AC88BCE1}"/>
+          <p:cNvPr id="74" name="Oval 73">
+            <a:extLst>
+              <a:ext uri="{FF2B5EF4-FFF2-40B4-BE49-F238E27FC236}">
+                <a16:creationId xmlns:a16="http://schemas.microsoft.com/office/drawing/2014/main" id="{B216B5FE-CDB6-46DE-9BC7-69B69B6704E0}"/>
               </a:ext>
             </a:extLst>
           </p:cNvPr>
@@ -8630,7 +4479,61 @@
         </p:nvSpPr>
         <p:spPr>
           <a:xfrm>
-            <a:off x="8404269" y="3881021"/>
+            <a:off x="5848793" y="4678504"/>
+            <a:ext cx="1760527" cy="785186"/>
+          </a:xfrm>
+          <a:prstGeom prst="ellipse">
+            <a:avLst/>
+          </a:prstGeom>
+        </p:spPr>
+        <p:style>
+          <a:lnRef idx="2">
+            <a:schemeClr val="accent1">
+              <a:shade val="50000"/>
+            </a:schemeClr>
+          </a:lnRef>
+          <a:fillRef idx="1">
+            <a:schemeClr val="accent1"/>
+          </a:fillRef>
+          <a:effectRef idx="0">
+            <a:schemeClr val="accent1"/>
+          </a:effectRef>
+          <a:fontRef idx="minor">
+            <a:schemeClr val="lt1"/>
+          </a:fontRef>
+        </p:style>
+        <p:txBody>
+          <a:bodyPr rot="0" spcFirstLastPara="0" vertOverflow="overflow" horzOverflow="overflow" vert="horz" wrap="square" lIns="91440" tIns="45720" rIns="91440" bIns="45720" numCol="1" spcCol="0" rtlCol="0" fromWordArt="0" anchor="ctr" anchorCtr="0" forceAA="0" compatLnSpc="1">
+            <a:prstTxWarp prst="textNoShape">
+              <a:avLst/>
+            </a:prstTxWarp>
+            <a:noAutofit/>
+          </a:bodyPr>
+          <a:lstStyle/>
+          <a:p>
+            <a:pPr algn="ctr"/>
+            <a:r>
+              <a:rPr lang="he-IL" sz="1200" dirty="0"/>
+              <a:t>קבלת תמונת מצב עדכנית של החניונים</a:t>
+            </a:r>
+          </a:p>
+        </p:txBody>
+      </p:sp>
+      <p:sp>
+        <p:nvSpPr>
+          <p:cNvPr id="76" name="Oval 75">
+            <a:extLst>
+              <a:ext uri="{FF2B5EF4-FFF2-40B4-BE49-F238E27FC236}">
+                <a16:creationId xmlns:a16="http://schemas.microsoft.com/office/drawing/2014/main" id="{EC14C2BD-668A-4775-A88C-0AA62330FF0E}"/>
+              </a:ext>
+            </a:extLst>
+          </p:cNvPr>
+          <p:cNvSpPr/>
+          <p:nvPr/>
+        </p:nvSpPr>
+        <p:spPr>
+          <a:xfrm>
+            <a:off x="3506131" y="2433490"/>
             <a:ext cx="1760527" cy="485809"/>
           </a:xfrm>
           <a:prstGeom prst="ellipse">
@@ -8665,18 +4568,224 @@
             <a:pPr algn="ctr"/>
             <a:r>
               <a:rPr lang="he-IL" sz="1200" dirty="0"/>
-              <a:t>קבלת נתוני מיקום</a:t>
+              <a:t>חנית הרכב</a:t>
             </a:r>
             <a:endParaRPr lang="en-US" sz="1200" dirty="0"/>
           </a:p>
         </p:txBody>
       </p:sp>
-      <p:sp>
-        <p:nvSpPr>
-          <p:cNvPr id="71" name="Oval 70">
-            <a:extLst>
-              <a:ext uri="{FF2B5EF4-FFF2-40B4-BE49-F238E27FC236}">
-                <a16:creationId xmlns:a16="http://schemas.microsoft.com/office/drawing/2014/main" id="{8DEF2398-5DAC-485D-B227-AFEF41504217}"/>
+      <p:cxnSp>
+        <p:nvCxnSpPr>
+          <p:cNvPr id="3" name="Straight Arrow Connector 2">
+            <a:extLst>
+              <a:ext uri="{FF2B5EF4-FFF2-40B4-BE49-F238E27FC236}">
+                <a16:creationId xmlns:a16="http://schemas.microsoft.com/office/drawing/2014/main" id="{AD6C4C37-7E09-4350-B328-69E6F08C431E}"/>
+              </a:ext>
+            </a:extLst>
+          </p:cNvPr>
+          <p:cNvCxnSpPr>
+            <a:cxnSpLocks/>
+            <a:endCxn id="76" idx="2"/>
+          </p:cNvCxnSpPr>
+          <p:nvPr/>
+        </p:nvCxnSpPr>
+        <p:spPr>
+          <a:xfrm>
+            <a:off x="1097225" y="2445698"/>
+            <a:ext cx="2408906" cy="230697"/>
+          </a:xfrm>
+          <a:prstGeom prst="straightConnector1">
+            <a:avLst/>
+          </a:prstGeom>
+          <a:ln>
+            <a:tailEnd type="triangle"/>
+          </a:ln>
+        </p:spPr>
+        <p:style>
+          <a:lnRef idx="1">
+            <a:schemeClr val="accent1"/>
+          </a:lnRef>
+          <a:fillRef idx="0">
+            <a:schemeClr val="accent1"/>
+          </a:fillRef>
+          <a:effectRef idx="0">
+            <a:schemeClr val="accent1"/>
+          </a:effectRef>
+          <a:fontRef idx="minor">
+            <a:schemeClr val="tx1"/>
+          </a:fontRef>
+        </p:style>
+      </p:cxnSp>
+      <p:cxnSp>
+        <p:nvCxnSpPr>
+          <p:cNvPr id="78" name="Straight Arrow Connector 77">
+            <a:extLst>
+              <a:ext uri="{FF2B5EF4-FFF2-40B4-BE49-F238E27FC236}">
+                <a16:creationId xmlns:a16="http://schemas.microsoft.com/office/drawing/2014/main" id="{0CBEC9D5-1D32-4635-9484-ACD568DA393E}"/>
+              </a:ext>
+            </a:extLst>
+          </p:cNvPr>
+          <p:cNvCxnSpPr>
+            <a:cxnSpLocks/>
+            <a:endCxn id="68" idx="2"/>
+          </p:cNvCxnSpPr>
+          <p:nvPr/>
+        </p:nvCxnSpPr>
+        <p:spPr>
+          <a:xfrm>
+            <a:off x="1098251" y="2701317"/>
+            <a:ext cx="2407880" cy="1328823"/>
+          </a:xfrm>
+          <a:prstGeom prst="straightConnector1">
+            <a:avLst/>
+          </a:prstGeom>
+          <a:ln>
+            <a:tailEnd type="triangle"/>
+          </a:ln>
+        </p:spPr>
+        <p:style>
+          <a:lnRef idx="1">
+            <a:schemeClr val="accent1"/>
+          </a:lnRef>
+          <a:fillRef idx="0">
+            <a:schemeClr val="accent1"/>
+          </a:fillRef>
+          <a:effectRef idx="0">
+            <a:schemeClr val="accent1"/>
+          </a:effectRef>
+          <a:fontRef idx="minor">
+            <a:schemeClr val="tx1"/>
+          </a:fontRef>
+        </p:style>
+      </p:cxnSp>
+      <p:cxnSp>
+        <p:nvCxnSpPr>
+          <p:cNvPr id="19" name="Straight Connector 18">
+            <a:extLst>
+              <a:ext uri="{FF2B5EF4-FFF2-40B4-BE49-F238E27FC236}">
+                <a16:creationId xmlns:a16="http://schemas.microsoft.com/office/drawing/2014/main" id="{43AE7F43-9EB4-4AB3-A670-DCFAC628E01B}"/>
+              </a:ext>
+            </a:extLst>
+          </p:cNvPr>
+          <p:cNvCxnSpPr>
+            <a:endCxn id="68" idx="2"/>
+          </p:cNvCxnSpPr>
+          <p:nvPr/>
+        </p:nvCxnSpPr>
+        <p:spPr>
+          <a:xfrm flipV="1">
+            <a:off x="2068945" y="4030140"/>
+            <a:ext cx="1437186" cy="1687158"/>
+          </a:xfrm>
+          <a:prstGeom prst="line">
+            <a:avLst/>
+          </a:prstGeom>
+        </p:spPr>
+        <p:style>
+          <a:lnRef idx="1">
+            <a:schemeClr val="accent1"/>
+          </a:lnRef>
+          <a:fillRef idx="0">
+            <a:schemeClr val="accent1"/>
+          </a:fillRef>
+          <a:effectRef idx="0">
+            <a:schemeClr val="accent1"/>
+          </a:effectRef>
+          <a:fontRef idx="minor">
+            <a:schemeClr val="tx1"/>
+          </a:fontRef>
+        </p:style>
+      </p:cxnSp>
+      <p:cxnSp>
+        <p:nvCxnSpPr>
+          <p:cNvPr id="21" name="Straight Connector 20">
+            <a:extLst>
+              <a:ext uri="{FF2B5EF4-FFF2-40B4-BE49-F238E27FC236}">
+                <a16:creationId xmlns:a16="http://schemas.microsoft.com/office/drawing/2014/main" id="{0D61D19C-8E60-457A-B8BC-5FE1619D9075}"/>
+              </a:ext>
+            </a:extLst>
+          </p:cNvPr>
+          <p:cNvCxnSpPr>
+            <a:stCxn id="76" idx="6"/>
+            <a:endCxn id="71" idx="2"/>
+          </p:cNvCxnSpPr>
+          <p:nvPr/>
+        </p:nvCxnSpPr>
+        <p:spPr>
+          <a:xfrm flipV="1">
+            <a:off x="5266658" y="2674094"/>
+            <a:ext cx="766132" cy="2301"/>
+          </a:xfrm>
+          <a:prstGeom prst="line">
+            <a:avLst/>
+          </a:prstGeom>
+          <a:ln>
+            <a:prstDash val="dash"/>
+          </a:ln>
+        </p:spPr>
+        <p:style>
+          <a:lnRef idx="1">
+            <a:schemeClr val="accent1"/>
+          </a:lnRef>
+          <a:fillRef idx="0">
+            <a:schemeClr val="accent1"/>
+          </a:fillRef>
+          <a:effectRef idx="0">
+            <a:schemeClr val="accent1"/>
+          </a:effectRef>
+          <a:fontRef idx="minor">
+            <a:schemeClr val="tx1"/>
+          </a:fontRef>
+        </p:style>
+      </p:cxnSp>
+      <p:cxnSp>
+        <p:nvCxnSpPr>
+          <p:cNvPr id="84" name="Straight Arrow Connector 83">
+            <a:extLst>
+              <a:ext uri="{FF2B5EF4-FFF2-40B4-BE49-F238E27FC236}">
+                <a16:creationId xmlns:a16="http://schemas.microsoft.com/office/drawing/2014/main" id="{44DC01CF-4C9A-44AA-9B06-AA7079CFE106}"/>
+              </a:ext>
+            </a:extLst>
+          </p:cNvPr>
+          <p:cNvCxnSpPr>
+            <a:cxnSpLocks/>
+            <a:endCxn id="74" idx="6"/>
+          </p:cNvCxnSpPr>
+          <p:nvPr/>
+        </p:nvCxnSpPr>
+        <p:spPr>
+          <a:xfrm flipH="1">
+            <a:off x="7609320" y="5071097"/>
+            <a:ext cx="1261248" cy="0"/>
+          </a:xfrm>
+          <a:prstGeom prst="straightConnector1">
+            <a:avLst/>
+          </a:prstGeom>
+          <a:ln>
+            <a:tailEnd type="triangle"/>
+          </a:ln>
+        </p:spPr>
+        <p:style>
+          <a:lnRef idx="1">
+            <a:schemeClr val="accent1"/>
+          </a:lnRef>
+          <a:fillRef idx="0">
+            <a:schemeClr val="accent1"/>
+          </a:fillRef>
+          <a:effectRef idx="0">
+            <a:schemeClr val="accent1"/>
+          </a:effectRef>
+          <a:fontRef idx="minor">
+            <a:schemeClr val="tx1"/>
+          </a:fontRef>
+        </p:style>
+      </p:cxnSp>
+      <p:sp>
+        <p:nvSpPr>
+          <p:cNvPr id="47" name="Oval 46">
+            <a:extLst>
+              <a:ext uri="{FF2B5EF4-FFF2-40B4-BE49-F238E27FC236}">
+                <a16:creationId xmlns:a16="http://schemas.microsoft.com/office/drawing/2014/main" id="{66A2CD7A-14C8-4D08-BD2B-9770936AC6BE}"/>
               </a:ext>
             </a:extLst>
           </p:cNvPr>
@@ -8685,7 +4794,7 @@
         </p:nvSpPr>
         <p:spPr>
           <a:xfrm>
-            <a:off x="8418350" y="3320715"/>
+            <a:off x="3506131" y="1759321"/>
             <a:ext cx="1760527" cy="485809"/>
           </a:xfrm>
           <a:prstGeom prst="ellipse">
@@ -8720,7 +4829,7 @@
             <a:pPr algn="ctr"/>
             <a:r>
               <a:rPr lang="he-IL" sz="1200" dirty="0"/>
-              <a:t>שינוע רכבים</a:t>
+              <a:t>הזמנת שירותי חניה</a:t>
             </a:r>
             <a:endParaRPr lang="en-US" sz="1200" dirty="0"/>
           </a:p>
@@ -8728,10 +4837,10 @@
       </p:sp>
       <p:sp>
         <p:nvSpPr>
-          <p:cNvPr id="72" name="Oval 71">
-            <a:extLst>
-              <a:ext uri="{FF2B5EF4-FFF2-40B4-BE49-F238E27FC236}">
-                <a16:creationId xmlns:a16="http://schemas.microsoft.com/office/drawing/2014/main" id="{A25A6F8B-B0CE-45B2-B215-1F3F87496A9D}"/>
+          <p:cNvPr id="48" name="Oval 47">
+            <a:extLst>
+              <a:ext uri="{FF2B5EF4-FFF2-40B4-BE49-F238E27FC236}">
+                <a16:creationId xmlns:a16="http://schemas.microsoft.com/office/drawing/2014/main" id="{39DC7561-AD1E-4A54-B826-E6615F3A311A}"/>
               </a:ext>
             </a:extLst>
           </p:cNvPr>
@@ -8740,7 +4849,7 @@
         </p:nvSpPr>
         <p:spPr>
           <a:xfrm>
-            <a:off x="3506132" y="4352596"/>
+            <a:off x="3506131" y="3110362"/>
             <a:ext cx="1760527" cy="485809"/>
           </a:xfrm>
           <a:prstGeom prst="ellipse">
@@ -8775,18 +4884,190 @@
             <a:pPr algn="ctr"/>
             <a:r>
               <a:rPr lang="he-IL" sz="1200" dirty="0"/>
-              <a:t>תשלום</a:t>
+              <a:t>מעקב על מצב בקשה</a:t>
             </a:r>
             <a:endParaRPr lang="en-US" sz="1200" dirty="0"/>
           </a:p>
         </p:txBody>
       </p:sp>
-      <p:sp>
-        <p:nvSpPr>
-          <p:cNvPr id="73" name="Oval 72">
-            <a:extLst>
-              <a:ext uri="{FF2B5EF4-FFF2-40B4-BE49-F238E27FC236}">
-                <a16:creationId xmlns:a16="http://schemas.microsoft.com/office/drawing/2014/main" id="{2A69E09E-2B6D-4BD9-933C-91F67986B3B8}"/>
+      <p:cxnSp>
+        <p:nvCxnSpPr>
+          <p:cNvPr id="79" name="Straight Connector 78">
+            <a:extLst>
+              <a:ext uri="{FF2B5EF4-FFF2-40B4-BE49-F238E27FC236}">
+                <a16:creationId xmlns:a16="http://schemas.microsoft.com/office/drawing/2014/main" id="{D7E44C15-8698-4C17-8C80-226F68A4FB7C}"/>
+              </a:ext>
+            </a:extLst>
+          </p:cNvPr>
+          <p:cNvCxnSpPr>
+            <a:cxnSpLocks/>
+            <a:endCxn id="71" idx="6"/>
+          </p:cNvCxnSpPr>
+          <p:nvPr/>
+        </p:nvCxnSpPr>
+        <p:spPr>
+          <a:xfrm flipH="1">
+            <a:off x="7793317" y="2674094"/>
+            <a:ext cx="981843" cy="0"/>
+          </a:xfrm>
+          <a:prstGeom prst="line">
+            <a:avLst/>
+          </a:prstGeom>
+        </p:spPr>
+        <p:style>
+          <a:lnRef idx="1">
+            <a:schemeClr val="accent1"/>
+          </a:lnRef>
+          <a:fillRef idx="0">
+            <a:schemeClr val="accent1"/>
+          </a:fillRef>
+          <a:effectRef idx="0">
+            <a:schemeClr val="accent1"/>
+          </a:effectRef>
+          <a:fontRef idx="minor">
+            <a:schemeClr val="tx1"/>
+          </a:fontRef>
+        </p:style>
+      </p:cxnSp>
+      <p:sp>
+        <p:nvSpPr>
+          <p:cNvPr id="49" name="TextBox 48">
+            <a:extLst>
+              <a:ext uri="{FF2B5EF4-FFF2-40B4-BE49-F238E27FC236}">
+                <a16:creationId xmlns:a16="http://schemas.microsoft.com/office/drawing/2014/main" id="{5C84A7B2-B46C-4DFB-BC1E-CED93E4201D0}"/>
+              </a:ext>
+            </a:extLst>
+          </p:cNvPr>
+          <p:cNvSpPr txBox="1"/>
+          <p:nvPr/>
+        </p:nvSpPr>
+        <p:spPr>
+          <a:xfrm>
+            <a:off x="5155615" y="2458987"/>
+            <a:ext cx="988219" cy="246221"/>
+          </a:xfrm>
+          <a:prstGeom prst="rect">
+            <a:avLst/>
+          </a:prstGeom>
+          <a:noFill/>
+        </p:spPr>
+        <p:txBody>
+          <a:bodyPr wrap="square" rtlCol="0">
+            <a:spAutoFit/>
+          </a:bodyPr>
+          <a:lstStyle/>
+          <a:p>
+            <a:pPr algn="ctr"/>
+            <a:r>
+              <a:rPr lang="en-US" sz="1000" dirty="0">
+                <a:solidFill>
+                  <a:schemeClr val="accent1">
+                    <a:lumMod val="75000"/>
+                  </a:schemeClr>
+                </a:solidFill>
+              </a:rPr>
+              <a:t>&lt;&lt;include&gt;&gt;</a:t>
+            </a:r>
+            <a:endParaRPr lang="he-IL" sz="1000" dirty="0">
+              <a:solidFill>
+                <a:schemeClr val="accent1">
+                  <a:lumMod val="75000"/>
+                </a:schemeClr>
+              </a:solidFill>
+            </a:endParaRPr>
+          </a:p>
+        </p:txBody>
+      </p:sp>
+      <p:cxnSp>
+        <p:nvCxnSpPr>
+          <p:cNvPr id="18" name="Straight Arrow Connector 17">
+            <a:extLst>
+              <a:ext uri="{FF2B5EF4-FFF2-40B4-BE49-F238E27FC236}">
+                <a16:creationId xmlns:a16="http://schemas.microsoft.com/office/drawing/2014/main" id="{BF2A46A4-98F4-42E1-B767-A1A29643CCF3}"/>
+              </a:ext>
+            </a:extLst>
+          </p:cNvPr>
+          <p:cNvCxnSpPr>
+            <a:cxnSpLocks/>
+            <a:endCxn id="47" idx="2"/>
+          </p:cNvCxnSpPr>
+          <p:nvPr/>
+        </p:nvCxnSpPr>
+        <p:spPr>
+          <a:xfrm flipV="1">
+            <a:off x="1097225" y="2002226"/>
+            <a:ext cx="2408906" cy="316994"/>
+          </a:xfrm>
+          <a:prstGeom prst="straightConnector1">
+            <a:avLst/>
+          </a:prstGeom>
+          <a:ln>
+            <a:tailEnd type="triangle"/>
+          </a:ln>
+        </p:spPr>
+        <p:style>
+          <a:lnRef idx="1">
+            <a:schemeClr val="accent1"/>
+          </a:lnRef>
+          <a:fillRef idx="0">
+            <a:schemeClr val="accent1"/>
+          </a:fillRef>
+          <a:effectRef idx="0">
+            <a:schemeClr val="accent1"/>
+          </a:effectRef>
+          <a:fontRef idx="minor">
+            <a:schemeClr val="tx1"/>
+          </a:fontRef>
+        </p:style>
+      </p:cxnSp>
+      <p:cxnSp>
+        <p:nvCxnSpPr>
+          <p:cNvPr id="53" name="Straight Arrow Connector 52">
+            <a:extLst>
+              <a:ext uri="{FF2B5EF4-FFF2-40B4-BE49-F238E27FC236}">
+                <a16:creationId xmlns:a16="http://schemas.microsoft.com/office/drawing/2014/main" id="{D5E461B3-F2AC-4992-8A85-481E188FB094}"/>
+              </a:ext>
+            </a:extLst>
+          </p:cNvPr>
+          <p:cNvCxnSpPr>
+            <a:cxnSpLocks/>
+            <a:endCxn id="48" idx="2"/>
+          </p:cNvCxnSpPr>
+          <p:nvPr/>
+        </p:nvCxnSpPr>
+        <p:spPr>
+          <a:xfrm>
+            <a:off x="1097225" y="2562125"/>
+            <a:ext cx="2408906" cy="791142"/>
+          </a:xfrm>
+          <a:prstGeom prst="straightConnector1">
+            <a:avLst/>
+          </a:prstGeom>
+          <a:ln>
+            <a:tailEnd type="triangle"/>
+          </a:ln>
+        </p:spPr>
+        <p:style>
+          <a:lnRef idx="1">
+            <a:schemeClr val="accent1"/>
+          </a:lnRef>
+          <a:fillRef idx="0">
+            <a:schemeClr val="accent1"/>
+          </a:fillRef>
+          <a:effectRef idx="0">
+            <a:schemeClr val="accent1"/>
+          </a:effectRef>
+          <a:fontRef idx="minor">
+            <a:schemeClr val="tx1"/>
+          </a:fontRef>
+        </p:style>
+      </p:cxnSp>
+      <p:sp>
+        <p:nvSpPr>
+          <p:cNvPr id="5" name="Rectangle 4">
+            <a:extLst>
+              <a:ext uri="{FF2B5EF4-FFF2-40B4-BE49-F238E27FC236}">
+                <a16:creationId xmlns:a16="http://schemas.microsoft.com/office/drawing/2014/main" id="{0E4EEA44-4B0C-496F-9DDF-D91DC53FD1C8}"/>
               </a:ext>
             </a:extLst>
           </p:cNvPr>
@@ -8795,12 +5076,13 @@
         </p:nvSpPr>
         <p:spPr>
           <a:xfrm>
-            <a:off x="3506131" y="4912902"/>
-            <a:ext cx="1760527" cy="485809"/>
+            <a:off x="2389462" y="1126679"/>
+            <a:ext cx="5888072" cy="5399221"/>
           </a:xfrm>
-          <a:prstGeom prst="ellipse">
+          <a:prstGeom prst="rect">
             <a:avLst/>
           </a:prstGeom>
+          <a:noFill/>
         </p:spPr>
         <p:style>
           <a:lnRef idx="2">
@@ -8819,133 +5101,301 @@
           </a:fontRef>
         </p:style>
         <p:txBody>
-          <a:bodyPr rot="0" spcFirstLastPara="0" vertOverflow="overflow" horzOverflow="overflow" vert="horz" wrap="square" lIns="91440" tIns="45720" rIns="91440" bIns="45720" numCol="1" spcCol="0" rtlCol="0" fromWordArt="0" anchor="ctr" anchorCtr="0" forceAA="0" compatLnSpc="1">
-            <a:prstTxWarp prst="textNoShape">
+          <a:bodyPr rtlCol="0" anchor="ctr"/>
+          <a:lstStyle/>
+          <a:p>
+            <a:pPr algn="ctr"/>
+            <a:endParaRPr lang="en-US"/>
+          </a:p>
+        </p:txBody>
+      </p:sp>
+      <p:grpSp>
+        <p:nvGrpSpPr>
+          <p:cNvPr id="70" name="Group 69">
+            <a:extLst>
+              <a:ext uri="{FF2B5EF4-FFF2-40B4-BE49-F238E27FC236}">
+                <a16:creationId xmlns:a16="http://schemas.microsoft.com/office/drawing/2014/main" id="{F426B446-76A6-4F76-B584-52CA70396C6A}"/>
+              </a:ext>
+            </a:extLst>
+          </p:cNvPr>
+          <p:cNvGrpSpPr/>
+          <p:nvPr/>
+        </p:nvGrpSpPr>
+        <p:grpSpPr>
+          <a:xfrm>
+            <a:off x="8771385" y="2002225"/>
+            <a:ext cx="878757" cy="1366819"/>
+            <a:chOff x="166889" y="2680448"/>
+            <a:chExt cx="1064478" cy="1655690"/>
+          </a:xfrm>
+        </p:grpSpPr>
+        <p:grpSp>
+          <p:nvGrpSpPr>
+            <p:cNvPr id="72" name="Group 71">
+              <a:extLst>
+                <a:ext uri="{FF2B5EF4-FFF2-40B4-BE49-F238E27FC236}">
+                  <a16:creationId xmlns:a16="http://schemas.microsoft.com/office/drawing/2014/main" id="{EFF5958E-D137-4DB4-9DAE-A5C7D9677B56}"/>
+                </a:ext>
+              </a:extLst>
+            </p:cNvPr>
+            <p:cNvGrpSpPr/>
+            <p:nvPr/>
+          </p:nvGrpSpPr>
+          <p:grpSpPr>
+            <a:xfrm>
+              <a:off x="401999" y="2680448"/>
+              <a:ext cx="594257" cy="1320150"/>
+              <a:chOff x="1763484" y="989045"/>
+              <a:chExt cx="1474240" cy="3275045"/>
+            </a:xfrm>
+          </p:grpSpPr>
+          <p:sp>
+            <p:nvSpPr>
+              <p:cNvPr id="75" name="Oval 74">
+                <a:extLst>
+                  <a:ext uri="{FF2B5EF4-FFF2-40B4-BE49-F238E27FC236}">
+                    <a16:creationId xmlns:a16="http://schemas.microsoft.com/office/drawing/2014/main" id="{64D64C9C-8360-4586-BDD1-1124B3E1670E}"/>
+                  </a:ext>
+                </a:extLst>
+              </p:cNvPr>
+              <p:cNvSpPr/>
+              <p:nvPr/>
+            </p:nvSpPr>
+            <p:spPr>
+              <a:xfrm>
+                <a:off x="2034074" y="989045"/>
+                <a:ext cx="933061" cy="933061"/>
+              </a:xfrm>
+              <a:prstGeom prst="ellipse">
+                <a:avLst/>
+              </a:prstGeom>
+              <a:noFill/>
+              <a:ln w="19050"/>
+            </p:spPr>
+            <p:style>
+              <a:lnRef idx="2">
+                <a:schemeClr val="accent1">
+                  <a:shade val="50000"/>
+                </a:schemeClr>
+              </a:lnRef>
+              <a:fillRef idx="1">
+                <a:schemeClr val="accent1"/>
+              </a:fillRef>
+              <a:effectRef idx="0">
+                <a:schemeClr val="accent1"/>
+              </a:effectRef>
+              <a:fontRef idx="minor">
+                <a:schemeClr val="lt1"/>
+              </a:fontRef>
+            </p:style>
+            <p:txBody>
+              <a:bodyPr rtlCol="0" anchor="ctr"/>
+              <a:lstStyle/>
+              <a:p>
+                <a:pPr algn="ctr"/>
+                <a:endParaRPr lang="en-US">
+                  <a:solidFill>
+                    <a:schemeClr val="tx1"/>
+                  </a:solidFill>
+                </a:endParaRPr>
+              </a:p>
+            </p:txBody>
+          </p:sp>
+          <p:cxnSp>
+            <p:nvCxnSpPr>
+              <p:cNvPr id="77" name="Straight Connector 76">
+                <a:extLst>
+                  <a:ext uri="{FF2B5EF4-FFF2-40B4-BE49-F238E27FC236}">
+                    <a16:creationId xmlns:a16="http://schemas.microsoft.com/office/drawing/2014/main" id="{7201A5FE-6322-4061-9984-E2C29941A765}"/>
+                  </a:ext>
+                </a:extLst>
+              </p:cNvPr>
+              <p:cNvCxnSpPr>
+                <a:cxnSpLocks/>
+                <a:stCxn id="75" idx="4"/>
+              </p:cNvCxnSpPr>
+              <p:nvPr/>
+            </p:nvCxnSpPr>
+            <p:spPr>
+              <a:xfrm>
+                <a:off x="2500605" y="1922106"/>
+                <a:ext cx="0" cy="1306286"/>
+              </a:xfrm>
+              <a:prstGeom prst="line">
+                <a:avLst/>
+              </a:prstGeom>
+              <a:ln w="19050"/>
+            </p:spPr>
+            <p:style>
+              <a:lnRef idx="1">
+                <a:schemeClr val="accent1"/>
+              </a:lnRef>
+              <a:fillRef idx="0">
+                <a:schemeClr val="accent1"/>
+              </a:fillRef>
+              <a:effectRef idx="0">
+                <a:schemeClr val="accent1"/>
+              </a:effectRef>
+              <a:fontRef idx="minor">
+                <a:schemeClr val="tx1"/>
+              </a:fontRef>
+            </p:style>
+          </p:cxnSp>
+          <p:cxnSp>
+            <p:nvCxnSpPr>
+              <p:cNvPr id="80" name="Straight Connector 79">
+                <a:extLst>
+                  <a:ext uri="{FF2B5EF4-FFF2-40B4-BE49-F238E27FC236}">
+                    <a16:creationId xmlns:a16="http://schemas.microsoft.com/office/drawing/2014/main" id="{2EF4A6E5-6D45-41F0-BEA9-9331C4A5E05E}"/>
+                  </a:ext>
+                </a:extLst>
+              </p:cNvPr>
+              <p:cNvCxnSpPr>
+                <a:cxnSpLocks/>
+              </p:cNvCxnSpPr>
+              <p:nvPr/>
+            </p:nvCxnSpPr>
+            <p:spPr>
+              <a:xfrm flipH="1">
+                <a:off x="1763485" y="3228392"/>
+                <a:ext cx="737118" cy="1035698"/>
+              </a:xfrm>
+              <a:prstGeom prst="line">
+                <a:avLst/>
+              </a:prstGeom>
+              <a:ln w="19050"/>
+            </p:spPr>
+            <p:style>
+              <a:lnRef idx="1">
+                <a:schemeClr val="accent1"/>
+              </a:lnRef>
+              <a:fillRef idx="0">
+                <a:schemeClr val="accent1"/>
+              </a:fillRef>
+              <a:effectRef idx="0">
+                <a:schemeClr val="accent1"/>
+              </a:effectRef>
+              <a:fontRef idx="minor">
+                <a:schemeClr val="tx1"/>
+              </a:fontRef>
+            </p:style>
+          </p:cxnSp>
+          <p:cxnSp>
+            <p:nvCxnSpPr>
+              <p:cNvPr id="81" name="Straight Connector 80">
+                <a:extLst>
+                  <a:ext uri="{FF2B5EF4-FFF2-40B4-BE49-F238E27FC236}">
+                    <a16:creationId xmlns:a16="http://schemas.microsoft.com/office/drawing/2014/main" id="{BAA4D253-AA92-432C-84BA-CD18B2210567}"/>
+                  </a:ext>
+                </a:extLst>
+              </p:cNvPr>
+              <p:cNvCxnSpPr>
+                <a:cxnSpLocks/>
+              </p:cNvCxnSpPr>
+              <p:nvPr/>
+            </p:nvCxnSpPr>
+            <p:spPr>
+              <a:xfrm>
+                <a:off x="2500604" y="3228393"/>
+                <a:ext cx="737120" cy="1035697"/>
+              </a:xfrm>
+              <a:prstGeom prst="line">
+                <a:avLst/>
+              </a:prstGeom>
+              <a:ln w="19050"/>
+            </p:spPr>
+            <p:style>
+              <a:lnRef idx="1">
+                <a:schemeClr val="accent1"/>
+              </a:lnRef>
+              <a:fillRef idx="0">
+                <a:schemeClr val="accent1"/>
+              </a:fillRef>
+              <a:effectRef idx="0">
+                <a:schemeClr val="accent1"/>
+              </a:effectRef>
+              <a:fontRef idx="minor">
+                <a:schemeClr val="tx1"/>
+              </a:fontRef>
+            </p:style>
+          </p:cxnSp>
+          <p:cxnSp>
+            <p:nvCxnSpPr>
+              <p:cNvPr id="82" name="Straight Connector 81">
+                <a:extLst>
+                  <a:ext uri="{FF2B5EF4-FFF2-40B4-BE49-F238E27FC236}">
+                    <a16:creationId xmlns:a16="http://schemas.microsoft.com/office/drawing/2014/main" id="{2F576784-4087-4363-A1E1-8F6247626E7D}"/>
+                  </a:ext>
+                </a:extLst>
+              </p:cNvPr>
+              <p:cNvCxnSpPr>
+                <a:cxnSpLocks/>
+              </p:cNvCxnSpPr>
+              <p:nvPr/>
+            </p:nvCxnSpPr>
+            <p:spPr>
+              <a:xfrm>
+                <a:off x="1763484" y="2416623"/>
+                <a:ext cx="1474239" cy="0"/>
+              </a:xfrm>
+              <a:prstGeom prst="line">
+                <a:avLst/>
+              </a:prstGeom>
+              <a:ln w="19050"/>
+            </p:spPr>
+            <p:style>
+              <a:lnRef idx="1">
+                <a:schemeClr val="accent1"/>
+              </a:lnRef>
+              <a:fillRef idx="0">
+                <a:schemeClr val="accent1"/>
+              </a:fillRef>
+              <a:effectRef idx="0">
+                <a:schemeClr val="accent1"/>
+              </a:effectRef>
+              <a:fontRef idx="minor">
+                <a:schemeClr val="tx1"/>
+              </a:fontRef>
+            </p:style>
+          </p:cxnSp>
+        </p:grpSp>
+        <p:sp>
+          <p:nvSpPr>
+            <p:cNvPr id="73" name="TextBox 72">
+              <a:extLst>
+                <a:ext uri="{FF2B5EF4-FFF2-40B4-BE49-F238E27FC236}">
+                  <a16:creationId xmlns:a16="http://schemas.microsoft.com/office/drawing/2014/main" id="{49A36DD8-1C04-47AB-BD89-43742C0D7FB6}"/>
+                </a:ext>
+              </a:extLst>
+            </p:cNvPr>
+            <p:cNvSpPr txBox="1"/>
+            <p:nvPr/>
+          </p:nvSpPr>
+          <p:spPr>
+            <a:xfrm>
+              <a:off x="166889" y="4000597"/>
+              <a:ext cx="1064478" cy="335541"/>
+            </a:xfrm>
+            <a:prstGeom prst="rect">
               <a:avLst/>
-            </a:prstTxWarp>
-            <a:noAutofit/>
-          </a:bodyPr>
-          <a:lstStyle/>
-          <a:p>
-            <a:pPr algn="ctr"/>
-            <a:r>
-              <a:rPr lang="he-IL" sz="1200" dirty="0"/>
-              <a:t>ביטול הזמנה</a:t>
-            </a:r>
-            <a:endParaRPr lang="en-US" sz="1200" dirty="0"/>
-          </a:p>
-        </p:txBody>
-      </p:sp>
-      <p:sp>
-        <p:nvSpPr>
-          <p:cNvPr id="74" name="Oval 73">
-            <a:extLst>
-              <a:ext uri="{FF2B5EF4-FFF2-40B4-BE49-F238E27FC236}">
-                <a16:creationId xmlns:a16="http://schemas.microsoft.com/office/drawing/2014/main" id="{B216B5FE-CDB6-46DE-9BC7-69B69B6704E0}"/>
-              </a:ext>
-            </a:extLst>
-          </p:cNvPr>
-          <p:cNvSpPr/>
-          <p:nvPr/>
-        </p:nvSpPr>
-        <p:spPr>
-          <a:xfrm>
-            <a:off x="8413454" y="5017210"/>
-            <a:ext cx="1760527" cy="485809"/>
-          </a:xfrm>
-          <a:prstGeom prst="ellipse">
-            <a:avLst/>
-          </a:prstGeom>
-        </p:spPr>
-        <p:style>
-          <a:lnRef idx="2">
-            <a:schemeClr val="accent1">
-              <a:shade val="50000"/>
-            </a:schemeClr>
-          </a:lnRef>
-          <a:fillRef idx="1">
-            <a:schemeClr val="accent1"/>
-          </a:fillRef>
-          <a:effectRef idx="0">
-            <a:schemeClr val="accent1"/>
-          </a:effectRef>
-          <a:fontRef idx="minor">
-            <a:schemeClr val="lt1"/>
-          </a:fontRef>
-        </p:style>
-        <p:txBody>
-          <a:bodyPr rot="0" spcFirstLastPara="0" vertOverflow="overflow" horzOverflow="overflow" vert="horz" wrap="square" lIns="91440" tIns="45720" rIns="91440" bIns="45720" numCol="1" spcCol="0" rtlCol="0" fromWordArt="0" anchor="ctr" anchorCtr="0" forceAA="0" compatLnSpc="1">
-            <a:prstTxWarp prst="textNoShape">
-              <a:avLst/>
-            </a:prstTxWarp>
-            <a:noAutofit/>
-          </a:bodyPr>
-          <a:lstStyle/>
-          <a:p>
-            <a:pPr algn="ctr"/>
-            <a:r>
-              <a:rPr lang="he-IL" sz="1200" dirty="0"/>
-              <a:t>קבלת תמונת מצב עדכנית</a:t>
-            </a:r>
-            <a:endParaRPr lang="en-US" sz="1200" dirty="0"/>
-          </a:p>
-        </p:txBody>
-      </p:sp>
-      <p:sp>
-        <p:nvSpPr>
-          <p:cNvPr id="75" name="Oval 74">
-            <a:extLst>
-              <a:ext uri="{FF2B5EF4-FFF2-40B4-BE49-F238E27FC236}">
-                <a16:creationId xmlns:a16="http://schemas.microsoft.com/office/drawing/2014/main" id="{AFC7AF8E-7192-4D47-80FD-9DFCDB5E4025}"/>
-              </a:ext>
-            </a:extLst>
-          </p:cNvPr>
-          <p:cNvSpPr/>
-          <p:nvPr/>
-        </p:nvSpPr>
-        <p:spPr>
-          <a:xfrm>
-            <a:off x="8413455" y="5608903"/>
-            <a:ext cx="1760527" cy="485809"/>
-          </a:xfrm>
-          <a:prstGeom prst="ellipse">
-            <a:avLst/>
-          </a:prstGeom>
-        </p:spPr>
-        <p:style>
-          <a:lnRef idx="2">
-            <a:schemeClr val="accent1">
-              <a:shade val="50000"/>
-            </a:schemeClr>
-          </a:lnRef>
-          <a:fillRef idx="1">
-            <a:schemeClr val="accent1"/>
-          </a:fillRef>
-          <a:effectRef idx="0">
-            <a:schemeClr val="accent1"/>
-          </a:effectRef>
-          <a:fontRef idx="minor">
-            <a:schemeClr val="lt1"/>
-          </a:fontRef>
-        </p:style>
-        <p:txBody>
-          <a:bodyPr rot="0" spcFirstLastPara="0" vertOverflow="overflow" horzOverflow="overflow" vert="horz" wrap="square" lIns="91440" tIns="45720" rIns="91440" bIns="45720" numCol="1" spcCol="0" rtlCol="0" fromWordArt="0" anchor="ctr" anchorCtr="0" forceAA="0" compatLnSpc="1">
-            <a:prstTxWarp prst="textNoShape">
-              <a:avLst/>
-            </a:prstTxWarp>
-            <a:noAutofit/>
-          </a:bodyPr>
-          <a:lstStyle/>
-          <a:p>
-            <a:pPr algn="ctr"/>
-            <a:r>
-              <a:rPr lang="he-IL" sz="1200" dirty="0"/>
-              <a:t>קביעת תעריפים</a:t>
-            </a:r>
-            <a:endParaRPr lang="en-US" sz="1200" dirty="0"/>
-          </a:p>
-        </p:txBody>
-      </p:sp>
+            </a:prstGeom>
+            <a:noFill/>
+          </p:spPr>
+          <p:txBody>
+            <a:bodyPr wrap="square" rtlCol="0">
+              <a:spAutoFit/>
+            </a:bodyPr>
+            <a:lstStyle/>
+            <a:p>
+              <a:pPr algn="ctr"/>
+              <a:r>
+                <a:rPr lang="he-IL" sz="1200" dirty="0"/>
+                <a:t>רובוטית</a:t>
+              </a:r>
+            </a:p>
+          </p:txBody>
+        </p:sp>
+      </p:grpSp>
     </p:spTree>
     <p:extLst>
       <p:ext uri="{BB962C8B-B14F-4D97-AF65-F5344CB8AC3E}">
